--- a/Presentation/Presentation.pptx
+++ b/Presentation/Presentation.pptx
@@ -1,19 +1,27 @@
 
 <file path=ppt/presentation.xml><?xml version="1.0" encoding="utf-8"?>
-<p:presentation xmlns:a="http://schemas.openxmlformats.org/drawingml/2006/main" xmlns:r="http://schemas.openxmlformats.org/officeDocument/2006/relationships" xmlns:p="http://schemas.openxmlformats.org/presentationml/2006/main" saveSubsetFonts="1">
+<p:presentation xmlns:a="http://schemas.openxmlformats.org/drawingml/2006/main" xmlns:r="http://schemas.openxmlformats.org/officeDocument/2006/relationships" xmlns:p="http://schemas.openxmlformats.org/presentationml/2006/main" saveSubsetFonts="1" autoCompressPictures="0">
   <p:sldMasterIdLst>
     <p:sldMasterId id="2147483648" r:id="rId1"/>
+    <p:sldMasterId id="2147483660" r:id="rId2"/>
   </p:sldMasterIdLst>
+  <p:notesMasterIdLst>
+    <p:notesMasterId r:id="rId8"/>
+  </p:notesMasterIdLst>
   <p:sldIdLst>
-    <p:sldId id="256" r:id="rId2"/>
+    <p:sldId id="264" r:id="rId3"/>
+    <p:sldId id="265" r:id="rId4"/>
+    <p:sldId id="266" r:id="rId5"/>
+    <p:sldId id="267" r:id="rId6"/>
+    <p:sldId id="268" r:id="rId7"/>
   </p:sldIdLst>
-  <p:sldSz cx="12192000" cy="6858000"/>
+  <p:sldSz cx="9144000" cy="6858000" type="screen4x3"/>
   <p:notesSz cx="6858000" cy="9144000"/>
   <p:defaultTextStyle>
     <a:defPPr>
       <a:defRPr lang="en-US"/>
     </a:defPPr>
-    <a:lvl1pPr marL="0" algn="l" defTabSz="914400" rtl="0" eaLnBrk="1" latinLnBrk="0" hangingPunct="1">
+    <a:lvl1pPr marL="0" algn="l" defTabSz="457200" rtl="0" eaLnBrk="1" latinLnBrk="0" hangingPunct="1">
       <a:defRPr sz="1800" kern="1200">
         <a:solidFill>
           <a:schemeClr val="tx1"/>
@@ -23,7 +31,7 @@
         <a:cs typeface="+mn-cs"/>
       </a:defRPr>
     </a:lvl1pPr>
-    <a:lvl2pPr marL="457200" algn="l" defTabSz="914400" rtl="0" eaLnBrk="1" latinLnBrk="0" hangingPunct="1">
+    <a:lvl2pPr marL="457200" algn="l" defTabSz="457200" rtl="0" eaLnBrk="1" latinLnBrk="0" hangingPunct="1">
       <a:defRPr sz="1800" kern="1200">
         <a:solidFill>
           <a:schemeClr val="tx1"/>
@@ -33,7 +41,7 @@
         <a:cs typeface="+mn-cs"/>
       </a:defRPr>
     </a:lvl2pPr>
-    <a:lvl3pPr marL="914400" algn="l" defTabSz="914400" rtl="0" eaLnBrk="1" latinLnBrk="0" hangingPunct="1">
+    <a:lvl3pPr marL="914400" algn="l" defTabSz="457200" rtl="0" eaLnBrk="1" latinLnBrk="0" hangingPunct="1">
       <a:defRPr sz="1800" kern="1200">
         <a:solidFill>
           <a:schemeClr val="tx1"/>
@@ -43,7 +51,7 @@
         <a:cs typeface="+mn-cs"/>
       </a:defRPr>
     </a:lvl3pPr>
-    <a:lvl4pPr marL="1371600" algn="l" defTabSz="914400" rtl="0" eaLnBrk="1" latinLnBrk="0" hangingPunct="1">
+    <a:lvl4pPr marL="1371600" algn="l" defTabSz="457200" rtl="0" eaLnBrk="1" latinLnBrk="0" hangingPunct="1">
       <a:defRPr sz="1800" kern="1200">
         <a:solidFill>
           <a:schemeClr val="tx1"/>
@@ -53,7 +61,7 @@
         <a:cs typeface="+mn-cs"/>
       </a:defRPr>
     </a:lvl4pPr>
-    <a:lvl5pPr marL="1828800" algn="l" defTabSz="914400" rtl="0" eaLnBrk="1" latinLnBrk="0" hangingPunct="1">
+    <a:lvl5pPr marL="1828800" algn="l" defTabSz="457200" rtl="0" eaLnBrk="1" latinLnBrk="0" hangingPunct="1">
       <a:defRPr sz="1800" kern="1200">
         <a:solidFill>
           <a:schemeClr val="tx1"/>
@@ -63,7 +71,7 @@
         <a:cs typeface="+mn-cs"/>
       </a:defRPr>
     </a:lvl5pPr>
-    <a:lvl6pPr marL="2286000" algn="l" defTabSz="914400" rtl="0" eaLnBrk="1" latinLnBrk="0" hangingPunct="1">
+    <a:lvl6pPr marL="2286000" algn="l" defTabSz="457200" rtl="0" eaLnBrk="1" latinLnBrk="0" hangingPunct="1">
       <a:defRPr sz="1800" kern="1200">
         <a:solidFill>
           <a:schemeClr val="tx1"/>
@@ -73,7 +81,7 @@
         <a:cs typeface="+mn-cs"/>
       </a:defRPr>
     </a:lvl6pPr>
-    <a:lvl7pPr marL="2743200" algn="l" defTabSz="914400" rtl="0" eaLnBrk="1" latinLnBrk="0" hangingPunct="1">
+    <a:lvl7pPr marL="2743200" algn="l" defTabSz="457200" rtl="0" eaLnBrk="1" latinLnBrk="0" hangingPunct="1">
       <a:defRPr sz="1800" kern="1200">
         <a:solidFill>
           <a:schemeClr val="tx1"/>
@@ -83,7 +91,7 @@
         <a:cs typeface="+mn-cs"/>
       </a:defRPr>
     </a:lvl7pPr>
-    <a:lvl8pPr marL="3200400" algn="l" defTabSz="914400" rtl="0" eaLnBrk="1" latinLnBrk="0" hangingPunct="1">
+    <a:lvl8pPr marL="3200400" algn="l" defTabSz="457200" rtl="0" eaLnBrk="1" latinLnBrk="0" hangingPunct="1">
       <a:defRPr sz="1800" kern="1200">
         <a:solidFill>
           <a:schemeClr val="tx1"/>
@@ -93,7 +101,7 @@
         <a:cs typeface="+mn-cs"/>
       </a:defRPr>
     </a:lvl8pPr>
-    <a:lvl9pPr marL="3657600" algn="l" defTabSz="914400" rtl="0" eaLnBrk="1" latinLnBrk="0" hangingPunct="1">
+    <a:lvl9pPr marL="3657600" algn="l" defTabSz="457200" rtl="0" eaLnBrk="1" latinLnBrk="0" hangingPunct="1">
       <a:defRPr sz="1800" kern="1200">
         <a:solidFill>
           <a:schemeClr val="tx1"/>
@@ -104,7 +112,387 @@
       </a:defRPr>
     </a:lvl9pPr>
   </p:defaultTextStyle>
+  <p:extLst>
+    <p:ext uri="{521415D9-36F7-43E2-AB2F-B90AF26B5E84}">
+      <p14:sectionLst xmlns:p14="http://schemas.microsoft.com/office/powerpoint/2010/main">
+        <p14:section name="Default Section" id="{5E904C07-AA0B-43AD-A4E4-4FBF987011E1}">
+          <p14:sldIdLst>
+            <p14:sldId id="264"/>
+            <p14:sldId id="265"/>
+            <p14:sldId id="266"/>
+            <p14:sldId id="267"/>
+            <p14:sldId id="268"/>
+          </p14:sldIdLst>
+        </p14:section>
+      </p14:sectionLst>
+    </p:ext>
+    <p:ext uri="{EFAFB233-063F-42B5-8137-9DF3F51BA10A}">
+      <p15:sldGuideLst xmlns:p15="http://schemas.microsoft.com/office/powerpoint/2012/main">
+        <p15:guide id="1" orient="horz" pos="2160">
+          <p15:clr>
+            <a:srgbClr val="A4A3A4"/>
+          </p15:clr>
+        </p15:guide>
+        <p15:guide id="2" pos="2880">
+          <p15:clr>
+            <a:srgbClr val="A4A3A4"/>
+          </p15:clr>
+        </p15:guide>
+      </p15:sldGuideLst>
+    </p:ext>
+  </p:extLst>
 </p:presentation>
+</file>
+
+<file path=ppt/notesMasters/notesMaster1.xml><?xml version="1.0" encoding="utf-8"?>
+<p:notesMaster xmlns:a="http://schemas.openxmlformats.org/drawingml/2006/main" xmlns:r="http://schemas.openxmlformats.org/officeDocument/2006/relationships" xmlns:p="http://schemas.openxmlformats.org/presentationml/2006/main">
+  <p:cSld>
+    <p:bg>
+      <p:bgRef idx="1001">
+        <a:schemeClr val="bg1"/>
+      </p:bgRef>
+    </p:bg>
+    <p:spTree>
+      <p:nvGrpSpPr>
+        <p:cNvPr id="1" name=""/>
+        <p:cNvGrpSpPr/>
+        <p:nvPr/>
+      </p:nvGrpSpPr>
+      <p:grpSpPr>
+        <a:xfrm>
+          <a:off x="0" y="0"/>
+          <a:ext cx="0" cy="0"/>
+          <a:chOff x="0" y="0"/>
+          <a:chExt cx="0" cy="0"/>
+        </a:xfrm>
+      </p:grpSpPr>
+      <p:sp>
+        <p:nvSpPr>
+          <p:cNvPr id="2" name="Header Placeholder 1"/>
+          <p:cNvSpPr>
+            <a:spLocks noGrp="1"/>
+          </p:cNvSpPr>
+          <p:nvPr>
+            <p:ph type="hdr" sz="quarter"/>
+          </p:nvPr>
+        </p:nvSpPr>
+        <p:spPr>
+          <a:xfrm>
+            <a:off x="0" y="0"/>
+            <a:ext cx="2971800" cy="457200"/>
+          </a:xfrm>
+          <a:prstGeom prst="rect">
+            <a:avLst/>
+          </a:prstGeom>
+        </p:spPr>
+        <p:txBody>
+          <a:bodyPr vert="horz" lIns="91440" tIns="45720" rIns="91440" bIns="45720" rtlCol="0"/>
+          <a:lstStyle>
+            <a:lvl1pPr algn="l">
+              <a:defRPr sz="1200"/>
+            </a:lvl1pPr>
+          </a:lstStyle>
+          <a:p>
+            <a:endParaRPr lang="en-US"/>
+          </a:p>
+        </p:txBody>
+      </p:sp>
+      <p:sp>
+        <p:nvSpPr>
+          <p:cNvPr id="3" name="Date Placeholder 2"/>
+          <p:cNvSpPr>
+            <a:spLocks noGrp="1"/>
+          </p:cNvSpPr>
+          <p:nvPr>
+            <p:ph type="dt" idx="1"/>
+          </p:nvPr>
+        </p:nvSpPr>
+        <p:spPr>
+          <a:xfrm>
+            <a:off x="3884613" y="0"/>
+            <a:ext cx="2971800" cy="457200"/>
+          </a:xfrm>
+          <a:prstGeom prst="rect">
+            <a:avLst/>
+          </a:prstGeom>
+        </p:spPr>
+        <p:txBody>
+          <a:bodyPr vert="horz" lIns="91440" tIns="45720" rIns="91440" bIns="45720" rtlCol="0"/>
+          <a:lstStyle>
+            <a:lvl1pPr algn="r">
+              <a:defRPr sz="1200"/>
+            </a:lvl1pPr>
+          </a:lstStyle>
+          <a:p>
+            <a:fld id="{6A408A42-8110-7F4B-8B5D-8E63E83FB20C}" type="datetimeFigureOut">
+              <a:rPr lang="en-US" smtClean="0"/>
+              <a:pPr/>
+              <a:t>11/13/2016</a:t>
+            </a:fld>
+            <a:endParaRPr lang="en-US"/>
+          </a:p>
+        </p:txBody>
+      </p:sp>
+      <p:sp>
+        <p:nvSpPr>
+          <p:cNvPr id="4" name="Slide Image Placeholder 3"/>
+          <p:cNvSpPr>
+            <a:spLocks noGrp="1" noRot="1" noChangeAspect="1"/>
+          </p:cNvSpPr>
+          <p:nvPr>
+            <p:ph type="sldImg" idx="2"/>
+          </p:nvPr>
+        </p:nvSpPr>
+        <p:spPr>
+          <a:xfrm>
+            <a:off x="1143000" y="685800"/>
+            <a:ext cx="4572000" cy="3429000"/>
+          </a:xfrm>
+          <a:prstGeom prst="rect">
+            <a:avLst/>
+          </a:prstGeom>
+          <a:noFill/>
+          <a:ln w="12700">
+            <a:solidFill>
+              <a:prstClr val="black"/>
+            </a:solidFill>
+          </a:ln>
+        </p:spPr>
+        <p:txBody>
+          <a:bodyPr vert="horz" lIns="91440" tIns="45720" rIns="91440" bIns="45720" rtlCol="0" anchor="ctr"/>
+          <a:lstStyle/>
+          <a:p>
+            <a:endParaRPr lang="en-US"/>
+          </a:p>
+        </p:txBody>
+      </p:sp>
+      <p:sp>
+        <p:nvSpPr>
+          <p:cNvPr id="5" name="Notes Placeholder 4"/>
+          <p:cNvSpPr>
+            <a:spLocks noGrp="1"/>
+          </p:cNvSpPr>
+          <p:nvPr>
+            <p:ph type="body" sz="quarter" idx="3"/>
+          </p:nvPr>
+        </p:nvSpPr>
+        <p:spPr>
+          <a:xfrm>
+            <a:off x="685800" y="4343400"/>
+            <a:ext cx="5486400" cy="4114800"/>
+          </a:xfrm>
+          <a:prstGeom prst="rect">
+            <a:avLst/>
+          </a:prstGeom>
+        </p:spPr>
+        <p:txBody>
+          <a:bodyPr vert="horz" lIns="91440" tIns="45720" rIns="91440" bIns="45720" rtlCol="0"/>
+          <a:lstStyle/>
+          <a:p>
+            <a:pPr lvl="0"/>
+            <a:r>
+              <a:rPr lang="en-US"/>
+              <a:t>Click to edit Master text styles</a:t>
+            </a:r>
+          </a:p>
+          <a:p>
+            <a:pPr lvl="1"/>
+            <a:r>
+              <a:rPr lang="en-US"/>
+              <a:t>Second level</a:t>
+            </a:r>
+          </a:p>
+          <a:p>
+            <a:pPr lvl="2"/>
+            <a:r>
+              <a:rPr lang="en-US"/>
+              <a:t>Third level</a:t>
+            </a:r>
+          </a:p>
+          <a:p>
+            <a:pPr lvl="3"/>
+            <a:r>
+              <a:rPr lang="en-US"/>
+              <a:t>Fourth level</a:t>
+            </a:r>
+          </a:p>
+          <a:p>
+            <a:pPr lvl="4"/>
+            <a:r>
+              <a:rPr lang="en-US"/>
+              <a:t>Fifth level</a:t>
+            </a:r>
+          </a:p>
+        </p:txBody>
+      </p:sp>
+      <p:sp>
+        <p:nvSpPr>
+          <p:cNvPr id="6" name="Footer Placeholder 5"/>
+          <p:cNvSpPr>
+            <a:spLocks noGrp="1"/>
+          </p:cNvSpPr>
+          <p:nvPr>
+            <p:ph type="ftr" sz="quarter" idx="4"/>
+          </p:nvPr>
+        </p:nvSpPr>
+        <p:spPr>
+          <a:xfrm>
+            <a:off x="0" y="8685213"/>
+            <a:ext cx="2971800" cy="457200"/>
+          </a:xfrm>
+          <a:prstGeom prst="rect">
+            <a:avLst/>
+          </a:prstGeom>
+        </p:spPr>
+        <p:txBody>
+          <a:bodyPr vert="horz" lIns="91440" tIns="45720" rIns="91440" bIns="45720" rtlCol="0" anchor="b"/>
+          <a:lstStyle>
+            <a:lvl1pPr algn="l">
+              <a:defRPr sz="1200"/>
+            </a:lvl1pPr>
+          </a:lstStyle>
+          <a:p>
+            <a:endParaRPr lang="en-US"/>
+          </a:p>
+        </p:txBody>
+      </p:sp>
+      <p:sp>
+        <p:nvSpPr>
+          <p:cNvPr id="7" name="Slide Number Placeholder 6"/>
+          <p:cNvSpPr>
+            <a:spLocks noGrp="1"/>
+          </p:cNvSpPr>
+          <p:nvPr>
+            <p:ph type="sldNum" sz="quarter" idx="5"/>
+          </p:nvPr>
+        </p:nvSpPr>
+        <p:spPr>
+          <a:xfrm>
+            <a:off x="3884613" y="8685213"/>
+            <a:ext cx="2971800" cy="457200"/>
+          </a:xfrm>
+          <a:prstGeom prst="rect">
+            <a:avLst/>
+          </a:prstGeom>
+        </p:spPr>
+        <p:txBody>
+          <a:bodyPr vert="horz" lIns="91440" tIns="45720" rIns="91440" bIns="45720" rtlCol="0" anchor="b"/>
+          <a:lstStyle>
+            <a:lvl1pPr algn="r">
+              <a:defRPr sz="1200"/>
+            </a:lvl1pPr>
+          </a:lstStyle>
+          <a:p>
+            <a:fld id="{4989D2A8-80AF-A04A-8712-B8C3DD67BF6B}" type="slidenum">
+              <a:rPr lang="en-US" smtClean="0"/>
+              <a:pPr/>
+              <a:t>‹#›</a:t>
+            </a:fld>
+            <a:endParaRPr lang="en-US"/>
+          </a:p>
+        </p:txBody>
+      </p:sp>
+    </p:spTree>
+    <p:extLst>
+      <p:ext uri="{BB962C8B-B14F-4D97-AF65-F5344CB8AC3E}">
+        <p14:creationId xmlns:p14="http://schemas.microsoft.com/office/powerpoint/2010/main" val="2642868948"/>
+      </p:ext>
+    </p:extLst>
+  </p:cSld>
+  <p:clrMap bg1="lt1" tx1="dk1" bg2="lt2" tx2="dk2" accent1="accent1" accent2="accent2" accent3="accent3" accent4="accent4" accent5="accent5" accent6="accent6" hlink="hlink" folHlink="folHlink"/>
+  <p:notesStyle>
+    <a:lvl1pPr marL="0" algn="l" defTabSz="457200" rtl="0" eaLnBrk="1" latinLnBrk="0" hangingPunct="1">
+      <a:defRPr sz="1200" kern="1200">
+        <a:solidFill>
+          <a:schemeClr val="tx1"/>
+        </a:solidFill>
+        <a:latin typeface="+mn-lt"/>
+        <a:ea typeface="+mn-ea"/>
+        <a:cs typeface="+mn-cs"/>
+      </a:defRPr>
+    </a:lvl1pPr>
+    <a:lvl2pPr marL="457200" algn="l" defTabSz="457200" rtl="0" eaLnBrk="1" latinLnBrk="0" hangingPunct="1">
+      <a:defRPr sz="1200" kern="1200">
+        <a:solidFill>
+          <a:schemeClr val="tx1"/>
+        </a:solidFill>
+        <a:latin typeface="+mn-lt"/>
+        <a:ea typeface="+mn-ea"/>
+        <a:cs typeface="+mn-cs"/>
+      </a:defRPr>
+    </a:lvl2pPr>
+    <a:lvl3pPr marL="914400" algn="l" defTabSz="457200" rtl="0" eaLnBrk="1" latinLnBrk="0" hangingPunct="1">
+      <a:defRPr sz="1200" kern="1200">
+        <a:solidFill>
+          <a:schemeClr val="tx1"/>
+        </a:solidFill>
+        <a:latin typeface="+mn-lt"/>
+        <a:ea typeface="+mn-ea"/>
+        <a:cs typeface="+mn-cs"/>
+      </a:defRPr>
+    </a:lvl3pPr>
+    <a:lvl4pPr marL="1371600" algn="l" defTabSz="457200" rtl="0" eaLnBrk="1" latinLnBrk="0" hangingPunct="1">
+      <a:defRPr sz="1200" kern="1200">
+        <a:solidFill>
+          <a:schemeClr val="tx1"/>
+        </a:solidFill>
+        <a:latin typeface="+mn-lt"/>
+        <a:ea typeface="+mn-ea"/>
+        <a:cs typeface="+mn-cs"/>
+      </a:defRPr>
+    </a:lvl4pPr>
+    <a:lvl5pPr marL="1828800" algn="l" defTabSz="457200" rtl="0" eaLnBrk="1" latinLnBrk="0" hangingPunct="1">
+      <a:defRPr sz="1200" kern="1200">
+        <a:solidFill>
+          <a:schemeClr val="tx1"/>
+        </a:solidFill>
+        <a:latin typeface="+mn-lt"/>
+        <a:ea typeface="+mn-ea"/>
+        <a:cs typeface="+mn-cs"/>
+      </a:defRPr>
+    </a:lvl5pPr>
+    <a:lvl6pPr marL="2286000" algn="l" defTabSz="457200" rtl="0" eaLnBrk="1" latinLnBrk="0" hangingPunct="1">
+      <a:defRPr sz="1200" kern="1200">
+        <a:solidFill>
+          <a:schemeClr val="tx1"/>
+        </a:solidFill>
+        <a:latin typeface="+mn-lt"/>
+        <a:ea typeface="+mn-ea"/>
+        <a:cs typeface="+mn-cs"/>
+      </a:defRPr>
+    </a:lvl6pPr>
+    <a:lvl7pPr marL="2743200" algn="l" defTabSz="457200" rtl="0" eaLnBrk="1" latinLnBrk="0" hangingPunct="1">
+      <a:defRPr sz="1200" kern="1200">
+        <a:solidFill>
+          <a:schemeClr val="tx1"/>
+        </a:solidFill>
+        <a:latin typeface="+mn-lt"/>
+        <a:ea typeface="+mn-ea"/>
+        <a:cs typeface="+mn-cs"/>
+      </a:defRPr>
+    </a:lvl7pPr>
+    <a:lvl8pPr marL="3200400" algn="l" defTabSz="457200" rtl="0" eaLnBrk="1" latinLnBrk="0" hangingPunct="1">
+      <a:defRPr sz="1200" kern="1200">
+        <a:solidFill>
+          <a:schemeClr val="tx1"/>
+        </a:solidFill>
+        <a:latin typeface="+mn-lt"/>
+        <a:ea typeface="+mn-ea"/>
+        <a:cs typeface="+mn-cs"/>
+      </a:defRPr>
+    </a:lvl8pPr>
+    <a:lvl9pPr marL="3657600" algn="l" defTabSz="457200" rtl="0" eaLnBrk="1" latinLnBrk="0" hangingPunct="1">
+      <a:defRPr sz="1200" kern="1200">
+        <a:solidFill>
+          <a:schemeClr val="tx1"/>
+        </a:solidFill>
+        <a:latin typeface="+mn-lt"/>
+        <a:ea typeface="+mn-ea"/>
+        <a:cs typeface="+mn-cs"/>
+      </a:defRPr>
+    </a:lvl9pPr>
+  </p:notesStyle>
+</p:notesMaster>
 </file>
 
 <file path=ppt/slideLayouts/slideLayout1.xml><?xml version="1.0" encoding="utf-8"?>
@@ -136,23 +524,18 @@
         </p:nvSpPr>
         <p:spPr>
           <a:xfrm>
-            <a:off x="1524000" y="1122363"/>
-            <a:ext cx="9144000" cy="2387600"/>
+            <a:off x="685800" y="2130425"/>
+            <a:ext cx="7772400" cy="1470025"/>
           </a:xfrm>
         </p:spPr>
         <p:txBody>
-          <a:bodyPr anchor="b"/>
-          <a:lstStyle>
-            <a:lvl1pPr algn="ctr">
-              <a:defRPr sz="6000"/>
-            </a:lvl1pPr>
-          </a:lstStyle>
-          <a:p>
-            <a:r>
-              <a:rPr lang="en-US" smtClean="0"/>
+          <a:bodyPr/>
+          <a:lstStyle/>
+          <a:p>
+            <a:r>
+              <a:rPr lang="en-US"/>
               <a:t>Click to edit Master title style</a:t>
             </a:r>
-            <a:endParaRPr lang="en-US"/>
           </a:p>
         </p:txBody>
       </p:sp>
@@ -168,8 +551,8 @@
         </p:nvSpPr>
         <p:spPr>
           <a:xfrm>
-            <a:off x="1524000" y="3602038"/>
-            <a:ext cx="9144000" cy="1655762"/>
+            <a:off x="1371600" y="3886200"/>
+            <a:ext cx="6400800" cy="1752600"/>
           </a:xfrm>
         </p:spPr>
         <p:txBody>
@@ -177,67 +560,121 @@
           <a:lstStyle>
             <a:lvl1pPr marL="0" indent="0" algn="ctr">
               <a:buNone/>
-              <a:defRPr sz="2400"/>
+              <a:defRPr>
+                <a:solidFill>
+                  <a:schemeClr val="tx1">
+                    <a:tint val="75000"/>
+                  </a:schemeClr>
+                </a:solidFill>
+              </a:defRPr>
             </a:lvl1pPr>
             <a:lvl2pPr marL="457200" indent="0" algn="ctr">
               <a:buNone/>
-              <a:defRPr sz="2000"/>
+              <a:defRPr>
+                <a:solidFill>
+                  <a:schemeClr val="tx1">
+                    <a:tint val="75000"/>
+                  </a:schemeClr>
+                </a:solidFill>
+              </a:defRPr>
             </a:lvl2pPr>
             <a:lvl3pPr marL="914400" indent="0" algn="ctr">
               <a:buNone/>
-              <a:defRPr sz="1800"/>
+              <a:defRPr>
+                <a:solidFill>
+                  <a:schemeClr val="tx1">
+                    <a:tint val="75000"/>
+                  </a:schemeClr>
+                </a:solidFill>
+              </a:defRPr>
             </a:lvl3pPr>
             <a:lvl4pPr marL="1371600" indent="0" algn="ctr">
               <a:buNone/>
-              <a:defRPr sz="1600"/>
+              <a:defRPr>
+                <a:solidFill>
+                  <a:schemeClr val="tx1">
+                    <a:tint val="75000"/>
+                  </a:schemeClr>
+                </a:solidFill>
+              </a:defRPr>
             </a:lvl4pPr>
             <a:lvl5pPr marL="1828800" indent="0" algn="ctr">
               <a:buNone/>
-              <a:defRPr sz="1600"/>
+              <a:defRPr>
+                <a:solidFill>
+                  <a:schemeClr val="tx1">
+                    <a:tint val="75000"/>
+                  </a:schemeClr>
+                </a:solidFill>
+              </a:defRPr>
             </a:lvl5pPr>
             <a:lvl6pPr marL="2286000" indent="0" algn="ctr">
               <a:buNone/>
-              <a:defRPr sz="1600"/>
+              <a:defRPr>
+                <a:solidFill>
+                  <a:schemeClr val="tx1">
+                    <a:tint val="75000"/>
+                  </a:schemeClr>
+                </a:solidFill>
+              </a:defRPr>
             </a:lvl6pPr>
             <a:lvl7pPr marL="2743200" indent="0" algn="ctr">
               <a:buNone/>
-              <a:defRPr sz="1600"/>
+              <a:defRPr>
+                <a:solidFill>
+                  <a:schemeClr val="tx1">
+                    <a:tint val="75000"/>
+                  </a:schemeClr>
+                </a:solidFill>
+              </a:defRPr>
             </a:lvl7pPr>
             <a:lvl8pPr marL="3200400" indent="0" algn="ctr">
               <a:buNone/>
-              <a:defRPr sz="1600"/>
+              <a:defRPr>
+                <a:solidFill>
+                  <a:schemeClr val="tx1">
+                    <a:tint val="75000"/>
+                  </a:schemeClr>
+                </a:solidFill>
+              </a:defRPr>
             </a:lvl8pPr>
             <a:lvl9pPr marL="3657600" indent="0" algn="ctr">
               <a:buNone/>
-              <a:defRPr sz="1600"/>
+              <a:defRPr>
+                <a:solidFill>
+                  <a:schemeClr val="tx1">
+                    <a:tint val="75000"/>
+                  </a:schemeClr>
+                </a:solidFill>
+              </a:defRPr>
             </a:lvl9pPr>
           </a:lstStyle>
           <a:p>
             <a:r>
+              <a:rPr lang="en-US"/>
+              <a:t>Click to edit Master subtitle style</a:t>
+            </a:r>
+          </a:p>
+        </p:txBody>
+      </p:sp>
+      <p:sp>
+        <p:nvSpPr>
+          <p:cNvPr id="4" name="Date Placeholder 3"/>
+          <p:cNvSpPr>
+            <a:spLocks noGrp="1"/>
+          </p:cNvSpPr>
+          <p:nvPr>
+            <p:ph type="dt" sz="half" idx="10"/>
+          </p:nvPr>
+        </p:nvSpPr>
+        <p:spPr/>
+        <p:txBody>
+          <a:bodyPr/>
+          <a:lstStyle/>
+          <a:p>
+            <a:fld id="{49DBEA4D-F3C4-4046-BB47-FCB1207B26B3}" type="datetimeFigureOut">
               <a:rPr lang="en-US" smtClean="0"/>
-              <a:t>Click to edit Master subtitle style</a:t>
-            </a:r>
-            <a:endParaRPr lang="en-US"/>
-          </a:p>
-        </p:txBody>
-      </p:sp>
-      <p:sp>
-        <p:nvSpPr>
-          <p:cNvPr id="4" name="Date Placeholder 3"/>
-          <p:cNvSpPr>
-            <a:spLocks noGrp="1"/>
-          </p:cNvSpPr>
-          <p:nvPr>
-            <p:ph type="dt" sz="half" idx="10"/>
-          </p:nvPr>
-        </p:nvSpPr>
-        <p:spPr/>
-        <p:txBody>
-          <a:bodyPr/>
-          <a:lstStyle/>
-          <a:p>
-            <a:fld id="{B39CBDF4-31CC-475E-800F-57E537CCDD78}" type="datetimeFigureOut">
-              <a:rPr lang="en-US" smtClean="0"/>
+              <a:pPr/>
               <a:t>11/13/2016</a:t>
             </a:fld>
             <a:endParaRPr lang="en-US"/>
@@ -278,8 +715,9 @@
           <a:bodyPr/>
           <a:lstStyle/>
           <a:p>
-            <a:fld id="{53877A09-728E-4EDF-8C88-EFB119A61357}" type="slidenum">
+            <a:fld id="{C4775A35-BBF8-6142-A822-4BC4CE95054E}" type="slidenum">
               <a:rPr lang="en-US" smtClean="0"/>
+              <a:pPr/>
               <a:t>‹#›</a:t>
             </a:fld>
             <a:endParaRPr lang="en-US"/>
@@ -289,7 +727,7 @@
     </p:spTree>
     <p:extLst>
       <p:ext uri="{BB962C8B-B14F-4D97-AF65-F5344CB8AC3E}">
-        <p14:creationId xmlns:p14="http://schemas.microsoft.com/office/powerpoint/2010/main" val="3723451234"/>
+        <p14:creationId xmlns:p14="http://schemas.microsoft.com/office/powerpoint/2010/main" val="863084697"/>
       </p:ext>
     </p:extLst>
   </p:cSld>
@@ -332,82 +770,81 @@
           <a:lstStyle/>
           <a:p>
             <a:r>
+              <a:rPr lang="en-US"/>
+              <a:t>Click to edit Master title style</a:t>
+            </a:r>
+          </a:p>
+        </p:txBody>
+      </p:sp>
+      <p:sp>
+        <p:nvSpPr>
+          <p:cNvPr id="3" name="Vertical Text Placeholder 2"/>
+          <p:cNvSpPr>
+            <a:spLocks noGrp="1"/>
+          </p:cNvSpPr>
+          <p:nvPr>
+            <p:ph type="body" orient="vert" idx="1"/>
+          </p:nvPr>
+        </p:nvSpPr>
+        <p:spPr/>
+        <p:txBody>
+          <a:bodyPr vert="eaVert"/>
+          <a:lstStyle/>
+          <a:p>
+            <a:pPr lvl="0"/>
+            <a:r>
+              <a:rPr lang="en-US"/>
+              <a:t>Click to edit Master text styles</a:t>
+            </a:r>
+          </a:p>
+          <a:p>
+            <a:pPr lvl="1"/>
+            <a:r>
+              <a:rPr lang="en-US"/>
+              <a:t>Second level</a:t>
+            </a:r>
+          </a:p>
+          <a:p>
+            <a:pPr lvl="2"/>
+            <a:r>
+              <a:rPr lang="en-US"/>
+              <a:t>Third level</a:t>
+            </a:r>
+          </a:p>
+          <a:p>
+            <a:pPr lvl="3"/>
+            <a:r>
+              <a:rPr lang="en-US"/>
+              <a:t>Fourth level</a:t>
+            </a:r>
+          </a:p>
+          <a:p>
+            <a:pPr lvl="4"/>
+            <a:r>
+              <a:rPr lang="en-US"/>
+              <a:t>Fifth level</a:t>
+            </a:r>
+          </a:p>
+        </p:txBody>
+      </p:sp>
+      <p:sp>
+        <p:nvSpPr>
+          <p:cNvPr id="4" name="Date Placeholder 3"/>
+          <p:cNvSpPr>
+            <a:spLocks noGrp="1"/>
+          </p:cNvSpPr>
+          <p:nvPr>
+            <p:ph type="dt" sz="half" idx="10"/>
+          </p:nvPr>
+        </p:nvSpPr>
+        <p:spPr/>
+        <p:txBody>
+          <a:bodyPr/>
+          <a:lstStyle/>
+          <a:p>
+            <a:fld id="{49DBEA4D-F3C4-4046-BB47-FCB1207B26B3}" type="datetimeFigureOut">
               <a:rPr lang="en-US" smtClean="0"/>
-              <a:t>Click to edit Master title style</a:t>
-            </a:r>
-            <a:endParaRPr lang="en-US"/>
-          </a:p>
-        </p:txBody>
-      </p:sp>
-      <p:sp>
-        <p:nvSpPr>
-          <p:cNvPr id="3" name="Vertical Text Placeholder 2"/>
-          <p:cNvSpPr>
-            <a:spLocks noGrp="1"/>
-          </p:cNvSpPr>
-          <p:nvPr>
-            <p:ph type="body" orient="vert" idx="1"/>
-          </p:nvPr>
-        </p:nvSpPr>
-        <p:spPr/>
-        <p:txBody>
-          <a:bodyPr vert="eaVert"/>
-          <a:lstStyle/>
-          <a:p>
-            <a:pPr lvl="0"/>
-            <a:r>
-              <a:rPr lang="en-US" smtClean="0"/>
-              <a:t>Click to edit Master text styles</a:t>
-            </a:r>
-          </a:p>
-          <a:p>
-            <a:pPr lvl="1"/>
-            <a:r>
-              <a:rPr lang="en-US" smtClean="0"/>
-              <a:t>Second level</a:t>
-            </a:r>
-          </a:p>
-          <a:p>
-            <a:pPr lvl="2"/>
-            <a:r>
-              <a:rPr lang="en-US" smtClean="0"/>
-              <a:t>Third level</a:t>
-            </a:r>
-          </a:p>
-          <a:p>
-            <a:pPr lvl="3"/>
-            <a:r>
-              <a:rPr lang="en-US" smtClean="0"/>
-              <a:t>Fourth level</a:t>
-            </a:r>
-          </a:p>
-          <a:p>
-            <a:pPr lvl="4"/>
-            <a:r>
-              <a:rPr lang="en-US" smtClean="0"/>
-              <a:t>Fifth level</a:t>
-            </a:r>
-            <a:endParaRPr lang="en-US"/>
-          </a:p>
-        </p:txBody>
-      </p:sp>
-      <p:sp>
-        <p:nvSpPr>
-          <p:cNvPr id="4" name="Date Placeholder 3"/>
-          <p:cNvSpPr>
-            <a:spLocks noGrp="1"/>
-          </p:cNvSpPr>
-          <p:nvPr>
-            <p:ph type="dt" sz="half" idx="10"/>
-          </p:nvPr>
-        </p:nvSpPr>
-        <p:spPr/>
-        <p:txBody>
-          <a:bodyPr/>
-          <a:lstStyle/>
-          <a:p>
-            <a:fld id="{B39CBDF4-31CC-475E-800F-57E537CCDD78}" type="datetimeFigureOut">
-              <a:rPr lang="en-US" smtClean="0"/>
+              <a:pPr/>
               <a:t>11/13/2016</a:t>
             </a:fld>
             <a:endParaRPr lang="en-US"/>
@@ -448,8 +885,9 @@
           <a:bodyPr/>
           <a:lstStyle/>
           <a:p>
-            <a:fld id="{53877A09-728E-4EDF-8C88-EFB119A61357}" type="slidenum">
+            <a:fld id="{C4775A35-BBF8-6142-A822-4BC4CE95054E}" type="slidenum">
               <a:rPr lang="en-US" smtClean="0"/>
+              <a:pPr/>
               <a:t>‹#›</a:t>
             </a:fld>
             <a:endParaRPr lang="en-US"/>
@@ -459,7 +897,7 @@
     </p:spTree>
     <p:extLst>
       <p:ext uri="{BB962C8B-B14F-4D97-AF65-F5344CB8AC3E}">
-        <p14:creationId xmlns:p14="http://schemas.microsoft.com/office/powerpoint/2010/main" val="1589934771"/>
+        <p14:creationId xmlns:p14="http://schemas.microsoft.com/office/powerpoint/2010/main" val="1948295691"/>
       </p:ext>
     </p:extLst>
   </p:cSld>
@@ -498,8 +936,8 @@
         </p:nvSpPr>
         <p:spPr>
           <a:xfrm>
-            <a:off x="8724900" y="365125"/>
-            <a:ext cx="2628900" cy="5811838"/>
+            <a:off x="6629400" y="274638"/>
+            <a:ext cx="2057400" cy="5851525"/>
           </a:xfrm>
         </p:spPr>
         <p:txBody>
@@ -507,10 +945,9 @@
           <a:lstStyle/>
           <a:p>
             <a:r>
-              <a:rPr lang="en-US" smtClean="0"/>
+              <a:rPr lang="en-US"/>
               <a:t>Click to edit Master title style</a:t>
             </a:r>
-            <a:endParaRPr lang="en-US"/>
           </a:p>
         </p:txBody>
       </p:sp>
@@ -526,8 +963,8 @@
         </p:nvSpPr>
         <p:spPr>
           <a:xfrm>
-            <a:off x="838200" y="365125"/>
-            <a:ext cx="7734300" cy="5811838"/>
+            <a:off x="457200" y="274638"/>
+            <a:ext cx="6019800" cy="5851525"/>
           </a:xfrm>
         </p:spPr>
         <p:txBody>
@@ -536,58 +973,58 @@
           <a:p>
             <a:pPr lvl="0"/>
             <a:r>
+              <a:rPr lang="en-US"/>
+              <a:t>Click to edit Master text styles</a:t>
+            </a:r>
+          </a:p>
+          <a:p>
+            <a:pPr lvl="1"/>
+            <a:r>
+              <a:rPr lang="en-US"/>
+              <a:t>Second level</a:t>
+            </a:r>
+          </a:p>
+          <a:p>
+            <a:pPr lvl="2"/>
+            <a:r>
+              <a:rPr lang="en-US"/>
+              <a:t>Third level</a:t>
+            </a:r>
+          </a:p>
+          <a:p>
+            <a:pPr lvl="3"/>
+            <a:r>
+              <a:rPr lang="en-US"/>
+              <a:t>Fourth level</a:t>
+            </a:r>
+          </a:p>
+          <a:p>
+            <a:pPr lvl="4"/>
+            <a:r>
+              <a:rPr lang="en-US"/>
+              <a:t>Fifth level</a:t>
+            </a:r>
+          </a:p>
+        </p:txBody>
+      </p:sp>
+      <p:sp>
+        <p:nvSpPr>
+          <p:cNvPr id="4" name="Date Placeholder 3"/>
+          <p:cNvSpPr>
+            <a:spLocks noGrp="1"/>
+          </p:cNvSpPr>
+          <p:nvPr>
+            <p:ph type="dt" sz="half" idx="10"/>
+          </p:nvPr>
+        </p:nvSpPr>
+        <p:spPr/>
+        <p:txBody>
+          <a:bodyPr/>
+          <a:lstStyle/>
+          <a:p>
+            <a:fld id="{49DBEA4D-F3C4-4046-BB47-FCB1207B26B3}" type="datetimeFigureOut">
               <a:rPr lang="en-US" smtClean="0"/>
-              <a:t>Click to edit Master text styles</a:t>
-            </a:r>
-          </a:p>
-          <a:p>
-            <a:pPr lvl="1"/>
-            <a:r>
-              <a:rPr lang="en-US" smtClean="0"/>
-              <a:t>Second level</a:t>
-            </a:r>
-          </a:p>
-          <a:p>
-            <a:pPr lvl="2"/>
-            <a:r>
-              <a:rPr lang="en-US" smtClean="0"/>
-              <a:t>Third level</a:t>
-            </a:r>
-          </a:p>
-          <a:p>
-            <a:pPr lvl="3"/>
-            <a:r>
-              <a:rPr lang="en-US" smtClean="0"/>
-              <a:t>Fourth level</a:t>
-            </a:r>
-          </a:p>
-          <a:p>
-            <a:pPr lvl="4"/>
-            <a:r>
-              <a:rPr lang="en-US" smtClean="0"/>
-              <a:t>Fifth level</a:t>
-            </a:r>
-            <a:endParaRPr lang="en-US"/>
-          </a:p>
-        </p:txBody>
-      </p:sp>
-      <p:sp>
-        <p:nvSpPr>
-          <p:cNvPr id="4" name="Date Placeholder 3"/>
-          <p:cNvSpPr>
-            <a:spLocks noGrp="1"/>
-          </p:cNvSpPr>
-          <p:nvPr>
-            <p:ph type="dt" sz="half" idx="10"/>
-          </p:nvPr>
-        </p:nvSpPr>
-        <p:spPr/>
-        <p:txBody>
-          <a:bodyPr/>
-          <a:lstStyle/>
-          <a:p>
-            <a:fld id="{B39CBDF4-31CC-475E-800F-57E537CCDD78}" type="datetimeFigureOut">
-              <a:rPr lang="en-US" smtClean="0"/>
+              <a:pPr/>
               <a:t>11/13/2016</a:t>
             </a:fld>
             <a:endParaRPr lang="en-US"/>
@@ -628,8 +1065,9 @@
           <a:bodyPr/>
           <a:lstStyle/>
           <a:p>
-            <a:fld id="{53877A09-728E-4EDF-8C88-EFB119A61357}" type="slidenum">
+            <a:fld id="{C4775A35-BBF8-6142-A822-4BC4CE95054E}" type="slidenum">
               <a:rPr lang="en-US" smtClean="0"/>
+              <a:pPr/>
               <a:t>‹#›</a:t>
             </a:fld>
             <a:endParaRPr lang="en-US"/>
@@ -639,7 +1077,7 @@
     </p:spTree>
     <p:extLst>
       <p:ext uri="{BB962C8B-B14F-4D97-AF65-F5344CB8AC3E}">
-        <p14:creationId xmlns:p14="http://schemas.microsoft.com/office/powerpoint/2010/main" val="2873882912"/>
+        <p14:creationId xmlns:p14="http://schemas.microsoft.com/office/powerpoint/2010/main" val="723756571"/>
       </p:ext>
     </p:extLst>
   </p:cSld>
@@ -649,7 +1087,259 @@
 </p:sldLayout>
 </file>
 
-<file path=ppt/slideLayouts/slideLayout2.xml><?xml version="1.0" encoding="utf-8"?>
+<file path=ppt/slideLayouts/slideLayout12.xml><?xml version="1.0" encoding="utf-8"?>
+<p:sldLayout xmlns:a="http://schemas.openxmlformats.org/drawingml/2006/main" xmlns:r="http://schemas.openxmlformats.org/officeDocument/2006/relationships" xmlns:p="http://schemas.openxmlformats.org/presentationml/2006/main" type="title" preserve="1">
+  <p:cSld name="Title Slide">
+    <p:spTree>
+      <p:nvGrpSpPr>
+        <p:cNvPr id="1" name=""/>
+        <p:cNvGrpSpPr/>
+        <p:nvPr/>
+      </p:nvGrpSpPr>
+      <p:grpSpPr>
+        <a:xfrm>
+          <a:off x="0" y="0"/>
+          <a:ext cx="0" cy="0"/>
+          <a:chOff x="0" y="0"/>
+          <a:chExt cx="0" cy="0"/>
+        </a:xfrm>
+      </p:grpSpPr>
+      <p:sp>
+        <p:nvSpPr>
+          <p:cNvPr id="2" name="Title 1"/>
+          <p:cNvSpPr>
+            <a:spLocks noGrp="1"/>
+          </p:cNvSpPr>
+          <p:nvPr>
+            <p:ph type="ctrTitle"/>
+          </p:nvPr>
+        </p:nvSpPr>
+        <p:spPr>
+          <a:xfrm>
+            <a:off x="685800" y="2130425"/>
+            <a:ext cx="7772400" cy="1470025"/>
+          </a:xfrm>
+        </p:spPr>
+        <p:txBody>
+          <a:bodyPr/>
+          <a:lstStyle>
+            <a:lvl1pPr>
+              <a:defRPr>
+                <a:solidFill>
+                  <a:srgbClr val="FFFFFF"/>
+                </a:solidFill>
+                <a:latin typeface="Helvetica"/>
+                <a:cs typeface="Helvetica"/>
+              </a:defRPr>
+            </a:lvl1pPr>
+          </a:lstStyle>
+          <a:p>
+            <a:r>
+              <a:rPr lang="en-US" dirty="0"/>
+              <a:t>Click to edit Master title style</a:t>
+            </a:r>
+          </a:p>
+        </p:txBody>
+      </p:sp>
+      <p:sp>
+        <p:nvSpPr>
+          <p:cNvPr id="3" name="Subtitle 2"/>
+          <p:cNvSpPr>
+            <a:spLocks noGrp="1"/>
+          </p:cNvSpPr>
+          <p:nvPr>
+            <p:ph type="subTitle" idx="1"/>
+          </p:nvPr>
+        </p:nvSpPr>
+        <p:spPr>
+          <a:xfrm>
+            <a:off x="1371600" y="3886200"/>
+            <a:ext cx="6400800" cy="1752600"/>
+          </a:xfrm>
+        </p:spPr>
+        <p:txBody>
+          <a:bodyPr/>
+          <a:lstStyle>
+            <a:lvl1pPr marL="0" indent="0" algn="ctr">
+              <a:buNone/>
+              <a:defRPr>
+                <a:solidFill>
+                  <a:srgbClr val="FFFFFF"/>
+                </a:solidFill>
+                <a:latin typeface="Helvetica"/>
+                <a:cs typeface="Helvetica"/>
+              </a:defRPr>
+            </a:lvl1pPr>
+            <a:lvl2pPr marL="457200" indent="0" algn="ctr">
+              <a:buNone/>
+              <a:defRPr>
+                <a:solidFill>
+                  <a:schemeClr val="tx1">
+                    <a:tint val="75000"/>
+                  </a:schemeClr>
+                </a:solidFill>
+              </a:defRPr>
+            </a:lvl2pPr>
+            <a:lvl3pPr marL="914400" indent="0" algn="ctr">
+              <a:buNone/>
+              <a:defRPr>
+                <a:solidFill>
+                  <a:schemeClr val="tx1">
+                    <a:tint val="75000"/>
+                  </a:schemeClr>
+                </a:solidFill>
+              </a:defRPr>
+            </a:lvl3pPr>
+            <a:lvl4pPr marL="1371600" indent="0" algn="ctr">
+              <a:buNone/>
+              <a:defRPr>
+                <a:solidFill>
+                  <a:schemeClr val="tx1">
+                    <a:tint val="75000"/>
+                  </a:schemeClr>
+                </a:solidFill>
+              </a:defRPr>
+            </a:lvl4pPr>
+            <a:lvl5pPr marL="1828800" indent="0" algn="ctr">
+              <a:buNone/>
+              <a:defRPr>
+                <a:solidFill>
+                  <a:schemeClr val="tx1">
+                    <a:tint val="75000"/>
+                  </a:schemeClr>
+                </a:solidFill>
+              </a:defRPr>
+            </a:lvl5pPr>
+            <a:lvl6pPr marL="2286000" indent="0" algn="ctr">
+              <a:buNone/>
+              <a:defRPr>
+                <a:solidFill>
+                  <a:schemeClr val="tx1">
+                    <a:tint val="75000"/>
+                  </a:schemeClr>
+                </a:solidFill>
+              </a:defRPr>
+            </a:lvl6pPr>
+            <a:lvl7pPr marL="2743200" indent="0" algn="ctr">
+              <a:buNone/>
+              <a:defRPr>
+                <a:solidFill>
+                  <a:schemeClr val="tx1">
+                    <a:tint val="75000"/>
+                  </a:schemeClr>
+                </a:solidFill>
+              </a:defRPr>
+            </a:lvl7pPr>
+            <a:lvl8pPr marL="3200400" indent="0" algn="ctr">
+              <a:buNone/>
+              <a:defRPr>
+                <a:solidFill>
+                  <a:schemeClr val="tx1">
+                    <a:tint val="75000"/>
+                  </a:schemeClr>
+                </a:solidFill>
+              </a:defRPr>
+            </a:lvl8pPr>
+            <a:lvl9pPr marL="3657600" indent="0" algn="ctr">
+              <a:buNone/>
+              <a:defRPr>
+                <a:solidFill>
+                  <a:schemeClr val="tx1">
+                    <a:tint val="75000"/>
+                  </a:schemeClr>
+                </a:solidFill>
+              </a:defRPr>
+            </a:lvl9pPr>
+          </a:lstStyle>
+          <a:p>
+            <a:r>
+              <a:rPr lang="en-US" dirty="0"/>
+              <a:t>Click to edit Master subtitle style</a:t>
+            </a:r>
+          </a:p>
+        </p:txBody>
+      </p:sp>
+      <p:sp>
+        <p:nvSpPr>
+          <p:cNvPr id="4" name="Date Placeholder 3"/>
+          <p:cNvSpPr>
+            <a:spLocks noGrp="1"/>
+          </p:cNvSpPr>
+          <p:nvPr>
+            <p:ph type="dt" sz="half" idx="10"/>
+          </p:nvPr>
+        </p:nvSpPr>
+        <p:spPr/>
+        <p:txBody>
+          <a:bodyPr/>
+          <a:lstStyle/>
+          <a:p>
+            <a:fld id="{CB151F00-3264-D74A-9603-89B73FD0711A}" type="datetimeFigureOut">
+              <a:rPr lang="en-US" smtClean="0"/>
+              <a:pPr/>
+              <a:t>11/13/2016</a:t>
+            </a:fld>
+            <a:endParaRPr lang="en-US"/>
+          </a:p>
+        </p:txBody>
+      </p:sp>
+      <p:sp>
+        <p:nvSpPr>
+          <p:cNvPr id="5" name="Footer Placeholder 4"/>
+          <p:cNvSpPr>
+            <a:spLocks noGrp="1"/>
+          </p:cNvSpPr>
+          <p:nvPr>
+            <p:ph type="ftr" sz="quarter" idx="11"/>
+          </p:nvPr>
+        </p:nvSpPr>
+        <p:spPr/>
+        <p:txBody>
+          <a:bodyPr/>
+          <a:lstStyle/>
+          <a:p>
+            <a:endParaRPr lang="en-US"/>
+          </a:p>
+        </p:txBody>
+      </p:sp>
+      <p:sp>
+        <p:nvSpPr>
+          <p:cNvPr id="6" name="Slide Number Placeholder 5"/>
+          <p:cNvSpPr>
+            <a:spLocks noGrp="1"/>
+          </p:cNvSpPr>
+          <p:nvPr>
+            <p:ph type="sldNum" sz="quarter" idx="12"/>
+          </p:nvPr>
+        </p:nvSpPr>
+        <p:spPr/>
+        <p:txBody>
+          <a:bodyPr/>
+          <a:lstStyle/>
+          <a:p>
+            <a:fld id="{45D522E7-0B53-A749-8E8D-2BB8494E4F3B}" type="slidenum">
+              <a:rPr lang="en-US" smtClean="0"/>
+              <a:pPr/>
+              <a:t>‹#›</a:t>
+            </a:fld>
+            <a:endParaRPr lang="en-US"/>
+          </a:p>
+        </p:txBody>
+      </p:sp>
+    </p:spTree>
+    <p:extLst>
+      <p:ext uri="{BB962C8B-B14F-4D97-AF65-F5344CB8AC3E}">
+        <p14:creationId xmlns:p14="http://schemas.microsoft.com/office/powerpoint/2010/main" val="2418938615"/>
+      </p:ext>
+    </p:extLst>
+  </p:cSld>
+  <p:clrMapOvr>
+    <a:masterClrMapping/>
+  </p:clrMapOvr>
+</p:sldLayout>
+</file>
+
+<file path=ppt/slideLayouts/slideLayout13.xml><?xml version="1.0" encoding="utf-8"?>
 <p:sldLayout xmlns:a="http://schemas.openxmlformats.org/drawingml/2006/main" xmlns:r="http://schemas.openxmlformats.org/officeDocument/2006/relationships" xmlns:p="http://schemas.openxmlformats.org/presentationml/2006/main" type="obj" preserve="1">
   <p:cSld name="Title and Content">
     <p:spTree>
@@ -682,82 +1372,81 @@
           <a:lstStyle/>
           <a:p>
             <a:r>
+              <a:rPr lang="en-US"/>
+              <a:t>Click to edit Master title style</a:t>
+            </a:r>
+          </a:p>
+        </p:txBody>
+      </p:sp>
+      <p:sp>
+        <p:nvSpPr>
+          <p:cNvPr id="3" name="Content Placeholder 2"/>
+          <p:cNvSpPr>
+            <a:spLocks noGrp="1"/>
+          </p:cNvSpPr>
+          <p:nvPr>
+            <p:ph idx="1"/>
+          </p:nvPr>
+        </p:nvSpPr>
+        <p:spPr/>
+        <p:txBody>
+          <a:bodyPr/>
+          <a:lstStyle/>
+          <a:p>
+            <a:pPr lvl="0"/>
+            <a:r>
+              <a:rPr lang="en-US"/>
+              <a:t>Click to edit Master text styles</a:t>
+            </a:r>
+          </a:p>
+          <a:p>
+            <a:pPr lvl="1"/>
+            <a:r>
+              <a:rPr lang="en-US"/>
+              <a:t>Second level</a:t>
+            </a:r>
+          </a:p>
+          <a:p>
+            <a:pPr lvl="2"/>
+            <a:r>
+              <a:rPr lang="en-US"/>
+              <a:t>Third level</a:t>
+            </a:r>
+          </a:p>
+          <a:p>
+            <a:pPr lvl="3"/>
+            <a:r>
+              <a:rPr lang="en-US"/>
+              <a:t>Fourth level</a:t>
+            </a:r>
+          </a:p>
+          <a:p>
+            <a:pPr lvl="4"/>
+            <a:r>
+              <a:rPr lang="en-US"/>
+              <a:t>Fifth level</a:t>
+            </a:r>
+          </a:p>
+        </p:txBody>
+      </p:sp>
+      <p:sp>
+        <p:nvSpPr>
+          <p:cNvPr id="4" name="Date Placeholder 3"/>
+          <p:cNvSpPr>
+            <a:spLocks noGrp="1"/>
+          </p:cNvSpPr>
+          <p:nvPr>
+            <p:ph type="dt" sz="half" idx="10"/>
+          </p:nvPr>
+        </p:nvSpPr>
+        <p:spPr/>
+        <p:txBody>
+          <a:bodyPr/>
+          <a:lstStyle/>
+          <a:p>
+            <a:fld id="{CB151F00-3264-D74A-9603-89B73FD0711A}" type="datetimeFigureOut">
               <a:rPr lang="en-US" smtClean="0"/>
-              <a:t>Click to edit Master title style</a:t>
-            </a:r>
-            <a:endParaRPr lang="en-US"/>
-          </a:p>
-        </p:txBody>
-      </p:sp>
-      <p:sp>
-        <p:nvSpPr>
-          <p:cNvPr id="3" name="Content Placeholder 2"/>
-          <p:cNvSpPr>
-            <a:spLocks noGrp="1"/>
-          </p:cNvSpPr>
-          <p:nvPr>
-            <p:ph idx="1"/>
-          </p:nvPr>
-        </p:nvSpPr>
-        <p:spPr/>
-        <p:txBody>
-          <a:bodyPr/>
-          <a:lstStyle/>
-          <a:p>
-            <a:pPr lvl="0"/>
-            <a:r>
-              <a:rPr lang="en-US" smtClean="0"/>
-              <a:t>Click to edit Master text styles</a:t>
-            </a:r>
-          </a:p>
-          <a:p>
-            <a:pPr lvl="1"/>
-            <a:r>
-              <a:rPr lang="en-US" smtClean="0"/>
-              <a:t>Second level</a:t>
-            </a:r>
-          </a:p>
-          <a:p>
-            <a:pPr lvl="2"/>
-            <a:r>
-              <a:rPr lang="en-US" smtClean="0"/>
-              <a:t>Third level</a:t>
-            </a:r>
-          </a:p>
-          <a:p>
-            <a:pPr lvl="3"/>
-            <a:r>
-              <a:rPr lang="en-US" smtClean="0"/>
-              <a:t>Fourth level</a:t>
-            </a:r>
-          </a:p>
-          <a:p>
-            <a:pPr lvl="4"/>
-            <a:r>
-              <a:rPr lang="en-US" smtClean="0"/>
-              <a:t>Fifth level</a:t>
-            </a:r>
-            <a:endParaRPr lang="en-US"/>
-          </a:p>
-        </p:txBody>
-      </p:sp>
-      <p:sp>
-        <p:nvSpPr>
-          <p:cNvPr id="4" name="Date Placeholder 3"/>
-          <p:cNvSpPr>
-            <a:spLocks noGrp="1"/>
-          </p:cNvSpPr>
-          <p:nvPr>
-            <p:ph type="dt" sz="half" idx="10"/>
-          </p:nvPr>
-        </p:nvSpPr>
-        <p:spPr/>
-        <p:txBody>
-          <a:bodyPr/>
-          <a:lstStyle/>
-          <a:p>
-            <a:fld id="{B39CBDF4-31CC-475E-800F-57E537CCDD78}" type="datetimeFigureOut">
-              <a:rPr lang="en-US" smtClean="0"/>
+              <a:pPr/>
               <a:t>11/13/2016</a:t>
             </a:fld>
             <a:endParaRPr lang="en-US"/>
@@ -798,8 +1487,9 @@
           <a:bodyPr/>
           <a:lstStyle/>
           <a:p>
-            <a:fld id="{53877A09-728E-4EDF-8C88-EFB119A61357}" type="slidenum">
+            <a:fld id="{45D522E7-0B53-A749-8E8D-2BB8494E4F3B}" type="slidenum">
               <a:rPr lang="en-US" smtClean="0"/>
+              <a:pPr/>
               <a:t>‹#›</a:t>
             </a:fld>
             <a:endParaRPr lang="en-US"/>
@@ -809,7 +1499,7 @@
     </p:spTree>
     <p:extLst>
       <p:ext uri="{BB962C8B-B14F-4D97-AF65-F5344CB8AC3E}">
-        <p14:creationId xmlns:p14="http://schemas.microsoft.com/office/powerpoint/2010/main" val="3364166741"/>
+        <p14:creationId xmlns:p14="http://schemas.microsoft.com/office/powerpoint/2010/main" val="2976186471"/>
       </p:ext>
     </p:extLst>
   </p:cSld>
@@ -819,7 +1509,7 @@
 </p:sldLayout>
 </file>
 
-<file path=ppt/slideLayouts/slideLayout3.xml><?xml version="1.0" encoding="utf-8"?>
+<file path=ppt/slideLayouts/slideLayout14.xml><?xml version="1.0" encoding="utf-8"?>
 <p:sldLayout xmlns:a="http://schemas.openxmlformats.org/drawingml/2006/main" xmlns:r="http://schemas.openxmlformats.org/officeDocument/2006/relationships" xmlns:p="http://schemas.openxmlformats.org/presentationml/2006/main" type="secHead" preserve="1">
   <p:cSld name="Section Header">
     <p:spTree>
@@ -848,48 +1538,47 @@
         </p:nvSpPr>
         <p:spPr>
           <a:xfrm>
-            <a:off x="831850" y="1709738"/>
-            <a:ext cx="10515600" cy="2852737"/>
+            <a:off x="722313" y="4406900"/>
+            <a:ext cx="7772400" cy="1362075"/>
           </a:xfrm>
         </p:spPr>
         <p:txBody>
+          <a:bodyPr anchor="t"/>
+          <a:lstStyle>
+            <a:lvl1pPr algn="l">
+              <a:defRPr sz="4000" b="1" cap="all"/>
+            </a:lvl1pPr>
+          </a:lstStyle>
+          <a:p>
+            <a:r>
+              <a:rPr lang="en-US"/>
+              <a:t>Click to edit Master title style</a:t>
+            </a:r>
+          </a:p>
+        </p:txBody>
+      </p:sp>
+      <p:sp>
+        <p:nvSpPr>
+          <p:cNvPr id="3" name="Text Placeholder 2"/>
+          <p:cNvSpPr>
+            <a:spLocks noGrp="1"/>
+          </p:cNvSpPr>
+          <p:nvPr>
+            <p:ph type="body" idx="1"/>
+          </p:nvPr>
+        </p:nvSpPr>
+        <p:spPr>
+          <a:xfrm>
+            <a:off x="722313" y="2906713"/>
+            <a:ext cx="7772400" cy="1500187"/>
+          </a:xfrm>
+        </p:spPr>
+        <p:txBody>
           <a:bodyPr anchor="b"/>
           <a:lstStyle>
-            <a:lvl1pPr>
-              <a:defRPr sz="6000"/>
-            </a:lvl1pPr>
-          </a:lstStyle>
-          <a:p>
-            <a:r>
-              <a:rPr lang="en-US" smtClean="0"/>
-              <a:t>Click to edit Master title style</a:t>
-            </a:r>
-            <a:endParaRPr lang="en-US"/>
-          </a:p>
-        </p:txBody>
-      </p:sp>
-      <p:sp>
-        <p:nvSpPr>
-          <p:cNvPr id="3" name="Text Placeholder 2"/>
-          <p:cNvSpPr>
-            <a:spLocks noGrp="1"/>
-          </p:cNvSpPr>
-          <p:nvPr>
-            <p:ph type="body" idx="1"/>
-          </p:nvPr>
-        </p:nvSpPr>
-        <p:spPr>
-          <a:xfrm>
-            <a:off x="831850" y="4589463"/>
-            <a:ext cx="10515600" cy="1500187"/>
-          </a:xfrm>
-        </p:spPr>
-        <p:txBody>
-          <a:bodyPr/>
-          <a:lstStyle>
             <a:lvl1pPr marL="0" indent="0">
               <a:buNone/>
-              <a:defRPr sz="2400">
+              <a:defRPr sz="2000">
                 <a:solidFill>
                   <a:schemeClr val="tx1">
                     <a:tint val="75000"/>
@@ -899,7 +1588,7 @@
             </a:lvl1pPr>
             <a:lvl2pPr marL="457200" indent="0">
               <a:buNone/>
-              <a:defRPr sz="2000">
+              <a:defRPr sz="1800">
                 <a:solidFill>
                   <a:schemeClr val="tx1">
                     <a:tint val="75000"/>
@@ -909,7 +1598,7 @@
             </a:lvl2pPr>
             <a:lvl3pPr marL="914400" indent="0">
               <a:buNone/>
-              <a:defRPr sz="1800">
+              <a:defRPr sz="1600">
                 <a:solidFill>
                   <a:schemeClr val="tx1">
                     <a:tint val="75000"/>
@@ -919,7 +1608,7 @@
             </a:lvl3pPr>
             <a:lvl4pPr marL="1371600" indent="0">
               <a:buNone/>
-              <a:defRPr sz="1600">
+              <a:defRPr sz="1400">
                 <a:solidFill>
                   <a:schemeClr val="tx1">
                     <a:tint val="75000"/>
@@ -929,7 +1618,7 @@
             </a:lvl4pPr>
             <a:lvl5pPr marL="1828800" indent="0">
               <a:buNone/>
-              <a:defRPr sz="1600">
+              <a:defRPr sz="1400">
                 <a:solidFill>
                   <a:schemeClr val="tx1">
                     <a:tint val="75000"/>
@@ -939,7 +1628,7 @@
             </a:lvl5pPr>
             <a:lvl6pPr marL="2286000" indent="0">
               <a:buNone/>
-              <a:defRPr sz="1600">
+              <a:defRPr sz="1400">
                 <a:solidFill>
                   <a:schemeClr val="tx1">
                     <a:tint val="75000"/>
@@ -949,7 +1638,7 @@
             </a:lvl6pPr>
             <a:lvl7pPr marL="2743200" indent="0">
               <a:buNone/>
-              <a:defRPr sz="1600">
+              <a:defRPr sz="1400">
                 <a:solidFill>
                   <a:schemeClr val="tx1">
                     <a:tint val="75000"/>
@@ -959,7 +1648,7 @@
             </a:lvl7pPr>
             <a:lvl8pPr marL="3200400" indent="0">
               <a:buNone/>
-              <a:defRPr sz="1600">
+              <a:defRPr sz="1400">
                 <a:solidFill>
                   <a:schemeClr val="tx1">
                     <a:tint val="75000"/>
@@ -969,7 +1658,7 @@
             </a:lvl8pPr>
             <a:lvl9pPr marL="3657600" indent="0">
               <a:buNone/>
-              <a:defRPr sz="1600">
+              <a:defRPr sz="1400">
                 <a:solidFill>
                   <a:schemeClr val="tx1">
                     <a:tint val="75000"/>
@@ -981,29 +1670,30 @@
           <a:p>
             <a:pPr lvl="0"/>
             <a:r>
+              <a:rPr lang="en-US"/>
+              <a:t>Click to edit Master text styles</a:t>
+            </a:r>
+          </a:p>
+        </p:txBody>
+      </p:sp>
+      <p:sp>
+        <p:nvSpPr>
+          <p:cNvPr id="4" name="Date Placeholder 3"/>
+          <p:cNvSpPr>
+            <a:spLocks noGrp="1"/>
+          </p:cNvSpPr>
+          <p:nvPr>
+            <p:ph type="dt" sz="half" idx="10"/>
+          </p:nvPr>
+        </p:nvSpPr>
+        <p:spPr/>
+        <p:txBody>
+          <a:bodyPr/>
+          <a:lstStyle/>
+          <a:p>
+            <a:fld id="{CB151F00-3264-D74A-9603-89B73FD0711A}" type="datetimeFigureOut">
               <a:rPr lang="en-US" smtClean="0"/>
-              <a:t>Click to edit Master text styles</a:t>
-            </a:r>
-          </a:p>
-        </p:txBody>
-      </p:sp>
-      <p:sp>
-        <p:nvSpPr>
-          <p:cNvPr id="4" name="Date Placeholder 3"/>
-          <p:cNvSpPr>
-            <a:spLocks noGrp="1"/>
-          </p:cNvSpPr>
-          <p:nvPr>
-            <p:ph type="dt" sz="half" idx="10"/>
-          </p:nvPr>
-        </p:nvSpPr>
-        <p:spPr/>
-        <p:txBody>
-          <a:bodyPr/>
-          <a:lstStyle/>
-          <a:p>
-            <a:fld id="{B39CBDF4-31CC-475E-800F-57E537CCDD78}" type="datetimeFigureOut">
-              <a:rPr lang="en-US" smtClean="0"/>
+              <a:pPr/>
               <a:t>11/13/2016</a:t>
             </a:fld>
             <a:endParaRPr lang="en-US"/>
@@ -1044,8 +1734,9 @@
           <a:bodyPr/>
           <a:lstStyle/>
           <a:p>
-            <a:fld id="{53877A09-728E-4EDF-8C88-EFB119A61357}" type="slidenum">
+            <a:fld id="{45D522E7-0B53-A749-8E8D-2BB8494E4F3B}" type="slidenum">
               <a:rPr lang="en-US" smtClean="0"/>
+              <a:pPr/>
               <a:t>‹#›</a:t>
             </a:fld>
             <a:endParaRPr lang="en-US"/>
@@ -1055,7 +1746,7 @@
     </p:spTree>
     <p:extLst>
       <p:ext uri="{BB962C8B-B14F-4D97-AF65-F5344CB8AC3E}">
-        <p14:creationId xmlns:p14="http://schemas.microsoft.com/office/powerpoint/2010/main" val="2102003350"/>
+        <p14:creationId xmlns:p14="http://schemas.microsoft.com/office/powerpoint/2010/main" val="2495900230"/>
       </p:ext>
     </p:extLst>
   </p:cSld>
@@ -1065,7 +1756,7 @@
 </p:sldLayout>
 </file>
 
-<file path=ppt/slideLayouts/slideLayout4.xml><?xml version="1.0" encoding="utf-8"?>
+<file path=ppt/slideLayouts/slideLayout15.xml><?xml version="1.0" encoding="utf-8"?>
 <p:sldLayout xmlns:a="http://schemas.openxmlformats.org/drawingml/2006/main" xmlns:r="http://schemas.openxmlformats.org/officeDocument/2006/relationships" xmlns:p="http://schemas.openxmlformats.org/presentationml/2006/main" type="twoObj" preserve="1">
   <p:cSld name="Two Content">
     <p:spTree>
@@ -1098,10 +1789,9 @@
           <a:lstStyle/>
           <a:p>
             <a:r>
-              <a:rPr lang="en-US" smtClean="0"/>
+              <a:rPr lang="en-US"/>
               <a:t>Click to edit Master title style</a:t>
             </a:r>
-            <a:endParaRPr lang="en-US"/>
           </a:p>
         </p:txBody>
       </p:sp>
@@ -1117,48 +1807,75 @@
         </p:nvSpPr>
         <p:spPr>
           <a:xfrm>
-            <a:off x="838200" y="1825625"/>
-            <a:ext cx="5181600" cy="4351338"/>
+            <a:off x="457200" y="1600200"/>
+            <a:ext cx="4038600" cy="4525963"/>
           </a:xfrm>
         </p:spPr>
         <p:txBody>
           <a:bodyPr/>
-          <a:lstStyle/>
+          <a:lstStyle>
+            <a:lvl1pPr>
+              <a:defRPr sz="2800"/>
+            </a:lvl1pPr>
+            <a:lvl2pPr>
+              <a:defRPr sz="2400"/>
+            </a:lvl2pPr>
+            <a:lvl3pPr>
+              <a:defRPr sz="2000"/>
+            </a:lvl3pPr>
+            <a:lvl4pPr>
+              <a:defRPr sz="1800"/>
+            </a:lvl4pPr>
+            <a:lvl5pPr>
+              <a:defRPr sz="1800"/>
+            </a:lvl5pPr>
+            <a:lvl6pPr>
+              <a:defRPr sz="1800"/>
+            </a:lvl6pPr>
+            <a:lvl7pPr>
+              <a:defRPr sz="1800"/>
+            </a:lvl7pPr>
+            <a:lvl8pPr>
+              <a:defRPr sz="1800"/>
+            </a:lvl8pPr>
+            <a:lvl9pPr>
+              <a:defRPr sz="1800"/>
+            </a:lvl9pPr>
+          </a:lstStyle>
           <a:p>
             <a:pPr lvl="0"/>
             <a:r>
-              <a:rPr lang="en-US" smtClean="0"/>
+              <a:rPr lang="en-US"/>
               <a:t>Click to edit Master text styles</a:t>
             </a:r>
           </a:p>
           <a:p>
             <a:pPr lvl="1"/>
             <a:r>
-              <a:rPr lang="en-US" smtClean="0"/>
+              <a:rPr lang="en-US"/>
               <a:t>Second level</a:t>
             </a:r>
           </a:p>
           <a:p>
             <a:pPr lvl="2"/>
             <a:r>
-              <a:rPr lang="en-US" smtClean="0"/>
+              <a:rPr lang="en-US"/>
               <a:t>Third level</a:t>
             </a:r>
           </a:p>
           <a:p>
             <a:pPr lvl="3"/>
             <a:r>
-              <a:rPr lang="en-US" smtClean="0"/>
+              <a:rPr lang="en-US"/>
               <a:t>Fourth level</a:t>
             </a:r>
           </a:p>
           <a:p>
             <a:pPr lvl="4"/>
             <a:r>
-              <a:rPr lang="en-US" smtClean="0"/>
+              <a:rPr lang="en-US"/>
               <a:t>Fifth level</a:t>
             </a:r>
-            <a:endParaRPr lang="en-US"/>
           </a:p>
         </p:txBody>
       </p:sp>
@@ -1174,68 +1891,96 @@
         </p:nvSpPr>
         <p:spPr>
           <a:xfrm>
-            <a:off x="6172200" y="1825625"/>
-            <a:ext cx="5181600" cy="4351338"/>
+            <a:off x="4648200" y="1600200"/>
+            <a:ext cx="4038600" cy="4525963"/>
           </a:xfrm>
         </p:spPr>
         <p:txBody>
           <a:bodyPr/>
-          <a:lstStyle/>
+          <a:lstStyle>
+            <a:lvl1pPr>
+              <a:defRPr sz="2800"/>
+            </a:lvl1pPr>
+            <a:lvl2pPr>
+              <a:defRPr sz="2400"/>
+            </a:lvl2pPr>
+            <a:lvl3pPr>
+              <a:defRPr sz="2000"/>
+            </a:lvl3pPr>
+            <a:lvl4pPr>
+              <a:defRPr sz="1800"/>
+            </a:lvl4pPr>
+            <a:lvl5pPr>
+              <a:defRPr sz="1800"/>
+            </a:lvl5pPr>
+            <a:lvl6pPr>
+              <a:defRPr sz="1800"/>
+            </a:lvl6pPr>
+            <a:lvl7pPr>
+              <a:defRPr sz="1800"/>
+            </a:lvl7pPr>
+            <a:lvl8pPr>
+              <a:defRPr sz="1800"/>
+            </a:lvl8pPr>
+            <a:lvl9pPr>
+              <a:defRPr sz="1800"/>
+            </a:lvl9pPr>
+          </a:lstStyle>
           <a:p>
             <a:pPr lvl="0"/>
             <a:r>
+              <a:rPr lang="en-US"/>
+              <a:t>Click to edit Master text styles</a:t>
+            </a:r>
+          </a:p>
+          <a:p>
+            <a:pPr lvl="1"/>
+            <a:r>
+              <a:rPr lang="en-US"/>
+              <a:t>Second level</a:t>
+            </a:r>
+          </a:p>
+          <a:p>
+            <a:pPr lvl="2"/>
+            <a:r>
+              <a:rPr lang="en-US"/>
+              <a:t>Third level</a:t>
+            </a:r>
+          </a:p>
+          <a:p>
+            <a:pPr lvl="3"/>
+            <a:r>
+              <a:rPr lang="en-US"/>
+              <a:t>Fourth level</a:t>
+            </a:r>
+          </a:p>
+          <a:p>
+            <a:pPr lvl="4"/>
+            <a:r>
+              <a:rPr lang="en-US"/>
+              <a:t>Fifth level</a:t>
+            </a:r>
+          </a:p>
+        </p:txBody>
+      </p:sp>
+      <p:sp>
+        <p:nvSpPr>
+          <p:cNvPr id="5" name="Date Placeholder 4"/>
+          <p:cNvSpPr>
+            <a:spLocks noGrp="1"/>
+          </p:cNvSpPr>
+          <p:nvPr>
+            <p:ph type="dt" sz="half" idx="10"/>
+          </p:nvPr>
+        </p:nvSpPr>
+        <p:spPr/>
+        <p:txBody>
+          <a:bodyPr/>
+          <a:lstStyle/>
+          <a:p>
+            <a:fld id="{CB151F00-3264-D74A-9603-89B73FD0711A}" type="datetimeFigureOut">
               <a:rPr lang="en-US" smtClean="0"/>
-              <a:t>Click to edit Master text styles</a:t>
-            </a:r>
-          </a:p>
-          <a:p>
-            <a:pPr lvl="1"/>
-            <a:r>
-              <a:rPr lang="en-US" smtClean="0"/>
-              <a:t>Second level</a:t>
-            </a:r>
-          </a:p>
-          <a:p>
-            <a:pPr lvl="2"/>
-            <a:r>
-              <a:rPr lang="en-US" smtClean="0"/>
-              <a:t>Third level</a:t>
-            </a:r>
-          </a:p>
-          <a:p>
-            <a:pPr lvl="3"/>
-            <a:r>
-              <a:rPr lang="en-US" smtClean="0"/>
-              <a:t>Fourth level</a:t>
-            </a:r>
-          </a:p>
-          <a:p>
-            <a:pPr lvl="4"/>
-            <a:r>
-              <a:rPr lang="en-US" smtClean="0"/>
-              <a:t>Fifth level</a:t>
-            </a:r>
-            <a:endParaRPr lang="en-US"/>
-          </a:p>
-        </p:txBody>
-      </p:sp>
-      <p:sp>
-        <p:nvSpPr>
-          <p:cNvPr id="5" name="Date Placeholder 4"/>
-          <p:cNvSpPr>
-            <a:spLocks noGrp="1"/>
-          </p:cNvSpPr>
-          <p:nvPr>
-            <p:ph type="dt" sz="half" idx="10"/>
-          </p:nvPr>
-        </p:nvSpPr>
-        <p:spPr/>
-        <p:txBody>
-          <a:bodyPr/>
-          <a:lstStyle/>
-          <a:p>
-            <a:fld id="{B39CBDF4-31CC-475E-800F-57E537CCDD78}" type="datetimeFigureOut">
-              <a:rPr lang="en-US" smtClean="0"/>
+              <a:pPr/>
               <a:t>11/13/2016</a:t>
             </a:fld>
             <a:endParaRPr lang="en-US"/>
@@ -1276,8 +2021,9 @@
           <a:bodyPr/>
           <a:lstStyle/>
           <a:p>
-            <a:fld id="{53877A09-728E-4EDF-8C88-EFB119A61357}" type="slidenum">
+            <a:fld id="{45D522E7-0B53-A749-8E8D-2BB8494E4F3B}" type="slidenum">
               <a:rPr lang="en-US" smtClean="0"/>
+              <a:pPr/>
               <a:t>‹#›</a:t>
             </a:fld>
             <a:endParaRPr lang="en-US"/>
@@ -1287,7 +2033,7 @@
     </p:spTree>
     <p:extLst>
       <p:ext uri="{BB962C8B-B14F-4D97-AF65-F5344CB8AC3E}">
-        <p14:creationId xmlns:p14="http://schemas.microsoft.com/office/powerpoint/2010/main" val="2898019677"/>
+        <p14:creationId xmlns:p14="http://schemas.microsoft.com/office/powerpoint/2010/main" val="1876707605"/>
       </p:ext>
     </p:extLst>
   </p:cSld>
@@ -1297,7 +2043,7 @@
 </p:sldLayout>
 </file>
 
-<file path=ppt/slideLayouts/slideLayout5.xml><?xml version="1.0" encoding="utf-8"?>
+<file path=ppt/slideLayouts/slideLayout16.xml><?xml version="1.0" encoding="utf-8"?>
 <p:sldLayout xmlns:a="http://schemas.openxmlformats.org/drawingml/2006/main" xmlns:r="http://schemas.openxmlformats.org/officeDocument/2006/relationships" xmlns:p="http://schemas.openxmlformats.org/presentationml/2006/main" type="twoTxTwoObj" preserve="1">
   <p:cSld name="Comparison">
     <p:spTree>
@@ -1324,38 +2070,36 @@
             <p:ph type="title"/>
           </p:nvPr>
         </p:nvSpPr>
+        <p:spPr/>
+        <p:txBody>
+          <a:bodyPr/>
+          <a:lstStyle>
+            <a:lvl1pPr>
+              <a:defRPr/>
+            </a:lvl1pPr>
+          </a:lstStyle>
+          <a:p>
+            <a:r>
+              <a:rPr lang="en-US"/>
+              <a:t>Click to edit Master title style</a:t>
+            </a:r>
+          </a:p>
+        </p:txBody>
+      </p:sp>
+      <p:sp>
+        <p:nvSpPr>
+          <p:cNvPr id="3" name="Text Placeholder 2"/>
+          <p:cNvSpPr>
+            <a:spLocks noGrp="1"/>
+          </p:cNvSpPr>
+          <p:nvPr>
+            <p:ph type="body" idx="1"/>
+          </p:nvPr>
+        </p:nvSpPr>
         <p:spPr>
           <a:xfrm>
-            <a:off x="839788" y="365125"/>
-            <a:ext cx="10515600" cy="1325563"/>
-          </a:xfrm>
-        </p:spPr>
-        <p:txBody>
-          <a:bodyPr/>
-          <a:lstStyle/>
-          <a:p>
-            <a:r>
-              <a:rPr lang="en-US" smtClean="0"/>
-              <a:t>Click to edit Master title style</a:t>
-            </a:r>
-            <a:endParaRPr lang="en-US"/>
-          </a:p>
-        </p:txBody>
-      </p:sp>
-      <p:sp>
-        <p:nvSpPr>
-          <p:cNvPr id="3" name="Text Placeholder 2"/>
-          <p:cNvSpPr>
-            <a:spLocks noGrp="1"/>
-          </p:cNvSpPr>
-          <p:nvPr>
-            <p:ph type="body" idx="1"/>
-          </p:nvPr>
-        </p:nvSpPr>
-        <p:spPr>
-          <a:xfrm>
-            <a:off x="839788" y="1681163"/>
-            <a:ext cx="5157787" cy="823912"/>
+            <a:off x="457200" y="1535113"/>
+            <a:ext cx="4040188" cy="639762"/>
           </a:xfrm>
         </p:spPr>
         <p:txBody>
@@ -1401,7 +2145,7 @@
           <a:p>
             <a:pPr lvl="0"/>
             <a:r>
-              <a:rPr lang="en-US" smtClean="0"/>
+              <a:rPr lang="en-US"/>
               <a:t>Click to edit Master text styles</a:t>
             </a:r>
           </a:p>
@@ -1419,48 +2163,75 @@
         </p:nvSpPr>
         <p:spPr>
           <a:xfrm>
-            <a:off x="839788" y="2505075"/>
-            <a:ext cx="5157787" cy="3684588"/>
+            <a:off x="457200" y="2174875"/>
+            <a:ext cx="4040188" cy="3951288"/>
           </a:xfrm>
         </p:spPr>
         <p:txBody>
           <a:bodyPr/>
-          <a:lstStyle/>
+          <a:lstStyle>
+            <a:lvl1pPr>
+              <a:defRPr sz="2400"/>
+            </a:lvl1pPr>
+            <a:lvl2pPr>
+              <a:defRPr sz="2000"/>
+            </a:lvl2pPr>
+            <a:lvl3pPr>
+              <a:defRPr sz="1800"/>
+            </a:lvl3pPr>
+            <a:lvl4pPr>
+              <a:defRPr sz="1600"/>
+            </a:lvl4pPr>
+            <a:lvl5pPr>
+              <a:defRPr sz="1600"/>
+            </a:lvl5pPr>
+            <a:lvl6pPr>
+              <a:defRPr sz="1600"/>
+            </a:lvl6pPr>
+            <a:lvl7pPr>
+              <a:defRPr sz="1600"/>
+            </a:lvl7pPr>
+            <a:lvl8pPr>
+              <a:defRPr sz="1600"/>
+            </a:lvl8pPr>
+            <a:lvl9pPr>
+              <a:defRPr sz="1600"/>
+            </a:lvl9pPr>
+          </a:lstStyle>
           <a:p>
             <a:pPr lvl="0"/>
             <a:r>
-              <a:rPr lang="en-US" smtClean="0"/>
+              <a:rPr lang="en-US"/>
               <a:t>Click to edit Master text styles</a:t>
             </a:r>
           </a:p>
           <a:p>
             <a:pPr lvl="1"/>
             <a:r>
-              <a:rPr lang="en-US" smtClean="0"/>
+              <a:rPr lang="en-US"/>
               <a:t>Second level</a:t>
             </a:r>
           </a:p>
           <a:p>
             <a:pPr lvl="2"/>
             <a:r>
-              <a:rPr lang="en-US" smtClean="0"/>
+              <a:rPr lang="en-US"/>
               <a:t>Third level</a:t>
             </a:r>
           </a:p>
           <a:p>
             <a:pPr lvl="3"/>
             <a:r>
-              <a:rPr lang="en-US" smtClean="0"/>
+              <a:rPr lang="en-US"/>
               <a:t>Fourth level</a:t>
             </a:r>
           </a:p>
           <a:p>
             <a:pPr lvl="4"/>
             <a:r>
-              <a:rPr lang="en-US" smtClean="0"/>
+              <a:rPr lang="en-US"/>
               <a:t>Fifth level</a:t>
             </a:r>
-            <a:endParaRPr lang="en-US"/>
           </a:p>
         </p:txBody>
       </p:sp>
@@ -1476,8 +2247,8 @@
         </p:nvSpPr>
         <p:spPr>
           <a:xfrm>
-            <a:off x="6172200" y="1681163"/>
-            <a:ext cx="5183188" cy="823912"/>
+            <a:off x="4645025" y="1535113"/>
+            <a:ext cx="4041775" cy="639762"/>
           </a:xfrm>
         </p:spPr>
         <p:txBody>
@@ -1523,7 +2294,7 @@
           <a:p>
             <a:pPr lvl="0"/>
             <a:r>
-              <a:rPr lang="en-US" smtClean="0"/>
+              <a:rPr lang="en-US"/>
               <a:t>Click to edit Master text styles</a:t>
             </a:r>
           </a:p>
@@ -1541,68 +2312,96 @@
         </p:nvSpPr>
         <p:spPr>
           <a:xfrm>
-            <a:off x="6172200" y="2505075"/>
-            <a:ext cx="5183188" cy="3684588"/>
+            <a:off x="4645025" y="2174875"/>
+            <a:ext cx="4041775" cy="3951288"/>
           </a:xfrm>
         </p:spPr>
         <p:txBody>
           <a:bodyPr/>
-          <a:lstStyle/>
+          <a:lstStyle>
+            <a:lvl1pPr>
+              <a:defRPr sz="2400"/>
+            </a:lvl1pPr>
+            <a:lvl2pPr>
+              <a:defRPr sz="2000"/>
+            </a:lvl2pPr>
+            <a:lvl3pPr>
+              <a:defRPr sz="1800"/>
+            </a:lvl3pPr>
+            <a:lvl4pPr>
+              <a:defRPr sz="1600"/>
+            </a:lvl4pPr>
+            <a:lvl5pPr>
+              <a:defRPr sz="1600"/>
+            </a:lvl5pPr>
+            <a:lvl6pPr>
+              <a:defRPr sz="1600"/>
+            </a:lvl6pPr>
+            <a:lvl7pPr>
+              <a:defRPr sz="1600"/>
+            </a:lvl7pPr>
+            <a:lvl8pPr>
+              <a:defRPr sz="1600"/>
+            </a:lvl8pPr>
+            <a:lvl9pPr>
+              <a:defRPr sz="1600"/>
+            </a:lvl9pPr>
+          </a:lstStyle>
           <a:p>
             <a:pPr lvl="0"/>
             <a:r>
+              <a:rPr lang="en-US"/>
+              <a:t>Click to edit Master text styles</a:t>
+            </a:r>
+          </a:p>
+          <a:p>
+            <a:pPr lvl="1"/>
+            <a:r>
+              <a:rPr lang="en-US"/>
+              <a:t>Second level</a:t>
+            </a:r>
+          </a:p>
+          <a:p>
+            <a:pPr lvl="2"/>
+            <a:r>
+              <a:rPr lang="en-US"/>
+              <a:t>Third level</a:t>
+            </a:r>
+          </a:p>
+          <a:p>
+            <a:pPr lvl="3"/>
+            <a:r>
+              <a:rPr lang="en-US"/>
+              <a:t>Fourth level</a:t>
+            </a:r>
+          </a:p>
+          <a:p>
+            <a:pPr lvl="4"/>
+            <a:r>
+              <a:rPr lang="en-US"/>
+              <a:t>Fifth level</a:t>
+            </a:r>
+          </a:p>
+        </p:txBody>
+      </p:sp>
+      <p:sp>
+        <p:nvSpPr>
+          <p:cNvPr id="7" name="Date Placeholder 6"/>
+          <p:cNvSpPr>
+            <a:spLocks noGrp="1"/>
+          </p:cNvSpPr>
+          <p:nvPr>
+            <p:ph type="dt" sz="half" idx="10"/>
+          </p:nvPr>
+        </p:nvSpPr>
+        <p:spPr/>
+        <p:txBody>
+          <a:bodyPr/>
+          <a:lstStyle/>
+          <a:p>
+            <a:fld id="{CB151F00-3264-D74A-9603-89B73FD0711A}" type="datetimeFigureOut">
               <a:rPr lang="en-US" smtClean="0"/>
-              <a:t>Click to edit Master text styles</a:t>
-            </a:r>
-          </a:p>
-          <a:p>
-            <a:pPr lvl="1"/>
-            <a:r>
-              <a:rPr lang="en-US" smtClean="0"/>
-              <a:t>Second level</a:t>
-            </a:r>
-          </a:p>
-          <a:p>
-            <a:pPr lvl="2"/>
-            <a:r>
-              <a:rPr lang="en-US" smtClean="0"/>
-              <a:t>Third level</a:t>
-            </a:r>
-          </a:p>
-          <a:p>
-            <a:pPr lvl="3"/>
-            <a:r>
-              <a:rPr lang="en-US" smtClean="0"/>
-              <a:t>Fourth level</a:t>
-            </a:r>
-          </a:p>
-          <a:p>
-            <a:pPr lvl="4"/>
-            <a:r>
-              <a:rPr lang="en-US" smtClean="0"/>
-              <a:t>Fifth level</a:t>
-            </a:r>
-            <a:endParaRPr lang="en-US"/>
-          </a:p>
-        </p:txBody>
-      </p:sp>
-      <p:sp>
-        <p:nvSpPr>
-          <p:cNvPr id="7" name="Date Placeholder 6"/>
-          <p:cNvSpPr>
-            <a:spLocks noGrp="1"/>
-          </p:cNvSpPr>
-          <p:nvPr>
-            <p:ph type="dt" sz="half" idx="10"/>
-          </p:nvPr>
-        </p:nvSpPr>
-        <p:spPr/>
-        <p:txBody>
-          <a:bodyPr/>
-          <a:lstStyle/>
-          <a:p>
-            <a:fld id="{B39CBDF4-31CC-475E-800F-57E537CCDD78}" type="datetimeFigureOut">
-              <a:rPr lang="en-US" smtClean="0"/>
+              <a:pPr/>
               <a:t>11/13/2016</a:t>
             </a:fld>
             <a:endParaRPr lang="en-US"/>
@@ -1643,8 +2442,9 @@
           <a:bodyPr/>
           <a:lstStyle/>
           <a:p>
-            <a:fld id="{53877A09-728E-4EDF-8C88-EFB119A61357}" type="slidenum">
+            <a:fld id="{45D522E7-0B53-A749-8E8D-2BB8494E4F3B}" type="slidenum">
               <a:rPr lang="en-US" smtClean="0"/>
+              <a:pPr/>
               <a:t>‹#›</a:t>
             </a:fld>
             <a:endParaRPr lang="en-US"/>
@@ -1654,7 +2454,7 @@
     </p:spTree>
     <p:extLst>
       <p:ext uri="{BB962C8B-B14F-4D97-AF65-F5344CB8AC3E}">
-        <p14:creationId xmlns:p14="http://schemas.microsoft.com/office/powerpoint/2010/main" val="2436173654"/>
+        <p14:creationId xmlns:p14="http://schemas.microsoft.com/office/powerpoint/2010/main" val="4035267316"/>
       </p:ext>
     </p:extLst>
   </p:cSld>
@@ -1664,7 +2464,7 @@
 </p:sldLayout>
 </file>
 
-<file path=ppt/slideLayouts/slideLayout6.xml><?xml version="1.0" encoding="utf-8"?>
+<file path=ppt/slideLayouts/slideLayout17.xml><?xml version="1.0" encoding="utf-8"?>
 <p:sldLayout xmlns:a="http://schemas.openxmlformats.org/drawingml/2006/main" xmlns:r="http://schemas.openxmlformats.org/officeDocument/2006/relationships" xmlns:p="http://schemas.openxmlformats.org/presentationml/2006/main" type="titleOnly" preserve="1">
   <p:cSld name="Title Only">
     <p:spTree>
@@ -1697,30 +2497,30 @@
           <a:lstStyle/>
           <a:p>
             <a:r>
+              <a:rPr lang="en-US"/>
+              <a:t>Click to edit Master title style</a:t>
+            </a:r>
+          </a:p>
+        </p:txBody>
+      </p:sp>
+      <p:sp>
+        <p:nvSpPr>
+          <p:cNvPr id="3" name="Date Placeholder 2"/>
+          <p:cNvSpPr>
+            <a:spLocks noGrp="1"/>
+          </p:cNvSpPr>
+          <p:nvPr>
+            <p:ph type="dt" sz="half" idx="10"/>
+          </p:nvPr>
+        </p:nvSpPr>
+        <p:spPr/>
+        <p:txBody>
+          <a:bodyPr/>
+          <a:lstStyle/>
+          <a:p>
+            <a:fld id="{CB151F00-3264-D74A-9603-89B73FD0711A}" type="datetimeFigureOut">
               <a:rPr lang="en-US" smtClean="0"/>
-              <a:t>Click to edit Master title style</a:t>
-            </a:r>
-            <a:endParaRPr lang="en-US"/>
-          </a:p>
-        </p:txBody>
-      </p:sp>
-      <p:sp>
-        <p:nvSpPr>
-          <p:cNvPr id="3" name="Date Placeholder 2"/>
-          <p:cNvSpPr>
-            <a:spLocks noGrp="1"/>
-          </p:cNvSpPr>
-          <p:nvPr>
-            <p:ph type="dt" sz="half" idx="10"/>
-          </p:nvPr>
-        </p:nvSpPr>
-        <p:spPr/>
-        <p:txBody>
-          <a:bodyPr/>
-          <a:lstStyle/>
-          <a:p>
-            <a:fld id="{B39CBDF4-31CC-475E-800F-57E537CCDD78}" type="datetimeFigureOut">
-              <a:rPr lang="en-US" smtClean="0"/>
+              <a:pPr/>
               <a:t>11/13/2016</a:t>
             </a:fld>
             <a:endParaRPr lang="en-US"/>
@@ -1761,8 +2561,9 @@
           <a:bodyPr/>
           <a:lstStyle/>
           <a:p>
-            <a:fld id="{53877A09-728E-4EDF-8C88-EFB119A61357}" type="slidenum">
+            <a:fld id="{45D522E7-0B53-A749-8E8D-2BB8494E4F3B}" type="slidenum">
               <a:rPr lang="en-US" smtClean="0"/>
+              <a:pPr/>
               <a:t>‹#›</a:t>
             </a:fld>
             <a:endParaRPr lang="en-US"/>
@@ -1772,7 +2573,7 @@
     </p:spTree>
     <p:extLst>
       <p:ext uri="{BB962C8B-B14F-4D97-AF65-F5344CB8AC3E}">
-        <p14:creationId xmlns:p14="http://schemas.microsoft.com/office/powerpoint/2010/main" val="1061145872"/>
+        <p14:creationId xmlns:p14="http://schemas.microsoft.com/office/powerpoint/2010/main" val="1689867461"/>
       </p:ext>
     </p:extLst>
   </p:cSld>
@@ -1782,7 +2583,7 @@
 </p:sldLayout>
 </file>
 
-<file path=ppt/slideLayouts/slideLayout7.xml><?xml version="1.0" encoding="utf-8"?>
+<file path=ppt/slideLayouts/slideLayout18.xml><?xml version="1.0" encoding="utf-8"?>
 <p:sldLayout xmlns:a="http://schemas.openxmlformats.org/drawingml/2006/main" xmlns:r="http://schemas.openxmlformats.org/officeDocument/2006/relationships" xmlns:p="http://schemas.openxmlformats.org/presentationml/2006/main" type="blank" preserve="1">
   <p:cSld name="Blank">
     <p:spTree>
@@ -1814,8 +2615,9 @@
           <a:bodyPr/>
           <a:lstStyle/>
           <a:p>
-            <a:fld id="{B39CBDF4-31CC-475E-800F-57E537CCDD78}" type="datetimeFigureOut">
+            <a:fld id="{CB151F00-3264-D74A-9603-89B73FD0711A}" type="datetimeFigureOut">
               <a:rPr lang="en-US" smtClean="0"/>
+              <a:pPr/>
               <a:t>11/13/2016</a:t>
             </a:fld>
             <a:endParaRPr lang="en-US"/>
@@ -1856,8 +2658,9 @@
           <a:bodyPr/>
           <a:lstStyle/>
           <a:p>
-            <a:fld id="{53877A09-728E-4EDF-8C88-EFB119A61357}" type="slidenum">
+            <a:fld id="{45D522E7-0B53-A749-8E8D-2BB8494E4F3B}" type="slidenum">
               <a:rPr lang="en-US" smtClean="0"/>
+              <a:pPr/>
               <a:t>‹#›</a:t>
             </a:fld>
             <a:endParaRPr lang="en-US"/>
@@ -1867,7 +2670,7 @@
     </p:spTree>
     <p:extLst>
       <p:ext uri="{BB962C8B-B14F-4D97-AF65-F5344CB8AC3E}">
-        <p14:creationId xmlns:p14="http://schemas.microsoft.com/office/powerpoint/2010/main" val="3015394690"/>
+        <p14:creationId xmlns:p14="http://schemas.microsoft.com/office/powerpoint/2010/main" val="1955571420"/>
       </p:ext>
     </p:extLst>
   </p:cSld>
@@ -1877,7 +2680,7 @@
 </p:sldLayout>
 </file>
 
-<file path=ppt/slideLayouts/slideLayout8.xml><?xml version="1.0" encoding="utf-8"?>
+<file path=ppt/slideLayouts/slideLayout19.xml><?xml version="1.0" encoding="utf-8"?>
 <p:sldLayout xmlns:a="http://schemas.openxmlformats.org/drawingml/2006/main" xmlns:r="http://schemas.openxmlformats.org/officeDocument/2006/relationships" xmlns:p="http://schemas.openxmlformats.org/presentationml/2006/main" type="objTx" preserve="1">
   <p:cSld name="Content with Caption">
     <p:spTree>
@@ -1906,23 +2709,22 @@
         </p:nvSpPr>
         <p:spPr>
           <a:xfrm>
-            <a:off x="839788" y="457200"/>
-            <a:ext cx="3932237" cy="1600200"/>
+            <a:off x="457200" y="273050"/>
+            <a:ext cx="3008313" cy="1162050"/>
           </a:xfrm>
         </p:spPr>
         <p:txBody>
           <a:bodyPr anchor="b"/>
           <a:lstStyle>
-            <a:lvl1pPr>
-              <a:defRPr sz="3200"/>
+            <a:lvl1pPr algn="l">
+              <a:defRPr sz="2000" b="1"/>
             </a:lvl1pPr>
           </a:lstStyle>
           <a:p>
             <a:r>
-              <a:rPr lang="en-US" smtClean="0"/>
+              <a:rPr lang="en-US"/>
               <a:t>Click to edit Master title style</a:t>
             </a:r>
-            <a:endParaRPr lang="en-US"/>
           </a:p>
         </p:txBody>
       </p:sp>
@@ -1938,8 +2740,8 @@
         </p:nvSpPr>
         <p:spPr>
           <a:xfrm>
-            <a:off x="5183188" y="987425"/>
-            <a:ext cx="6172200" cy="4873625"/>
+            <a:off x="3575050" y="273050"/>
+            <a:ext cx="5111750" cy="5853113"/>
           </a:xfrm>
         </p:spPr>
         <p:txBody>
@@ -1976,38 +2778,37 @@
           <a:p>
             <a:pPr lvl="0"/>
             <a:r>
-              <a:rPr lang="en-US" smtClean="0"/>
+              <a:rPr lang="en-US"/>
               <a:t>Click to edit Master text styles</a:t>
             </a:r>
           </a:p>
           <a:p>
             <a:pPr lvl="1"/>
             <a:r>
-              <a:rPr lang="en-US" smtClean="0"/>
+              <a:rPr lang="en-US"/>
               <a:t>Second level</a:t>
             </a:r>
           </a:p>
           <a:p>
             <a:pPr lvl="2"/>
             <a:r>
-              <a:rPr lang="en-US" smtClean="0"/>
+              <a:rPr lang="en-US"/>
               <a:t>Third level</a:t>
             </a:r>
           </a:p>
           <a:p>
             <a:pPr lvl="3"/>
             <a:r>
-              <a:rPr lang="en-US" smtClean="0"/>
+              <a:rPr lang="en-US"/>
               <a:t>Fourth level</a:t>
             </a:r>
           </a:p>
           <a:p>
             <a:pPr lvl="4"/>
             <a:r>
-              <a:rPr lang="en-US" smtClean="0"/>
+              <a:rPr lang="en-US"/>
               <a:t>Fifth level</a:t>
             </a:r>
-            <a:endParaRPr lang="en-US"/>
           </a:p>
         </p:txBody>
       </p:sp>
@@ -2023,8 +2824,8 @@
         </p:nvSpPr>
         <p:spPr>
           <a:xfrm>
-            <a:off x="839788" y="2057400"/>
-            <a:ext cx="3932237" cy="3811588"/>
+            <a:off x="457200" y="1435100"/>
+            <a:ext cx="3008313" cy="4691063"/>
           </a:xfrm>
         </p:spPr>
         <p:txBody>
@@ -2032,67 +2833,68 @@
           <a:lstStyle>
             <a:lvl1pPr marL="0" indent="0">
               <a:buNone/>
-              <a:defRPr sz="1600"/>
+              <a:defRPr sz="1400"/>
             </a:lvl1pPr>
             <a:lvl2pPr marL="457200" indent="0">
               <a:buNone/>
-              <a:defRPr sz="1400"/>
+              <a:defRPr sz="1200"/>
             </a:lvl2pPr>
             <a:lvl3pPr marL="914400" indent="0">
               <a:buNone/>
-              <a:defRPr sz="1200"/>
+              <a:defRPr sz="1000"/>
             </a:lvl3pPr>
             <a:lvl4pPr marL="1371600" indent="0">
               <a:buNone/>
-              <a:defRPr sz="1000"/>
+              <a:defRPr sz="900"/>
             </a:lvl4pPr>
             <a:lvl5pPr marL="1828800" indent="0">
               <a:buNone/>
-              <a:defRPr sz="1000"/>
+              <a:defRPr sz="900"/>
             </a:lvl5pPr>
             <a:lvl6pPr marL="2286000" indent="0">
               <a:buNone/>
-              <a:defRPr sz="1000"/>
+              <a:defRPr sz="900"/>
             </a:lvl6pPr>
             <a:lvl7pPr marL="2743200" indent="0">
               <a:buNone/>
-              <a:defRPr sz="1000"/>
+              <a:defRPr sz="900"/>
             </a:lvl7pPr>
             <a:lvl8pPr marL="3200400" indent="0">
               <a:buNone/>
-              <a:defRPr sz="1000"/>
+              <a:defRPr sz="900"/>
             </a:lvl8pPr>
             <a:lvl9pPr marL="3657600" indent="0">
               <a:buNone/>
-              <a:defRPr sz="1000"/>
+              <a:defRPr sz="900"/>
             </a:lvl9pPr>
           </a:lstStyle>
           <a:p>
             <a:pPr lvl="0"/>
             <a:r>
+              <a:rPr lang="en-US"/>
+              <a:t>Click to edit Master text styles</a:t>
+            </a:r>
+          </a:p>
+        </p:txBody>
+      </p:sp>
+      <p:sp>
+        <p:nvSpPr>
+          <p:cNvPr id="5" name="Date Placeholder 4"/>
+          <p:cNvSpPr>
+            <a:spLocks noGrp="1"/>
+          </p:cNvSpPr>
+          <p:nvPr>
+            <p:ph type="dt" sz="half" idx="10"/>
+          </p:nvPr>
+        </p:nvSpPr>
+        <p:spPr/>
+        <p:txBody>
+          <a:bodyPr/>
+          <a:lstStyle/>
+          <a:p>
+            <a:fld id="{CB151F00-3264-D74A-9603-89B73FD0711A}" type="datetimeFigureOut">
               <a:rPr lang="en-US" smtClean="0"/>
-              <a:t>Click to edit Master text styles</a:t>
-            </a:r>
-          </a:p>
-        </p:txBody>
-      </p:sp>
-      <p:sp>
-        <p:nvSpPr>
-          <p:cNvPr id="5" name="Date Placeholder 4"/>
-          <p:cNvSpPr>
-            <a:spLocks noGrp="1"/>
-          </p:cNvSpPr>
-          <p:nvPr>
-            <p:ph type="dt" sz="half" idx="10"/>
-          </p:nvPr>
-        </p:nvSpPr>
-        <p:spPr/>
-        <p:txBody>
-          <a:bodyPr/>
-          <a:lstStyle/>
-          <a:p>
-            <a:fld id="{B39CBDF4-31CC-475E-800F-57E537CCDD78}" type="datetimeFigureOut">
-              <a:rPr lang="en-US" smtClean="0"/>
+              <a:pPr/>
               <a:t>11/13/2016</a:t>
             </a:fld>
             <a:endParaRPr lang="en-US"/>
@@ -2133,8 +2935,9 @@
           <a:bodyPr/>
           <a:lstStyle/>
           <a:p>
-            <a:fld id="{53877A09-728E-4EDF-8C88-EFB119A61357}" type="slidenum">
+            <a:fld id="{45D522E7-0B53-A749-8E8D-2BB8494E4F3B}" type="slidenum">
               <a:rPr lang="en-US" smtClean="0"/>
+              <a:pPr/>
               <a:t>‹#›</a:t>
             </a:fld>
             <a:endParaRPr lang="en-US"/>
@@ -2144,7 +2947,2229 @@
     </p:spTree>
     <p:extLst>
       <p:ext uri="{BB962C8B-B14F-4D97-AF65-F5344CB8AC3E}">
-        <p14:creationId xmlns:p14="http://schemas.microsoft.com/office/powerpoint/2010/main" val="20965264"/>
+        <p14:creationId xmlns:p14="http://schemas.microsoft.com/office/powerpoint/2010/main" val="3867734033"/>
+      </p:ext>
+    </p:extLst>
+  </p:cSld>
+  <p:clrMapOvr>
+    <a:masterClrMapping/>
+  </p:clrMapOvr>
+</p:sldLayout>
+</file>
+
+<file path=ppt/slideLayouts/slideLayout2.xml><?xml version="1.0" encoding="utf-8"?>
+<p:sldLayout xmlns:a="http://schemas.openxmlformats.org/drawingml/2006/main" xmlns:r="http://schemas.openxmlformats.org/officeDocument/2006/relationships" xmlns:p="http://schemas.openxmlformats.org/presentationml/2006/main" type="obj" preserve="1">
+  <p:cSld name="Title and Content">
+    <p:spTree>
+      <p:nvGrpSpPr>
+        <p:cNvPr id="1" name=""/>
+        <p:cNvGrpSpPr/>
+        <p:nvPr/>
+      </p:nvGrpSpPr>
+      <p:grpSpPr>
+        <a:xfrm>
+          <a:off x="0" y="0"/>
+          <a:ext cx="0" cy="0"/>
+          <a:chOff x="0" y="0"/>
+          <a:chExt cx="0" cy="0"/>
+        </a:xfrm>
+      </p:grpSpPr>
+      <p:sp>
+        <p:nvSpPr>
+          <p:cNvPr id="2" name="Title 1"/>
+          <p:cNvSpPr>
+            <a:spLocks noGrp="1"/>
+          </p:cNvSpPr>
+          <p:nvPr>
+            <p:ph type="title"/>
+          </p:nvPr>
+        </p:nvSpPr>
+        <p:spPr/>
+        <p:txBody>
+          <a:bodyPr/>
+          <a:lstStyle/>
+          <a:p>
+            <a:r>
+              <a:rPr lang="en-US"/>
+              <a:t>Click to edit Master title style</a:t>
+            </a:r>
+          </a:p>
+        </p:txBody>
+      </p:sp>
+      <p:sp>
+        <p:nvSpPr>
+          <p:cNvPr id="3" name="Content Placeholder 2"/>
+          <p:cNvSpPr>
+            <a:spLocks noGrp="1"/>
+          </p:cNvSpPr>
+          <p:nvPr>
+            <p:ph idx="1"/>
+          </p:nvPr>
+        </p:nvSpPr>
+        <p:spPr/>
+        <p:txBody>
+          <a:bodyPr/>
+          <a:lstStyle/>
+          <a:p>
+            <a:pPr lvl="0"/>
+            <a:r>
+              <a:rPr lang="en-US"/>
+              <a:t>Click to edit Master text styles</a:t>
+            </a:r>
+          </a:p>
+          <a:p>
+            <a:pPr lvl="1"/>
+            <a:r>
+              <a:rPr lang="en-US"/>
+              <a:t>Second level</a:t>
+            </a:r>
+          </a:p>
+          <a:p>
+            <a:pPr lvl="2"/>
+            <a:r>
+              <a:rPr lang="en-US"/>
+              <a:t>Third level</a:t>
+            </a:r>
+          </a:p>
+          <a:p>
+            <a:pPr lvl="3"/>
+            <a:r>
+              <a:rPr lang="en-US"/>
+              <a:t>Fourth level</a:t>
+            </a:r>
+          </a:p>
+          <a:p>
+            <a:pPr lvl="4"/>
+            <a:r>
+              <a:rPr lang="en-US"/>
+              <a:t>Fifth level</a:t>
+            </a:r>
+          </a:p>
+        </p:txBody>
+      </p:sp>
+      <p:sp>
+        <p:nvSpPr>
+          <p:cNvPr id="4" name="Date Placeholder 3"/>
+          <p:cNvSpPr>
+            <a:spLocks noGrp="1"/>
+          </p:cNvSpPr>
+          <p:nvPr>
+            <p:ph type="dt" sz="half" idx="10"/>
+          </p:nvPr>
+        </p:nvSpPr>
+        <p:spPr/>
+        <p:txBody>
+          <a:bodyPr/>
+          <a:lstStyle/>
+          <a:p>
+            <a:fld id="{49DBEA4D-F3C4-4046-BB47-FCB1207B26B3}" type="datetimeFigureOut">
+              <a:rPr lang="en-US" smtClean="0"/>
+              <a:pPr/>
+              <a:t>11/13/2016</a:t>
+            </a:fld>
+            <a:endParaRPr lang="en-US"/>
+          </a:p>
+        </p:txBody>
+      </p:sp>
+      <p:sp>
+        <p:nvSpPr>
+          <p:cNvPr id="5" name="Footer Placeholder 4"/>
+          <p:cNvSpPr>
+            <a:spLocks noGrp="1"/>
+          </p:cNvSpPr>
+          <p:nvPr>
+            <p:ph type="ftr" sz="quarter" idx="11"/>
+          </p:nvPr>
+        </p:nvSpPr>
+        <p:spPr/>
+        <p:txBody>
+          <a:bodyPr/>
+          <a:lstStyle/>
+          <a:p>
+            <a:endParaRPr lang="en-US"/>
+          </a:p>
+        </p:txBody>
+      </p:sp>
+      <p:sp>
+        <p:nvSpPr>
+          <p:cNvPr id="6" name="Slide Number Placeholder 5"/>
+          <p:cNvSpPr>
+            <a:spLocks noGrp="1"/>
+          </p:cNvSpPr>
+          <p:nvPr>
+            <p:ph type="sldNum" sz="quarter" idx="12"/>
+          </p:nvPr>
+        </p:nvSpPr>
+        <p:spPr/>
+        <p:txBody>
+          <a:bodyPr/>
+          <a:lstStyle/>
+          <a:p>
+            <a:fld id="{C4775A35-BBF8-6142-A822-4BC4CE95054E}" type="slidenum">
+              <a:rPr lang="en-US" smtClean="0"/>
+              <a:pPr/>
+              <a:t>‹#›</a:t>
+            </a:fld>
+            <a:endParaRPr lang="en-US"/>
+          </a:p>
+        </p:txBody>
+      </p:sp>
+    </p:spTree>
+    <p:extLst>
+      <p:ext uri="{BB962C8B-B14F-4D97-AF65-F5344CB8AC3E}">
+        <p14:creationId xmlns:p14="http://schemas.microsoft.com/office/powerpoint/2010/main" val="3384489246"/>
+      </p:ext>
+    </p:extLst>
+  </p:cSld>
+  <p:clrMapOvr>
+    <a:masterClrMapping/>
+  </p:clrMapOvr>
+</p:sldLayout>
+</file>
+
+<file path=ppt/slideLayouts/slideLayout20.xml><?xml version="1.0" encoding="utf-8"?>
+<p:sldLayout xmlns:a="http://schemas.openxmlformats.org/drawingml/2006/main" xmlns:r="http://schemas.openxmlformats.org/officeDocument/2006/relationships" xmlns:p="http://schemas.openxmlformats.org/presentationml/2006/main" type="picTx" preserve="1">
+  <p:cSld name="Picture with Caption">
+    <p:spTree>
+      <p:nvGrpSpPr>
+        <p:cNvPr id="1" name=""/>
+        <p:cNvGrpSpPr/>
+        <p:nvPr/>
+      </p:nvGrpSpPr>
+      <p:grpSpPr>
+        <a:xfrm>
+          <a:off x="0" y="0"/>
+          <a:ext cx="0" cy="0"/>
+          <a:chOff x="0" y="0"/>
+          <a:chExt cx="0" cy="0"/>
+        </a:xfrm>
+      </p:grpSpPr>
+      <p:sp>
+        <p:nvSpPr>
+          <p:cNvPr id="2" name="Title 1"/>
+          <p:cNvSpPr>
+            <a:spLocks noGrp="1"/>
+          </p:cNvSpPr>
+          <p:nvPr>
+            <p:ph type="title"/>
+          </p:nvPr>
+        </p:nvSpPr>
+        <p:spPr>
+          <a:xfrm>
+            <a:off x="1792288" y="4800600"/>
+            <a:ext cx="5486400" cy="566738"/>
+          </a:xfrm>
+        </p:spPr>
+        <p:txBody>
+          <a:bodyPr anchor="b"/>
+          <a:lstStyle>
+            <a:lvl1pPr algn="l">
+              <a:defRPr sz="2000" b="1"/>
+            </a:lvl1pPr>
+          </a:lstStyle>
+          <a:p>
+            <a:r>
+              <a:rPr lang="en-US"/>
+              <a:t>Click to edit Master title style</a:t>
+            </a:r>
+          </a:p>
+        </p:txBody>
+      </p:sp>
+      <p:sp>
+        <p:nvSpPr>
+          <p:cNvPr id="3" name="Picture Placeholder 2"/>
+          <p:cNvSpPr>
+            <a:spLocks noGrp="1"/>
+          </p:cNvSpPr>
+          <p:nvPr>
+            <p:ph type="pic" idx="1"/>
+          </p:nvPr>
+        </p:nvSpPr>
+        <p:spPr>
+          <a:xfrm>
+            <a:off x="1792288" y="612775"/>
+            <a:ext cx="5486400" cy="4114800"/>
+          </a:xfrm>
+        </p:spPr>
+        <p:txBody>
+          <a:bodyPr/>
+          <a:lstStyle>
+            <a:lvl1pPr marL="0" indent="0">
+              <a:buNone/>
+              <a:defRPr sz="3200"/>
+            </a:lvl1pPr>
+            <a:lvl2pPr marL="457200" indent="0">
+              <a:buNone/>
+              <a:defRPr sz="2800"/>
+            </a:lvl2pPr>
+            <a:lvl3pPr marL="914400" indent="0">
+              <a:buNone/>
+              <a:defRPr sz="2400"/>
+            </a:lvl3pPr>
+            <a:lvl4pPr marL="1371600" indent="0">
+              <a:buNone/>
+              <a:defRPr sz="2000"/>
+            </a:lvl4pPr>
+            <a:lvl5pPr marL="1828800" indent="0">
+              <a:buNone/>
+              <a:defRPr sz="2000"/>
+            </a:lvl5pPr>
+            <a:lvl6pPr marL="2286000" indent="0">
+              <a:buNone/>
+              <a:defRPr sz="2000"/>
+            </a:lvl6pPr>
+            <a:lvl7pPr marL="2743200" indent="0">
+              <a:buNone/>
+              <a:defRPr sz="2000"/>
+            </a:lvl7pPr>
+            <a:lvl8pPr marL="3200400" indent="0">
+              <a:buNone/>
+              <a:defRPr sz="2000"/>
+            </a:lvl8pPr>
+            <a:lvl9pPr marL="3657600" indent="0">
+              <a:buNone/>
+              <a:defRPr sz="2000"/>
+            </a:lvl9pPr>
+          </a:lstStyle>
+          <a:p>
+            <a:endParaRPr lang="en-US"/>
+          </a:p>
+        </p:txBody>
+      </p:sp>
+      <p:sp>
+        <p:nvSpPr>
+          <p:cNvPr id="4" name="Text Placeholder 3"/>
+          <p:cNvSpPr>
+            <a:spLocks noGrp="1"/>
+          </p:cNvSpPr>
+          <p:nvPr>
+            <p:ph type="body" sz="half" idx="2"/>
+          </p:nvPr>
+        </p:nvSpPr>
+        <p:spPr>
+          <a:xfrm>
+            <a:off x="1792288" y="5367338"/>
+            <a:ext cx="5486400" cy="804862"/>
+          </a:xfrm>
+        </p:spPr>
+        <p:txBody>
+          <a:bodyPr/>
+          <a:lstStyle>
+            <a:lvl1pPr marL="0" indent="0">
+              <a:buNone/>
+              <a:defRPr sz="1400"/>
+            </a:lvl1pPr>
+            <a:lvl2pPr marL="457200" indent="0">
+              <a:buNone/>
+              <a:defRPr sz="1200"/>
+            </a:lvl2pPr>
+            <a:lvl3pPr marL="914400" indent="0">
+              <a:buNone/>
+              <a:defRPr sz="1000"/>
+            </a:lvl3pPr>
+            <a:lvl4pPr marL="1371600" indent="0">
+              <a:buNone/>
+              <a:defRPr sz="900"/>
+            </a:lvl4pPr>
+            <a:lvl5pPr marL="1828800" indent="0">
+              <a:buNone/>
+              <a:defRPr sz="900"/>
+            </a:lvl5pPr>
+            <a:lvl6pPr marL="2286000" indent="0">
+              <a:buNone/>
+              <a:defRPr sz="900"/>
+            </a:lvl6pPr>
+            <a:lvl7pPr marL="2743200" indent="0">
+              <a:buNone/>
+              <a:defRPr sz="900"/>
+            </a:lvl7pPr>
+            <a:lvl8pPr marL="3200400" indent="0">
+              <a:buNone/>
+              <a:defRPr sz="900"/>
+            </a:lvl8pPr>
+            <a:lvl9pPr marL="3657600" indent="0">
+              <a:buNone/>
+              <a:defRPr sz="900"/>
+            </a:lvl9pPr>
+          </a:lstStyle>
+          <a:p>
+            <a:pPr lvl="0"/>
+            <a:r>
+              <a:rPr lang="en-US"/>
+              <a:t>Click to edit Master text styles</a:t>
+            </a:r>
+          </a:p>
+        </p:txBody>
+      </p:sp>
+      <p:sp>
+        <p:nvSpPr>
+          <p:cNvPr id="5" name="Date Placeholder 4"/>
+          <p:cNvSpPr>
+            <a:spLocks noGrp="1"/>
+          </p:cNvSpPr>
+          <p:nvPr>
+            <p:ph type="dt" sz="half" idx="10"/>
+          </p:nvPr>
+        </p:nvSpPr>
+        <p:spPr/>
+        <p:txBody>
+          <a:bodyPr/>
+          <a:lstStyle/>
+          <a:p>
+            <a:fld id="{CB151F00-3264-D74A-9603-89B73FD0711A}" type="datetimeFigureOut">
+              <a:rPr lang="en-US" smtClean="0"/>
+              <a:pPr/>
+              <a:t>11/13/2016</a:t>
+            </a:fld>
+            <a:endParaRPr lang="en-US"/>
+          </a:p>
+        </p:txBody>
+      </p:sp>
+      <p:sp>
+        <p:nvSpPr>
+          <p:cNvPr id="6" name="Footer Placeholder 5"/>
+          <p:cNvSpPr>
+            <a:spLocks noGrp="1"/>
+          </p:cNvSpPr>
+          <p:nvPr>
+            <p:ph type="ftr" sz="quarter" idx="11"/>
+          </p:nvPr>
+        </p:nvSpPr>
+        <p:spPr/>
+        <p:txBody>
+          <a:bodyPr/>
+          <a:lstStyle/>
+          <a:p>
+            <a:endParaRPr lang="en-US"/>
+          </a:p>
+        </p:txBody>
+      </p:sp>
+      <p:sp>
+        <p:nvSpPr>
+          <p:cNvPr id="7" name="Slide Number Placeholder 6"/>
+          <p:cNvSpPr>
+            <a:spLocks noGrp="1"/>
+          </p:cNvSpPr>
+          <p:nvPr>
+            <p:ph type="sldNum" sz="quarter" idx="12"/>
+          </p:nvPr>
+        </p:nvSpPr>
+        <p:spPr/>
+        <p:txBody>
+          <a:bodyPr/>
+          <a:lstStyle/>
+          <a:p>
+            <a:fld id="{45D522E7-0B53-A749-8E8D-2BB8494E4F3B}" type="slidenum">
+              <a:rPr lang="en-US" smtClean="0"/>
+              <a:pPr/>
+              <a:t>‹#›</a:t>
+            </a:fld>
+            <a:endParaRPr lang="en-US"/>
+          </a:p>
+        </p:txBody>
+      </p:sp>
+    </p:spTree>
+    <p:extLst>
+      <p:ext uri="{BB962C8B-B14F-4D97-AF65-F5344CB8AC3E}">
+        <p14:creationId xmlns:p14="http://schemas.microsoft.com/office/powerpoint/2010/main" val="3158547739"/>
+      </p:ext>
+    </p:extLst>
+  </p:cSld>
+  <p:clrMapOvr>
+    <a:masterClrMapping/>
+  </p:clrMapOvr>
+</p:sldLayout>
+</file>
+
+<file path=ppt/slideLayouts/slideLayout21.xml><?xml version="1.0" encoding="utf-8"?>
+<p:sldLayout xmlns:a="http://schemas.openxmlformats.org/drawingml/2006/main" xmlns:r="http://schemas.openxmlformats.org/officeDocument/2006/relationships" xmlns:p="http://schemas.openxmlformats.org/presentationml/2006/main" type="vertTx" preserve="1">
+  <p:cSld name="Title and Vertical Text">
+    <p:spTree>
+      <p:nvGrpSpPr>
+        <p:cNvPr id="1" name=""/>
+        <p:cNvGrpSpPr/>
+        <p:nvPr/>
+      </p:nvGrpSpPr>
+      <p:grpSpPr>
+        <a:xfrm>
+          <a:off x="0" y="0"/>
+          <a:ext cx="0" cy="0"/>
+          <a:chOff x="0" y="0"/>
+          <a:chExt cx="0" cy="0"/>
+        </a:xfrm>
+      </p:grpSpPr>
+      <p:sp>
+        <p:nvSpPr>
+          <p:cNvPr id="2" name="Title 1"/>
+          <p:cNvSpPr>
+            <a:spLocks noGrp="1"/>
+          </p:cNvSpPr>
+          <p:nvPr>
+            <p:ph type="title"/>
+          </p:nvPr>
+        </p:nvSpPr>
+        <p:spPr/>
+        <p:txBody>
+          <a:bodyPr/>
+          <a:lstStyle/>
+          <a:p>
+            <a:r>
+              <a:rPr lang="en-US"/>
+              <a:t>Click to edit Master title style</a:t>
+            </a:r>
+          </a:p>
+        </p:txBody>
+      </p:sp>
+      <p:sp>
+        <p:nvSpPr>
+          <p:cNvPr id="3" name="Vertical Text Placeholder 2"/>
+          <p:cNvSpPr>
+            <a:spLocks noGrp="1"/>
+          </p:cNvSpPr>
+          <p:nvPr>
+            <p:ph type="body" orient="vert" idx="1"/>
+          </p:nvPr>
+        </p:nvSpPr>
+        <p:spPr/>
+        <p:txBody>
+          <a:bodyPr vert="eaVert"/>
+          <a:lstStyle/>
+          <a:p>
+            <a:pPr lvl="0"/>
+            <a:r>
+              <a:rPr lang="en-US"/>
+              <a:t>Click to edit Master text styles</a:t>
+            </a:r>
+          </a:p>
+          <a:p>
+            <a:pPr lvl="1"/>
+            <a:r>
+              <a:rPr lang="en-US"/>
+              <a:t>Second level</a:t>
+            </a:r>
+          </a:p>
+          <a:p>
+            <a:pPr lvl="2"/>
+            <a:r>
+              <a:rPr lang="en-US"/>
+              <a:t>Third level</a:t>
+            </a:r>
+          </a:p>
+          <a:p>
+            <a:pPr lvl="3"/>
+            <a:r>
+              <a:rPr lang="en-US"/>
+              <a:t>Fourth level</a:t>
+            </a:r>
+          </a:p>
+          <a:p>
+            <a:pPr lvl="4"/>
+            <a:r>
+              <a:rPr lang="en-US"/>
+              <a:t>Fifth level</a:t>
+            </a:r>
+          </a:p>
+        </p:txBody>
+      </p:sp>
+      <p:sp>
+        <p:nvSpPr>
+          <p:cNvPr id="4" name="Date Placeholder 3"/>
+          <p:cNvSpPr>
+            <a:spLocks noGrp="1"/>
+          </p:cNvSpPr>
+          <p:nvPr>
+            <p:ph type="dt" sz="half" idx="10"/>
+          </p:nvPr>
+        </p:nvSpPr>
+        <p:spPr/>
+        <p:txBody>
+          <a:bodyPr/>
+          <a:lstStyle/>
+          <a:p>
+            <a:fld id="{CB151F00-3264-D74A-9603-89B73FD0711A}" type="datetimeFigureOut">
+              <a:rPr lang="en-US" smtClean="0"/>
+              <a:pPr/>
+              <a:t>11/13/2016</a:t>
+            </a:fld>
+            <a:endParaRPr lang="en-US"/>
+          </a:p>
+        </p:txBody>
+      </p:sp>
+      <p:sp>
+        <p:nvSpPr>
+          <p:cNvPr id="5" name="Footer Placeholder 4"/>
+          <p:cNvSpPr>
+            <a:spLocks noGrp="1"/>
+          </p:cNvSpPr>
+          <p:nvPr>
+            <p:ph type="ftr" sz="quarter" idx="11"/>
+          </p:nvPr>
+        </p:nvSpPr>
+        <p:spPr/>
+        <p:txBody>
+          <a:bodyPr/>
+          <a:lstStyle/>
+          <a:p>
+            <a:endParaRPr lang="en-US"/>
+          </a:p>
+        </p:txBody>
+      </p:sp>
+      <p:sp>
+        <p:nvSpPr>
+          <p:cNvPr id="6" name="Slide Number Placeholder 5"/>
+          <p:cNvSpPr>
+            <a:spLocks noGrp="1"/>
+          </p:cNvSpPr>
+          <p:nvPr>
+            <p:ph type="sldNum" sz="quarter" idx="12"/>
+          </p:nvPr>
+        </p:nvSpPr>
+        <p:spPr/>
+        <p:txBody>
+          <a:bodyPr/>
+          <a:lstStyle/>
+          <a:p>
+            <a:fld id="{45D522E7-0B53-A749-8E8D-2BB8494E4F3B}" type="slidenum">
+              <a:rPr lang="en-US" smtClean="0"/>
+              <a:pPr/>
+              <a:t>‹#›</a:t>
+            </a:fld>
+            <a:endParaRPr lang="en-US"/>
+          </a:p>
+        </p:txBody>
+      </p:sp>
+    </p:spTree>
+    <p:extLst>
+      <p:ext uri="{BB962C8B-B14F-4D97-AF65-F5344CB8AC3E}">
+        <p14:creationId xmlns:p14="http://schemas.microsoft.com/office/powerpoint/2010/main" val="2882619848"/>
+      </p:ext>
+    </p:extLst>
+  </p:cSld>
+  <p:clrMapOvr>
+    <a:masterClrMapping/>
+  </p:clrMapOvr>
+</p:sldLayout>
+</file>
+
+<file path=ppt/slideLayouts/slideLayout22.xml><?xml version="1.0" encoding="utf-8"?>
+<p:sldLayout xmlns:a="http://schemas.openxmlformats.org/drawingml/2006/main" xmlns:r="http://schemas.openxmlformats.org/officeDocument/2006/relationships" xmlns:p="http://schemas.openxmlformats.org/presentationml/2006/main" type="vertTitleAndTx" preserve="1">
+  <p:cSld name="Vertical Title and Text">
+    <p:spTree>
+      <p:nvGrpSpPr>
+        <p:cNvPr id="1" name=""/>
+        <p:cNvGrpSpPr/>
+        <p:nvPr/>
+      </p:nvGrpSpPr>
+      <p:grpSpPr>
+        <a:xfrm>
+          <a:off x="0" y="0"/>
+          <a:ext cx="0" cy="0"/>
+          <a:chOff x="0" y="0"/>
+          <a:chExt cx="0" cy="0"/>
+        </a:xfrm>
+      </p:grpSpPr>
+      <p:sp>
+        <p:nvSpPr>
+          <p:cNvPr id="2" name="Vertical Title 1"/>
+          <p:cNvSpPr>
+            <a:spLocks noGrp="1"/>
+          </p:cNvSpPr>
+          <p:nvPr>
+            <p:ph type="title" orient="vert"/>
+          </p:nvPr>
+        </p:nvSpPr>
+        <p:spPr>
+          <a:xfrm>
+            <a:off x="6629400" y="274638"/>
+            <a:ext cx="2057400" cy="5851525"/>
+          </a:xfrm>
+        </p:spPr>
+        <p:txBody>
+          <a:bodyPr vert="eaVert"/>
+          <a:lstStyle/>
+          <a:p>
+            <a:r>
+              <a:rPr lang="en-US"/>
+              <a:t>Click to edit Master title style</a:t>
+            </a:r>
+          </a:p>
+        </p:txBody>
+      </p:sp>
+      <p:sp>
+        <p:nvSpPr>
+          <p:cNvPr id="3" name="Vertical Text Placeholder 2"/>
+          <p:cNvSpPr>
+            <a:spLocks noGrp="1"/>
+          </p:cNvSpPr>
+          <p:nvPr>
+            <p:ph type="body" orient="vert" idx="1"/>
+          </p:nvPr>
+        </p:nvSpPr>
+        <p:spPr>
+          <a:xfrm>
+            <a:off x="457200" y="274638"/>
+            <a:ext cx="6019800" cy="5851525"/>
+          </a:xfrm>
+        </p:spPr>
+        <p:txBody>
+          <a:bodyPr vert="eaVert"/>
+          <a:lstStyle/>
+          <a:p>
+            <a:pPr lvl="0"/>
+            <a:r>
+              <a:rPr lang="en-US"/>
+              <a:t>Click to edit Master text styles</a:t>
+            </a:r>
+          </a:p>
+          <a:p>
+            <a:pPr lvl="1"/>
+            <a:r>
+              <a:rPr lang="en-US"/>
+              <a:t>Second level</a:t>
+            </a:r>
+          </a:p>
+          <a:p>
+            <a:pPr lvl="2"/>
+            <a:r>
+              <a:rPr lang="en-US"/>
+              <a:t>Third level</a:t>
+            </a:r>
+          </a:p>
+          <a:p>
+            <a:pPr lvl="3"/>
+            <a:r>
+              <a:rPr lang="en-US"/>
+              <a:t>Fourth level</a:t>
+            </a:r>
+          </a:p>
+          <a:p>
+            <a:pPr lvl="4"/>
+            <a:r>
+              <a:rPr lang="en-US"/>
+              <a:t>Fifth level</a:t>
+            </a:r>
+          </a:p>
+        </p:txBody>
+      </p:sp>
+      <p:sp>
+        <p:nvSpPr>
+          <p:cNvPr id="4" name="Date Placeholder 3"/>
+          <p:cNvSpPr>
+            <a:spLocks noGrp="1"/>
+          </p:cNvSpPr>
+          <p:nvPr>
+            <p:ph type="dt" sz="half" idx="10"/>
+          </p:nvPr>
+        </p:nvSpPr>
+        <p:spPr/>
+        <p:txBody>
+          <a:bodyPr/>
+          <a:lstStyle/>
+          <a:p>
+            <a:fld id="{CB151F00-3264-D74A-9603-89B73FD0711A}" type="datetimeFigureOut">
+              <a:rPr lang="en-US" smtClean="0"/>
+              <a:pPr/>
+              <a:t>11/13/2016</a:t>
+            </a:fld>
+            <a:endParaRPr lang="en-US"/>
+          </a:p>
+        </p:txBody>
+      </p:sp>
+      <p:sp>
+        <p:nvSpPr>
+          <p:cNvPr id="5" name="Footer Placeholder 4"/>
+          <p:cNvSpPr>
+            <a:spLocks noGrp="1"/>
+          </p:cNvSpPr>
+          <p:nvPr>
+            <p:ph type="ftr" sz="quarter" idx="11"/>
+          </p:nvPr>
+        </p:nvSpPr>
+        <p:spPr/>
+        <p:txBody>
+          <a:bodyPr/>
+          <a:lstStyle/>
+          <a:p>
+            <a:endParaRPr lang="en-US"/>
+          </a:p>
+        </p:txBody>
+      </p:sp>
+      <p:sp>
+        <p:nvSpPr>
+          <p:cNvPr id="6" name="Slide Number Placeholder 5"/>
+          <p:cNvSpPr>
+            <a:spLocks noGrp="1"/>
+          </p:cNvSpPr>
+          <p:nvPr>
+            <p:ph type="sldNum" sz="quarter" idx="12"/>
+          </p:nvPr>
+        </p:nvSpPr>
+        <p:spPr/>
+        <p:txBody>
+          <a:bodyPr/>
+          <a:lstStyle/>
+          <a:p>
+            <a:fld id="{45D522E7-0B53-A749-8E8D-2BB8494E4F3B}" type="slidenum">
+              <a:rPr lang="en-US" smtClean="0"/>
+              <a:pPr/>
+              <a:t>‹#›</a:t>
+            </a:fld>
+            <a:endParaRPr lang="en-US"/>
+          </a:p>
+        </p:txBody>
+      </p:sp>
+    </p:spTree>
+    <p:extLst>
+      <p:ext uri="{BB962C8B-B14F-4D97-AF65-F5344CB8AC3E}">
+        <p14:creationId xmlns:p14="http://schemas.microsoft.com/office/powerpoint/2010/main" val="741364615"/>
+      </p:ext>
+    </p:extLst>
+  </p:cSld>
+  <p:clrMapOvr>
+    <a:masterClrMapping/>
+  </p:clrMapOvr>
+</p:sldLayout>
+</file>
+
+<file path=ppt/slideLayouts/slideLayout3.xml><?xml version="1.0" encoding="utf-8"?>
+<p:sldLayout xmlns:a="http://schemas.openxmlformats.org/drawingml/2006/main" xmlns:r="http://schemas.openxmlformats.org/officeDocument/2006/relationships" xmlns:p="http://schemas.openxmlformats.org/presentationml/2006/main" type="secHead" preserve="1">
+  <p:cSld name="Section Header">
+    <p:spTree>
+      <p:nvGrpSpPr>
+        <p:cNvPr id="1" name=""/>
+        <p:cNvGrpSpPr/>
+        <p:nvPr/>
+      </p:nvGrpSpPr>
+      <p:grpSpPr>
+        <a:xfrm>
+          <a:off x="0" y="0"/>
+          <a:ext cx="0" cy="0"/>
+          <a:chOff x="0" y="0"/>
+          <a:chExt cx="0" cy="0"/>
+        </a:xfrm>
+      </p:grpSpPr>
+      <p:sp>
+        <p:nvSpPr>
+          <p:cNvPr id="2" name="Title 1"/>
+          <p:cNvSpPr>
+            <a:spLocks noGrp="1"/>
+          </p:cNvSpPr>
+          <p:nvPr>
+            <p:ph type="title"/>
+          </p:nvPr>
+        </p:nvSpPr>
+        <p:spPr>
+          <a:xfrm>
+            <a:off x="722313" y="4406900"/>
+            <a:ext cx="7772400" cy="1362075"/>
+          </a:xfrm>
+        </p:spPr>
+        <p:txBody>
+          <a:bodyPr anchor="t"/>
+          <a:lstStyle>
+            <a:lvl1pPr algn="l">
+              <a:defRPr sz="4000" b="1" cap="all"/>
+            </a:lvl1pPr>
+          </a:lstStyle>
+          <a:p>
+            <a:r>
+              <a:rPr lang="en-US"/>
+              <a:t>Click to edit Master title style</a:t>
+            </a:r>
+          </a:p>
+        </p:txBody>
+      </p:sp>
+      <p:sp>
+        <p:nvSpPr>
+          <p:cNvPr id="3" name="Text Placeholder 2"/>
+          <p:cNvSpPr>
+            <a:spLocks noGrp="1"/>
+          </p:cNvSpPr>
+          <p:nvPr>
+            <p:ph type="body" idx="1"/>
+          </p:nvPr>
+        </p:nvSpPr>
+        <p:spPr>
+          <a:xfrm>
+            <a:off x="722313" y="2906713"/>
+            <a:ext cx="7772400" cy="1500187"/>
+          </a:xfrm>
+        </p:spPr>
+        <p:txBody>
+          <a:bodyPr anchor="b"/>
+          <a:lstStyle>
+            <a:lvl1pPr marL="0" indent="0">
+              <a:buNone/>
+              <a:defRPr sz="2000">
+                <a:solidFill>
+                  <a:schemeClr val="tx1">
+                    <a:tint val="75000"/>
+                  </a:schemeClr>
+                </a:solidFill>
+              </a:defRPr>
+            </a:lvl1pPr>
+            <a:lvl2pPr marL="457200" indent="0">
+              <a:buNone/>
+              <a:defRPr sz="1800">
+                <a:solidFill>
+                  <a:schemeClr val="tx1">
+                    <a:tint val="75000"/>
+                  </a:schemeClr>
+                </a:solidFill>
+              </a:defRPr>
+            </a:lvl2pPr>
+            <a:lvl3pPr marL="914400" indent="0">
+              <a:buNone/>
+              <a:defRPr sz="1600">
+                <a:solidFill>
+                  <a:schemeClr val="tx1">
+                    <a:tint val="75000"/>
+                  </a:schemeClr>
+                </a:solidFill>
+              </a:defRPr>
+            </a:lvl3pPr>
+            <a:lvl4pPr marL="1371600" indent="0">
+              <a:buNone/>
+              <a:defRPr sz="1400">
+                <a:solidFill>
+                  <a:schemeClr val="tx1">
+                    <a:tint val="75000"/>
+                  </a:schemeClr>
+                </a:solidFill>
+              </a:defRPr>
+            </a:lvl4pPr>
+            <a:lvl5pPr marL="1828800" indent="0">
+              <a:buNone/>
+              <a:defRPr sz="1400">
+                <a:solidFill>
+                  <a:schemeClr val="tx1">
+                    <a:tint val="75000"/>
+                  </a:schemeClr>
+                </a:solidFill>
+              </a:defRPr>
+            </a:lvl5pPr>
+            <a:lvl6pPr marL="2286000" indent="0">
+              <a:buNone/>
+              <a:defRPr sz="1400">
+                <a:solidFill>
+                  <a:schemeClr val="tx1">
+                    <a:tint val="75000"/>
+                  </a:schemeClr>
+                </a:solidFill>
+              </a:defRPr>
+            </a:lvl6pPr>
+            <a:lvl7pPr marL="2743200" indent="0">
+              <a:buNone/>
+              <a:defRPr sz="1400">
+                <a:solidFill>
+                  <a:schemeClr val="tx1">
+                    <a:tint val="75000"/>
+                  </a:schemeClr>
+                </a:solidFill>
+              </a:defRPr>
+            </a:lvl7pPr>
+            <a:lvl8pPr marL="3200400" indent="0">
+              <a:buNone/>
+              <a:defRPr sz="1400">
+                <a:solidFill>
+                  <a:schemeClr val="tx1">
+                    <a:tint val="75000"/>
+                  </a:schemeClr>
+                </a:solidFill>
+              </a:defRPr>
+            </a:lvl8pPr>
+            <a:lvl9pPr marL="3657600" indent="0">
+              <a:buNone/>
+              <a:defRPr sz="1400">
+                <a:solidFill>
+                  <a:schemeClr val="tx1">
+                    <a:tint val="75000"/>
+                  </a:schemeClr>
+                </a:solidFill>
+              </a:defRPr>
+            </a:lvl9pPr>
+          </a:lstStyle>
+          <a:p>
+            <a:pPr lvl="0"/>
+            <a:r>
+              <a:rPr lang="en-US"/>
+              <a:t>Click to edit Master text styles</a:t>
+            </a:r>
+          </a:p>
+        </p:txBody>
+      </p:sp>
+      <p:sp>
+        <p:nvSpPr>
+          <p:cNvPr id="4" name="Date Placeholder 3"/>
+          <p:cNvSpPr>
+            <a:spLocks noGrp="1"/>
+          </p:cNvSpPr>
+          <p:nvPr>
+            <p:ph type="dt" sz="half" idx="10"/>
+          </p:nvPr>
+        </p:nvSpPr>
+        <p:spPr/>
+        <p:txBody>
+          <a:bodyPr/>
+          <a:lstStyle/>
+          <a:p>
+            <a:fld id="{49DBEA4D-F3C4-4046-BB47-FCB1207B26B3}" type="datetimeFigureOut">
+              <a:rPr lang="en-US" smtClean="0"/>
+              <a:pPr/>
+              <a:t>11/13/2016</a:t>
+            </a:fld>
+            <a:endParaRPr lang="en-US"/>
+          </a:p>
+        </p:txBody>
+      </p:sp>
+      <p:sp>
+        <p:nvSpPr>
+          <p:cNvPr id="5" name="Footer Placeholder 4"/>
+          <p:cNvSpPr>
+            <a:spLocks noGrp="1"/>
+          </p:cNvSpPr>
+          <p:nvPr>
+            <p:ph type="ftr" sz="quarter" idx="11"/>
+          </p:nvPr>
+        </p:nvSpPr>
+        <p:spPr/>
+        <p:txBody>
+          <a:bodyPr/>
+          <a:lstStyle/>
+          <a:p>
+            <a:endParaRPr lang="en-US"/>
+          </a:p>
+        </p:txBody>
+      </p:sp>
+      <p:sp>
+        <p:nvSpPr>
+          <p:cNvPr id="6" name="Slide Number Placeholder 5"/>
+          <p:cNvSpPr>
+            <a:spLocks noGrp="1"/>
+          </p:cNvSpPr>
+          <p:nvPr>
+            <p:ph type="sldNum" sz="quarter" idx="12"/>
+          </p:nvPr>
+        </p:nvSpPr>
+        <p:spPr/>
+        <p:txBody>
+          <a:bodyPr/>
+          <a:lstStyle/>
+          <a:p>
+            <a:fld id="{C4775A35-BBF8-6142-A822-4BC4CE95054E}" type="slidenum">
+              <a:rPr lang="en-US" smtClean="0"/>
+              <a:pPr/>
+              <a:t>‹#›</a:t>
+            </a:fld>
+            <a:endParaRPr lang="en-US"/>
+          </a:p>
+        </p:txBody>
+      </p:sp>
+    </p:spTree>
+    <p:extLst>
+      <p:ext uri="{BB962C8B-B14F-4D97-AF65-F5344CB8AC3E}">
+        <p14:creationId xmlns:p14="http://schemas.microsoft.com/office/powerpoint/2010/main" val="3555174178"/>
+      </p:ext>
+    </p:extLst>
+  </p:cSld>
+  <p:clrMapOvr>
+    <a:masterClrMapping/>
+  </p:clrMapOvr>
+</p:sldLayout>
+</file>
+
+<file path=ppt/slideLayouts/slideLayout4.xml><?xml version="1.0" encoding="utf-8"?>
+<p:sldLayout xmlns:a="http://schemas.openxmlformats.org/drawingml/2006/main" xmlns:r="http://schemas.openxmlformats.org/officeDocument/2006/relationships" xmlns:p="http://schemas.openxmlformats.org/presentationml/2006/main" type="twoObj" preserve="1">
+  <p:cSld name="Two Content">
+    <p:spTree>
+      <p:nvGrpSpPr>
+        <p:cNvPr id="1" name=""/>
+        <p:cNvGrpSpPr/>
+        <p:nvPr/>
+      </p:nvGrpSpPr>
+      <p:grpSpPr>
+        <a:xfrm>
+          <a:off x="0" y="0"/>
+          <a:ext cx="0" cy="0"/>
+          <a:chOff x="0" y="0"/>
+          <a:chExt cx="0" cy="0"/>
+        </a:xfrm>
+      </p:grpSpPr>
+      <p:sp>
+        <p:nvSpPr>
+          <p:cNvPr id="2" name="Title 1"/>
+          <p:cNvSpPr>
+            <a:spLocks noGrp="1"/>
+          </p:cNvSpPr>
+          <p:nvPr>
+            <p:ph type="title"/>
+          </p:nvPr>
+        </p:nvSpPr>
+        <p:spPr/>
+        <p:txBody>
+          <a:bodyPr/>
+          <a:lstStyle/>
+          <a:p>
+            <a:r>
+              <a:rPr lang="en-US"/>
+              <a:t>Click to edit Master title style</a:t>
+            </a:r>
+          </a:p>
+        </p:txBody>
+      </p:sp>
+      <p:sp>
+        <p:nvSpPr>
+          <p:cNvPr id="3" name="Content Placeholder 2"/>
+          <p:cNvSpPr>
+            <a:spLocks noGrp="1"/>
+          </p:cNvSpPr>
+          <p:nvPr>
+            <p:ph sz="half" idx="1"/>
+          </p:nvPr>
+        </p:nvSpPr>
+        <p:spPr>
+          <a:xfrm>
+            <a:off x="457200" y="1600200"/>
+            <a:ext cx="4038600" cy="4525963"/>
+          </a:xfrm>
+        </p:spPr>
+        <p:txBody>
+          <a:bodyPr/>
+          <a:lstStyle>
+            <a:lvl1pPr>
+              <a:defRPr sz="2800"/>
+            </a:lvl1pPr>
+            <a:lvl2pPr>
+              <a:defRPr sz="2400"/>
+            </a:lvl2pPr>
+            <a:lvl3pPr>
+              <a:defRPr sz="2000"/>
+            </a:lvl3pPr>
+            <a:lvl4pPr>
+              <a:defRPr sz="1800"/>
+            </a:lvl4pPr>
+            <a:lvl5pPr>
+              <a:defRPr sz="1800"/>
+            </a:lvl5pPr>
+            <a:lvl6pPr>
+              <a:defRPr sz="1800"/>
+            </a:lvl6pPr>
+            <a:lvl7pPr>
+              <a:defRPr sz="1800"/>
+            </a:lvl7pPr>
+            <a:lvl8pPr>
+              <a:defRPr sz="1800"/>
+            </a:lvl8pPr>
+            <a:lvl9pPr>
+              <a:defRPr sz="1800"/>
+            </a:lvl9pPr>
+          </a:lstStyle>
+          <a:p>
+            <a:pPr lvl="0"/>
+            <a:r>
+              <a:rPr lang="en-US"/>
+              <a:t>Click to edit Master text styles</a:t>
+            </a:r>
+          </a:p>
+          <a:p>
+            <a:pPr lvl="1"/>
+            <a:r>
+              <a:rPr lang="en-US"/>
+              <a:t>Second level</a:t>
+            </a:r>
+          </a:p>
+          <a:p>
+            <a:pPr lvl="2"/>
+            <a:r>
+              <a:rPr lang="en-US"/>
+              <a:t>Third level</a:t>
+            </a:r>
+          </a:p>
+          <a:p>
+            <a:pPr lvl="3"/>
+            <a:r>
+              <a:rPr lang="en-US"/>
+              <a:t>Fourth level</a:t>
+            </a:r>
+          </a:p>
+          <a:p>
+            <a:pPr lvl="4"/>
+            <a:r>
+              <a:rPr lang="en-US"/>
+              <a:t>Fifth level</a:t>
+            </a:r>
+          </a:p>
+        </p:txBody>
+      </p:sp>
+      <p:sp>
+        <p:nvSpPr>
+          <p:cNvPr id="4" name="Content Placeholder 3"/>
+          <p:cNvSpPr>
+            <a:spLocks noGrp="1"/>
+          </p:cNvSpPr>
+          <p:nvPr>
+            <p:ph sz="half" idx="2"/>
+          </p:nvPr>
+        </p:nvSpPr>
+        <p:spPr>
+          <a:xfrm>
+            <a:off x="4648200" y="1600200"/>
+            <a:ext cx="4038600" cy="4525963"/>
+          </a:xfrm>
+        </p:spPr>
+        <p:txBody>
+          <a:bodyPr/>
+          <a:lstStyle>
+            <a:lvl1pPr>
+              <a:defRPr sz="2800"/>
+            </a:lvl1pPr>
+            <a:lvl2pPr>
+              <a:defRPr sz="2400"/>
+            </a:lvl2pPr>
+            <a:lvl3pPr>
+              <a:defRPr sz="2000"/>
+            </a:lvl3pPr>
+            <a:lvl4pPr>
+              <a:defRPr sz="1800"/>
+            </a:lvl4pPr>
+            <a:lvl5pPr>
+              <a:defRPr sz="1800"/>
+            </a:lvl5pPr>
+            <a:lvl6pPr>
+              <a:defRPr sz="1800"/>
+            </a:lvl6pPr>
+            <a:lvl7pPr>
+              <a:defRPr sz="1800"/>
+            </a:lvl7pPr>
+            <a:lvl8pPr>
+              <a:defRPr sz="1800"/>
+            </a:lvl8pPr>
+            <a:lvl9pPr>
+              <a:defRPr sz="1800"/>
+            </a:lvl9pPr>
+          </a:lstStyle>
+          <a:p>
+            <a:pPr lvl="0"/>
+            <a:r>
+              <a:rPr lang="en-US"/>
+              <a:t>Click to edit Master text styles</a:t>
+            </a:r>
+          </a:p>
+          <a:p>
+            <a:pPr lvl="1"/>
+            <a:r>
+              <a:rPr lang="en-US"/>
+              <a:t>Second level</a:t>
+            </a:r>
+          </a:p>
+          <a:p>
+            <a:pPr lvl="2"/>
+            <a:r>
+              <a:rPr lang="en-US"/>
+              <a:t>Third level</a:t>
+            </a:r>
+          </a:p>
+          <a:p>
+            <a:pPr lvl="3"/>
+            <a:r>
+              <a:rPr lang="en-US"/>
+              <a:t>Fourth level</a:t>
+            </a:r>
+          </a:p>
+          <a:p>
+            <a:pPr lvl="4"/>
+            <a:r>
+              <a:rPr lang="en-US"/>
+              <a:t>Fifth level</a:t>
+            </a:r>
+          </a:p>
+        </p:txBody>
+      </p:sp>
+      <p:sp>
+        <p:nvSpPr>
+          <p:cNvPr id="5" name="Date Placeholder 4"/>
+          <p:cNvSpPr>
+            <a:spLocks noGrp="1"/>
+          </p:cNvSpPr>
+          <p:nvPr>
+            <p:ph type="dt" sz="half" idx="10"/>
+          </p:nvPr>
+        </p:nvSpPr>
+        <p:spPr/>
+        <p:txBody>
+          <a:bodyPr/>
+          <a:lstStyle/>
+          <a:p>
+            <a:fld id="{49DBEA4D-F3C4-4046-BB47-FCB1207B26B3}" type="datetimeFigureOut">
+              <a:rPr lang="en-US" smtClean="0"/>
+              <a:pPr/>
+              <a:t>11/13/2016</a:t>
+            </a:fld>
+            <a:endParaRPr lang="en-US"/>
+          </a:p>
+        </p:txBody>
+      </p:sp>
+      <p:sp>
+        <p:nvSpPr>
+          <p:cNvPr id="6" name="Footer Placeholder 5"/>
+          <p:cNvSpPr>
+            <a:spLocks noGrp="1"/>
+          </p:cNvSpPr>
+          <p:nvPr>
+            <p:ph type="ftr" sz="quarter" idx="11"/>
+          </p:nvPr>
+        </p:nvSpPr>
+        <p:spPr/>
+        <p:txBody>
+          <a:bodyPr/>
+          <a:lstStyle/>
+          <a:p>
+            <a:endParaRPr lang="en-US"/>
+          </a:p>
+        </p:txBody>
+      </p:sp>
+      <p:sp>
+        <p:nvSpPr>
+          <p:cNvPr id="7" name="Slide Number Placeholder 6"/>
+          <p:cNvSpPr>
+            <a:spLocks noGrp="1"/>
+          </p:cNvSpPr>
+          <p:nvPr>
+            <p:ph type="sldNum" sz="quarter" idx="12"/>
+          </p:nvPr>
+        </p:nvSpPr>
+        <p:spPr/>
+        <p:txBody>
+          <a:bodyPr/>
+          <a:lstStyle/>
+          <a:p>
+            <a:fld id="{C4775A35-BBF8-6142-A822-4BC4CE95054E}" type="slidenum">
+              <a:rPr lang="en-US" smtClean="0"/>
+              <a:pPr/>
+              <a:t>‹#›</a:t>
+            </a:fld>
+            <a:endParaRPr lang="en-US"/>
+          </a:p>
+        </p:txBody>
+      </p:sp>
+    </p:spTree>
+    <p:extLst>
+      <p:ext uri="{BB962C8B-B14F-4D97-AF65-F5344CB8AC3E}">
+        <p14:creationId xmlns:p14="http://schemas.microsoft.com/office/powerpoint/2010/main" val="152593296"/>
+      </p:ext>
+    </p:extLst>
+  </p:cSld>
+  <p:clrMapOvr>
+    <a:masterClrMapping/>
+  </p:clrMapOvr>
+</p:sldLayout>
+</file>
+
+<file path=ppt/slideLayouts/slideLayout5.xml><?xml version="1.0" encoding="utf-8"?>
+<p:sldLayout xmlns:a="http://schemas.openxmlformats.org/drawingml/2006/main" xmlns:r="http://schemas.openxmlformats.org/officeDocument/2006/relationships" xmlns:p="http://schemas.openxmlformats.org/presentationml/2006/main" type="twoTxTwoObj" preserve="1">
+  <p:cSld name="Comparison">
+    <p:spTree>
+      <p:nvGrpSpPr>
+        <p:cNvPr id="1" name=""/>
+        <p:cNvGrpSpPr/>
+        <p:nvPr/>
+      </p:nvGrpSpPr>
+      <p:grpSpPr>
+        <a:xfrm>
+          <a:off x="0" y="0"/>
+          <a:ext cx="0" cy="0"/>
+          <a:chOff x="0" y="0"/>
+          <a:chExt cx="0" cy="0"/>
+        </a:xfrm>
+      </p:grpSpPr>
+      <p:sp>
+        <p:nvSpPr>
+          <p:cNvPr id="2" name="Title 1"/>
+          <p:cNvSpPr>
+            <a:spLocks noGrp="1"/>
+          </p:cNvSpPr>
+          <p:nvPr>
+            <p:ph type="title"/>
+          </p:nvPr>
+        </p:nvSpPr>
+        <p:spPr/>
+        <p:txBody>
+          <a:bodyPr/>
+          <a:lstStyle>
+            <a:lvl1pPr>
+              <a:defRPr/>
+            </a:lvl1pPr>
+          </a:lstStyle>
+          <a:p>
+            <a:r>
+              <a:rPr lang="en-US"/>
+              <a:t>Click to edit Master title style</a:t>
+            </a:r>
+          </a:p>
+        </p:txBody>
+      </p:sp>
+      <p:sp>
+        <p:nvSpPr>
+          <p:cNvPr id="3" name="Text Placeholder 2"/>
+          <p:cNvSpPr>
+            <a:spLocks noGrp="1"/>
+          </p:cNvSpPr>
+          <p:nvPr>
+            <p:ph type="body" idx="1"/>
+          </p:nvPr>
+        </p:nvSpPr>
+        <p:spPr>
+          <a:xfrm>
+            <a:off x="457200" y="1535113"/>
+            <a:ext cx="4040188" cy="639762"/>
+          </a:xfrm>
+        </p:spPr>
+        <p:txBody>
+          <a:bodyPr anchor="b"/>
+          <a:lstStyle>
+            <a:lvl1pPr marL="0" indent="0">
+              <a:buNone/>
+              <a:defRPr sz="2400" b="1"/>
+            </a:lvl1pPr>
+            <a:lvl2pPr marL="457200" indent="0">
+              <a:buNone/>
+              <a:defRPr sz="2000" b="1"/>
+            </a:lvl2pPr>
+            <a:lvl3pPr marL="914400" indent="0">
+              <a:buNone/>
+              <a:defRPr sz="1800" b="1"/>
+            </a:lvl3pPr>
+            <a:lvl4pPr marL="1371600" indent="0">
+              <a:buNone/>
+              <a:defRPr sz="1600" b="1"/>
+            </a:lvl4pPr>
+            <a:lvl5pPr marL="1828800" indent="0">
+              <a:buNone/>
+              <a:defRPr sz="1600" b="1"/>
+            </a:lvl5pPr>
+            <a:lvl6pPr marL="2286000" indent="0">
+              <a:buNone/>
+              <a:defRPr sz="1600" b="1"/>
+            </a:lvl6pPr>
+            <a:lvl7pPr marL="2743200" indent="0">
+              <a:buNone/>
+              <a:defRPr sz="1600" b="1"/>
+            </a:lvl7pPr>
+            <a:lvl8pPr marL="3200400" indent="0">
+              <a:buNone/>
+              <a:defRPr sz="1600" b="1"/>
+            </a:lvl8pPr>
+            <a:lvl9pPr marL="3657600" indent="0">
+              <a:buNone/>
+              <a:defRPr sz="1600" b="1"/>
+            </a:lvl9pPr>
+          </a:lstStyle>
+          <a:p>
+            <a:pPr lvl="0"/>
+            <a:r>
+              <a:rPr lang="en-US"/>
+              <a:t>Click to edit Master text styles</a:t>
+            </a:r>
+          </a:p>
+        </p:txBody>
+      </p:sp>
+      <p:sp>
+        <p:nvSpPr>
+          <p:cNvPr id="4" name="Content Placeholder 3"/>
+          <p:cNvSpPr>
+            <a:spLocks noGrp="1"/>
+          </p:cNvSpPr>
+          <p:nvPr>
+            <p:ph sz="half" idx="2"/>
+          </p:nvPr>
+        </p:nvSpPr>
+        <p:spPr>
+          <a:xfrm>
+            <a:off x="457200" y="2174875"/>
+            <a:ext cx="4040188" cy="3951288"/>
+          </a:xfrm>
+        </p:spPr>
+        <p:txBody>
+          <a:bodyPr/>
+          <a:lstStyle>
+            <a:lvl1pPr>
+              <a:defRPr sz="2400"/>
+            </a:lvl1pPr>
+            <a:lvl2pPr>
+              <a:defRPr sz="2000"/>
+            </a:lvl2pPr>
+            <a:lvl3pPr>
+              <a:defRPr sz="1800"/>
+            </a:lvl3pPr>
+            <a:lvl4pPr>
+              <a:defRPr sz="1600"/>
+            </a:lvl4pPr>
+            <a:lvl5pPr>
+              <a:defRPr sz="1600"/>
+            </a:lvl5pPr>
+            <a:lvl6pPr>
+              <a:defRPr sz="1600"/>
+            </a:lvl6pPr>
+            <a:lvl7pPr>
+              <a:defRPr sz="1600"/>
+            </a:lvl7pPr>
+            <a:lvl8pPr>
+              <a:defRPr sz="1600"/>
+            </a:lvl8pPr>
+            <a:lvl9pPr>
+              <a:defRPr sz="1600"/>
+            </a:lvl9pPr>
+          </a:lstStyle>
+          <a:p>
+            <a:pPr lvl="0"/>
+            <a:r>
+              <a:rPr lang="en-US"/>
+              <a:t>Click to edit Master text styles</a:t>
+            </a:r>
+          </a:p>
+          <a:p>
+            <a:pPr lvl="1"/>
+            <a:r>
+              <a:rPr lang="en-US"/>
+              <a:t>Second level</a:t>
+            </a:r>
+          </a:p>
+          <a:p>
+            <a:pPr lvl="2"/>
+            <a:r>
+              <a:rPr lang="en-US"/>
+              <a:t>Third level</a:t>
+            </a:r>
+          </a:p>
+          <a:p>
+            <a:pPr lvl="3"/>
+            <a:r>
+              <a:rPr lang="en-US"/>
+              <a:t>Fourth level</a:t>
+            </a:r>
+          </a:p>
+          <a:p>
+            <a:pPr lvl="4"/>
+            <a:r>
+              <a:rPr lang="en-US"/>
+              <a:t>Fifth level</a:t>
+            </a:r>
+          </a:p>
+        </p:txBody>
+      </p:sp>
+      <p:sp>
+        <p:nvSpPr>
+          <p:cNvPr id="5" name="Text Placeholder 4"/>
+          <p:cNvSpPr>
+            <a:spLocks noGrp="1"/>
+          </p:cNvSpPr>
+          <p:nvPr>
+            <p:ph type="body" sz="quarter" idx="3"/>
+          </p:nvPr>
+        </p:nvSpPr>
+        <p:spPr>
+          <a:xfrm>
+            <a:off x="4645025" y="1535113"/>
+            <a:ext cx="4041775" cy="639762"/>
+          </a:xfrm>
+        </p:spPr>
+        <p:txBody>
+          <a:bodyPr anchor="b"/>
+          <a:lstStyle>
+            <a:lvl1pPr marL="0" indent="0">
+              <a:buNone/>
+              <a:defRPr sz="2400" b="1"/>
+            </a:lvl1pPr>
+            <a:lvl2pPr marL="457200" indent="0">
+              <a:buNone/>
+              <a:defRPr sz="2000" b="1"/>
+            </a:lvl2pPr>
+            <a:lvl3pPr marL="914400" indent="0">
+              <a:buNone/>
+              <a:defRPr sz="1800" b="1"/>
+            </a:lvl3pPr>
+            <a:lvl4pPr marL="1371600" indent="0">
+              <a:buNone/>
+              <a:defRPr sz="1600" b="1"/>
+            </a:lvl4pPr>
+            <a:lvl5pPr marL="1828800" indent="0">
+              <a:buNone/>
+              <a:defRPr sz="1600" b="1"/>
+            </a:lvl5pPr>
+            <a:lvl6pPr marL="2286000" indent="0">
+              <a:buNone/>
+              <a:defRPr sz="1600" b="1"/>
+            </a:lvl6pPr>
+            <a:lvl7pPr marL="2743200" indent="0">
+              <a:buNone/>
+              <a:defRPr sz="1600" b="1"/>
+            </a:lvl7pPr>
+            <a:lvl8pPr marL="3200400" indent="0">
+              <a:buNone/>
+              <a:defRPr sz="1600" b="1"/>
+            </a:lvl8pPr>
+            <a:lvl9pPr marL="3657600" indent="0">
+              <a:buNone/>
+              <a:defRPr sz="1600" b="1"/>
+            </a:lvl9pPr>
+          </a:lstStyle>
+          <a:p>
+            <a:pPr lvl="0"/>
+            <a:r>
+              <a:rPr lang="en-US"/>
+              <a:t>Click to edit Master text styles</a:t>
+            </a:r>
+          </a:p>
+        </p:txBody>
+      </p:sp>
+      <p:sp>
+        <p:nvSpPr>
+          <p:cNvPr id="6" name="Content Placeholder 5"/>
+          <p:cNvSpPr>
+            <a:spLocks noGrp="1"/>
+          </p:cNvSpPr>
+          <p:nvPr>
+            <p:ph sz="quarter" idx="4"/>
+          </p:nvPr>
+        </p:nvSpPr>
+        <p:spPr>
+          <a:xfrm>
+            <a:off x="4645025" y="2174875"/>
+            <a:ext cx="4041775" cy="3951288"/>
+          </a:xfrm>
+        </p:spPr>
+        <p:txBody>
+          <a:bodyPr/>
+          <a:lstStyle>
+            <a:lvl1pPr>
+              <a:defRPr sz="2400"/>
+            </a:lvl1pPr>
+            <a:lvl2pPr>
+              <a:defRPr sz="2000"/>
+            </a:lvl2pPr>
+            <a:lvl3pPr>
+              <a:defRPr sz="1800"/>
+            </a:lvl3pPr>
+            <a:lvl4pPr>
+              <a:defRPr sz="1600"/>
+            </a:lvl4pPr>
+            <a:lvl5pPr>
+              <a:defRPr sz="1600"/>
+            </a:lvl5pPr>
+            <a:lvl6pPr>
+              <a:defRPr sz="1600"/>
+            </a:lvl6pPr>
+            <a:lvl7pPr>
+              <a:defRPr sz="1600"/>
+            </a:lvl7pPr>
+            <a:lvl8pPr>
+              <a:defRPr sz="1600"/>
+            </a:lvl8pPr>
+            <a:lvl9pPr>
+              <a:defRPr sz="1600"/>
+            </a:lvl9pPr>
+          </a:lstStyle>
+          <a:p>
+            <a:pPr lvl="0"/>
+            <a:r>
+              <a:rPr lang="en-US"/>
+              <a:t>Click to edit Master text styles</a:t>
+            </a:r>
+          </a:p>
+          <a:p>
+            <a:pPr lvl="1"/>
+            <a:r>
+              <a:rPr lang="en-US"/>
+              <a:t>Second level</a:t>
+            </a:r>
+          </a:p>
+          <a:p>
+            <a:pPr lvl="2"/>
+            <a:r>
+              <a:rPr lang="en-US"/>
+              <a:t>Third level</a:t>
+            </a:r>
+          </a:p>
+          <a:p>
+            <a:pPr lvl="3"/>
+            <a:r>
+              <a:rPr lang="en-US"/>
+              <a:t>Fourth level</a:t>
+            </a:r>
+          </a:p>
+          <a:p>
+            <a:pPr lvl="4"/>
+            <a:r>
+              <a:rPr lang="en-US"/>
+              <a:t>Fifth level</a:t>
+            </a:r>
+          </a:p>
+        </p:txBody>
+      </p:sp>
+      <p:sp>
+        <p:nvSpPr>
+          <p:cNvPr id="7" name="Date Placeholder 6"/>
+          <p:cNvSpPr>
+            <a:spLocks noGrp="1"/>
+          </p:cNvSpPr>
+          <p:nvPr>
+            <p:ph type="dt" sz="half" idx="10"/>
+          </p:nvPr>
+        </p:nvSpPr>
+        <p:spPr/>
+        <p:txBody>
+          <a:bodyPr/>
+          <a:lstStyle/>
+          <a:p>
+            <a:fld id="{49DBEA4D-F3C4-4046-BB47-FCB1207B26B3}" type="datetimeFigureOut">
+              <a:rPr lang="en-US" smtClean="0"/>
+              <a:pPr/>
+              <a:t>11/13/2016</a:t>
+            </a:fld>
+            <a:endParaRPr lang="en-US"/>
+          </a:p>
+        </p:txBody>
+      </p:sp>
+      <p:sp>
+        <p:nvSpPr>
+          <p:cNvPr id="8" name="Footer Placeholder 7"/>
+          <p:cNvSpPr>
+            <a:spLocks noGrp="1"/>
+          </p:cNvSpPr>
+          <p:nvPr>
+            <p:ph type="ftr" sz="quarter" idx="11"/>
+          </p:nvPr>
+        </p:nvSpPr>
+        <p:spPr/>
+        <p:txBody>
+          <a:bodyPr/>
+          <a:lstStyle/>
+          <a:p>
+            <a:endParaRPr lang="en-US"/>
+          </a:p>
+        </p:txBody>
+      </p:sp>
+      <p:sp>
+        <p:nvSpPr>
+          <p:cNvPr id="9" name="Slide Number Placeholder 8"/>
+          <p:cNvSpPr>
+            <a:spLocks noGrp="1"/>
+          </p:cNvSpPr>
+          <p:nvPr>
+            <p:ph type="sldNum" sz="quarter" idx="12"/>
+          </p:nvPr>
+        </p:nvSpPr>
+        <p:spPr/>
+        <p:txBody>
+          <a:bodyPr/>
+          <a:lstStyle/>
+          <a:p>
+            <a:fld id="{C4775A35-BBF8-6142-A822-4BC4CE95054E}" type="slidenum">
+              <a:rPr lang="en-US" smtClean="0"/>
+              <a:pPr/>
+              <a:t>‹#›</a:t>
+            </a:fld>
+            <a:endParaRPr lang="en-US"/>
+          </a:p>
+        </p:txBody>
+      </p:sp>
+    </p:spTree>
+    <p:extLst>
+      <p:ext uri="{BB962C8B-B14F-4D97-AF65-F5344CB8AC3E}">
+        <p14:creationId xmlns:p14="http://schemas.microsoft.com/office/powerpoint/2010/main" val="3321584196"/>
+      </p:ext>
+    </p:extLst>
+  </p:cSld>
+  <p:clrMapOvr>
+    <a:masterClrMapping/>
+  </p:clrMapOvr>
+</p:sldLayout>
+</file>
+
+<file path=ppt/slideLayouts/slideLayout6.xml><?xml version="1.0" encoding="utf-8"?>
+<p:sldLayout xmlns:a="http://schemas.openxmlformats.org/drawingml/2006/main" xmlns:r="http://schemas.openxmlformats.org/officeDocument/2006/relationships" xmlns:p="http://schemas.openxmlformats.org/presentationml/2006/main" type="titleOnly" preserve="1">
+  <p:cSld name="Title Only">
+    <p:spTree>
+      <p:nvGrpSpPr>
+        <p:cNvPr id="1" name=""/>
+        <p:cNvGrpSpPr/>
+        <p:nvPr/>
+      </p:nvGrpSpPr>
+      <p:grpSpPr>
+        <a:xfrm>
+          <a:off x="0" y="0"/>
+          <a:ext cx="0" cy="0"/>
+          <a:chOff x="0" y="0"/>
+          <a:chExt cx="0" cy="0"/>
+        </a:xfrm>
+      </p:grpSpPr>
+      <p:sp>
+        <p:nvSpPr>
+          <p:cNvPr id="2" name="Title 1"/>
+          <p:cNvSpPr>
+            <a:spLocks noGrp="1"/>
+          </p:cNvSpPr>
+          <p:nvPr>
+            <p:ph type="title"/>
+          </p:nvPr>
+        </p:nvSpPr>
+        <p:spPr/>
+        <p:txBody>
+          <a:bodyPr/>
+          <a:lstStyle/>
+          <a:p>
+            <a:r>
+              <a:rPr lang="en-US"/>
+              <a:t>Click to edit Master title style</a:t>
+            </a:r>
+          </a:p>
+        </p:txBody>
+      </p:sp>
+      <p:sp>
+        <p:nvSpPr>
+          <p:cNvPr id="3" name="Date Placeholder 2"/>
+          <p:cNvSpPr>
+            <a:spLocks noGrp="1"/>
+          </p:cNvSpPr>
+          <p:nvPr>
+            <p:ph type="dt" sz="half" idx="10"/>
+          </p:nvPr>
+        </p:nvSpPr>
+        <p:spPr/>
+        <p:txBody>
+          <a:bodyPr/>
+          <a:lstStyle/>
+          <a:p>
+            <a:fld id="{49DBEA4D-F3C4-4046-BB47-FCB1207B26B3}" type="datetimeFigureOut">
+              <a:rPr lang="en-US" smtClean="0"/>
+              <a:pPr/>
+              <a:t>11/13/2016</a:t>
+            </a:fld>
+            <a:endParaRPr lang="en-US"/>
+          </a:p>
+        </p:txBody>
+      </p:sp>
+      <p:sp>
+        <p:nvSpPr>
+          <p:cNvPr id="4" name="Footer Placeholder 3"/>
+          <p:cNvSpPr>
+            <a:spLocks noGrp="1"/>
+          </p:cNvSpPr>
+          <p:nvPr>
+            <p:ph type="ftr" sz="quarter" idx="11"/>
+          </p:nvPr>
+        </p:nvSpPr>
+        <p:spPr/>
+        <p:txBody>
+          <a:bodyPr/>
+          <a:lstStyle/>
+          <a:p>
+            <a:endParaRPr lang="en-US"/>
+          </a:p>
+        </p:txBody>
+      </p:sp>
+      <p:sp>
+        <p:nvSpPr>
+          <p:cNvPr id="5" name="Slide Number Placeholder 4"/>
+          <p:cNvSpPr>
+            <a:spLocks noGrp="1"/>
+          </p:cNvSpPr>
+          <p:nvPr>
+            <p:ph type="sldNum" sz="quarter" idx="12"/>
+          </p:nvPr>
+        </p:nvSpPr>
+        <p:spPr/>
+        <p:txBody>
+          <a:bodyPr/>
+          <a:lstStyle/>
+          <a:p>
+            <a:fld id="{C4775A35-BBF8-6142-A822-4BC4CE95054E}" type="slidenum">
+              <a:rPr lang="en-US" smtClean="0"/>
+              <a:pPr/>
+              <a:t>‹#›</a:t>
+            </a:fld>
+            <a:endParaRPr lang="en-US"/>
+          </a:p>
+        </p:txBody>
+      </p:sp>
+    </p:spTree>
+    <p:extLst>
+      <p:ext uri="{BB962C8B-B14F-4D97-AF65-F5344CB8AC3E}">
+        <p14:creationId xmlns:p14="http://schemas.microsoft.com/office/powerpoint/2010/main" val="3287540125"/>
+      </p:ext>
+    </p:extLst>
+  </p:cSld>
+  <p:clrMapOvr>
+    <a:masterClrMapping/>
+  </p:clrMapOvr>
+</p:sldLayout>
+</file>
+
+<file path=ppt/slideLayouts/slideLayout7.xml><?xml version="1.0" encoding="utf-8"?>
+<p:sldLayout xmlns:a="http://schemas.openxmlformats.org/drawingml/2006/main" xmlns:r="http://schemas.openxmlformats.org/officeDocument/2006/relationships" xmlns:p="http://schemas.openxmlformats.org/presentationml/2006/main" type="blank" preserve="1">
+  <p:cSld name="Blank">
+    <p:spTree>
+      <p:nvGrpSpPr>
+        <p:cNvPr id="1" name=""/>
+        <p:cNvGrpSpPr/>
+        <p:nvPr/>
+      </p:nvGrpSpPr>
+      <p:grpSpPr>
+        <a:xfrm>
+          <a:off x="0" y="0"/>
+          <a:ext cx="0" cy="0"/>
+          <a:chOff x="0" y="0"/>
+          <a:chExt cx="0" cy="0"/>
+        </a:xfrm>
+      </p:grpSpPr>
+      <p:sp>
+        <p:nvSpPr>
+          <p:cNvPr id="2" name="Date Placeholder 1"/>
+          <p:cNvSpPr>
+            <a:spLocks noGrp="1"/>
+          </p:cNvSpPr>
+          <p:nvPr>
+            <p:ph type="dt" sz="half" idx="10"/>
+          </p:nvPr>
+        </p:nvSpPr>
+        <p:spPr/>
+        <p:txBody>
+          <a:bodyPr/>
+          <a:lstStyle/>
+          <a:p>
+            <a:fld id="{49DBEA4D-F3C4-4046-BB47-FCB1207B26B3}" type="datetimeFigureOut">
+              <a:rPr lang="en-US" smtClean="0"/>
+              <a:pPr/>
+              <a:t>11/13/2016</a:t>
+            </a:fld>
+            <a:endParaRPr lang="en-US"/>
+          </a:p>
+        </p:txBody>
+      </p:sp>
+      <p:sp>
+        <p:nvSpPr>
+          <p:cNvPr id="3" name="Footer Placeholder 2"/>
+          <p:cNvSpPr>
+            <a:spLocks noGrp="1"/>
+          </p:cNvSpPr>
+          <p:nvPr>
+            <p:ph type="ftr" sz="quarter" idx="11"/>
+          </p:nvPr>
+        </p:nvSpPr>
+        <p:spPr/>
+        <p:txBody>
+          <a:bodyPr/>
+          <a:lstStyle/>
+          <a:p>
+            <a:endParaRPr lang="en-US"/>
+          </a:p>
+        </p:txBody>
+      </p:sp>
+      <p:sp>
+        <p:nvSpPr>
+          <p:cNvPr id="4" name="Slide Number Placeholder 3"/>
+          <p:cNvSpPr>
+            <a:spLocks noGrp="1"/>
+          </p:cNvSpPr>
+          <p:nvPr>
+            <p:ph type="sldNum" sz="quarter" idx="12"/>
+          </p:nvPr>
+        </p:nvSpPr>
+        <p:spPr/>
+        <p:txBody>
+          <a:bodyPr/>
+          <a:lstStyle/>
+          <a:p>
+            <a:fld id="{C4775A35-BBF8-6142-A822-4BC4CE95054E}" type="slidenum">
+              <a:rPr lang="en-US" smtClean="0"/>
+              <a:pPr/>
+              <a:t>‹#›</a:t>
+            </a:fld>
+            <a:endParaRPr lang="en-US"/>
+          </a:p>
+        </p:txBody>
+      </p:sp>
+    </p:spTree>
+    <p:extLst>
+      <p:ext uri="{BB962C8B-B14F-4D97-AF65-F5344CB8AC3E}">
+        <p14:creationId xmlns:p14="http://schemas.microsoft.com/office/powerpoint/2010/main" val="1362589944"/>
+      </p:ext>
+    </p:extLst>
+  </p:cSld>
+  <p:clrMapOvr>
+    <a:masterClrMapping/>
+  </p:clrMapOvr>
+</p:sldLayout>
+</file>
+
+<file path=ppt/slideLayouts/slideLayout8.xml><?xml version="1.0" encoding="utf-8"?>
+<p:sldLayout xmlns:a="http://schemas.openxmlformats.org/drawingml/2006/main" xmlns:r="http://schemas.openxmlformats.org/officeDocument/2006/relationships" xmlns:p="http://schemas.openxmlformats.org/presentationml/2006/main" type="objTx" preserve="1">
+  <p:cSld name="Content with Caption">
+    <p:spTree>
+      <p:nvGrpSpPr>
+        <p:cNvPr id="1" name=""/>
+        <p:cNvGrpSpPr/>
+        <p:nvPr/>
+      </p:nvGrpSpPr>
+      <p:grpSpPr>
+        <a:xfrm>
+          <a:off x="0" y="0"/>
+          <a:ext cx="0" cy="0"/>
+          <a:chOff x="0" y="0"/>
+          <a:chExt cx="0" cy="0"/>
+        </a:xfrm>
+      </p:grpSpPr>
+      <p:sp>
+        <p:nvSpPr>
+          <p:cNvPr id="2" name="Title 1"/>
+          <p:cNvSpPr>
+            <a:spLocks noGrp="1"/>
+          </p:cNvSpPr>
+          <p:nvPr>
+            <p:ph type="title"/>
+          </p:nvPr>
+        </p:nvSpPr>
+        <p:spPr>
+          <a:xfrm>
+            <a:off x="457200" y="273050"/>
+            <a:ext cx="3008313" cy="1162050"/>
+          </a:xfrm>
+        </p:spPr>
+        <p:txBody>
+          <a:bodyPr anchor="b"/>
+          <a:lstStyle>
+            <a:lvl1pPr algn="l">
+              <a:defRPr sz="2000" b="1"/>
+            </a:lvl1pPr>
+          </a:lstStyle>
+          <a:p>
+            <a:r>
+              <a:rPr lang="en-US"/>
+              <a:t>Click to edit Master title style</a:t>
+            </a:r>
+          </a:p>
+        </p:txBody>
+      </p:sp>
+      <p:sp>
+        <p:nvSpPr>
+          <p:cNvPr id="3" name="Content Placeholder 2"/>
+          <p:cNvSpPr>
+            <a:spLocks noGrp="1"/>
+          </p:cNvSpPr>
+          <p:nvPr>
+            <p:ph idx="1"/>
+          </p:nvPr>
+        </p:nvSpPr>
+        <p:spPr>
+          <a:xfrm>
+            <a:off x="3575050" y="273050"/>
+            <a:ext cx="5111750" cy="5853113"/>
+          </a:xfrm>
+        </p:spPr>
+        <p:txBody>
+          <a:bodyPr/>
+          <a:lstStyle>
+            <a:lvl1pPr>
+              <a:defRPr sz="3200"/>
+            </a:lvl1pPr>
+            <a:lvl2pPr>
+              <a:defRPr sz="2800"/>
+            </a:lvl2pPr>
+            <a:lvl3pPr>
+              <a:defRPr sz="2400"/>
+            </a:lvl3pPr>
+            <a:lvl4pPr>
+              <a:defRPr sz="2000"/>
+            </a:lvl4pPr>
+            <a:lvl5pPr>
+              <a:defRPr sz="2000"/>
+            </a:lvl5pPr>
+            <a:lvl6pPr>
+              <a:defRPr sz="2000"/>
+            </a:lvl6pPr>
+            <a:lvl7pPr>
+              <a:defRPr sz="2000"/>
+            </a:lvl7pPr>
+            <a:lvl8pPr>
+              <a:defRPr sz="2000"/>
+            </a:lvl8pPr>
+            <a:lvl9pPr>
+              <a:defRPr sz="2000"/>
+            </a:lvl9pPr>
+          </a:lstStyle>
+          <a:p>
+            <a:pPr lvl="0"/>
+            <a:r>
+              <a:rPr lang="en-US"/>
+              <a:t>Click to edit Master text styles</a:t>
+            </a:r>
+          </a:p>
+          <a:p>
+            <a:pPr lvl="1"/>
+            <a:r>
+              <a:rPr lang="en-US"/>
+              <a:t>Second level</a:t>
+            </a:r>
+          </a:p>
+          <a:p>
+            <a:pPr lvl="2"/>
+            <a:r>
+              <a:rPr lang="en-US"/>
+              <a:t>Third level</a:t>
+            </a:r>
+          </a:p>
+          <a:p>
+            <a:pPr lvl="3"/>
+            <a:r>
+              <a:rPr lang="en-US"/>
+              <a:t>Fourth level</a:t>
+            </a:r>
+          </a:p>
+          <a:p>
+            <a:pPr lvl="4"/>
+            <a:r>
+              <a:rPr lang="en-US"/>
+              <a:t>Fifth level</a:t>
+            </a:r>
+          </a:p>
+        </p:txBody>
+      </p:sp>
+      <p:sp>
+        <p:nvSpPr>
+          <p:cNvPr id="4" name="Text Placeholder 3"/>
+          <p:cNvSpPr>
+            <a:spLocks noGrp="1"/>
+          </p:cNvSpPr>
+          <p:nvPr>
+            <p:ph type="body" sz="half" idx="2"/>
+          </p:nvPr>
+        </p:nvSpPr>
+        <p:spPr>
+          <a:xfrm>
+            <a:off x="457200" y="1435100"/>
+            <a:ext cx="3008313" cy="4691063"/>
+          </a:xfrm>
+        </p:spPr>
+        <p:txBody>
+          <a:bodyPr/>
+          <a:lstStyle>
+            <a:lvl1pPr marL="0" indent="0">
+              <a:buNone/>
+              <a:defRPr sz="1400"/>
+            </a:lvl1pPr>
+            <a:lvl2pPr marL="457200" indent="0">
+              <a:buNone/>
+              <a:defRPr sz="1200"/>
+            </a:lvl2pPr>
+            <a:lvl3pPr marL="914400" indent="0">
+              <a:buNone/>
+              <a:defRPr sz="1000"/>
+            </a:lvl3pPr>
+            <a:lvl4pPr marL="1371600" indent="0">
+              <a:buNone/>
+              <a:defRPr sz="900"/>
+            </a:lvl4pPr>
+            <a:lvl5pPr marL="1828800" indent="0">
+              <a:buNone/>
+              <a:defRPr sz="900"/>
+            </a:lvl5pPr>
+            <a:lvl6pPr marL="2286000" indent="0">
+              <a:buNone/>
+              <a:defRPr sz="900"/>
+            </a:lvl6pPr>
+            <a:lvl7pPr marL="2743200" indent="0">
+              <a:buNone/>
+              <a:defRPr sz="900"/>
+            </a:lvl7pPr>
+            <a:lvl8pPr marL="3200400" indent="0">
+              <a:buNone/>
+              <a:defRPr sz="900"/>
+            </a:lvl8pPr>
+            <a:lvl9pPr marL="3657600" indent="0">
+              <a:buNone/>
+              <a:defRPr sz="900"/>
+            </a:lvl9pPr>
+          </a:lstStyle>
+          <a:p>
+            <a:pPr lvl="0"/>
+            <a:r>
+              <a:rPr lang="en-US"/>
+              <a:t>Click to edit Master text styles</a:t>
+            </a:r>
+          </a:p>
+        </p:txBody>
+      </p:sp>
+      <p:sp>
+        <p:nvSpPr>
+          <p:cNvPr id="5" name="Date Placeholder 4"/>
+          <p:cNvSpPr>
+            <a:spLocks noGrp="1"/>
+          </p:cNvSpPr>
+          <p:nvPr>
+            <p:ph type="dt" sz="half" idx="10"/>
+          </p:nvPr>
+        </p:nvSpPr>
+        <p:spPr/>
+        <p:txBody>
+          <a:bodyPr/>
+          <a:lstStyle/>
+          <a:p>
+            <a:fld id="{49DBEA4D-F3C4-4046-BB47-FCB1207B26B3}" type="datetimeFigureOut">
+              <a:rPr lang="en-US" smtClean="0"/>
+              <a:pPr/>
+              <a:t>11/13/2016</a:t>
+            </a:fld>
+            <a:endParaRPr lang="en-US"/>
+          </a:p>
+        </p:txBody>
+      </p:sp>
+      <p:sp>
+        <p:nvSpPr>
+          <p:cNvPr id="6" name="Footer Placeholder 5"/>
+          <p:cNvSpPr>
+            <a:spLocks noGrp="1"/>
+          </p:cNvSpPr>
+          <p:nvPr>
+            <p:ph type="ftr" sz="quarter" idx="11"/>
+          </p:nvPr>
+        </p:nvSpPr>
+        <p:spPr/>
+        <p:txBody>
+          <a:bodyPr/>
+          <a:lstStyle/>
+          <a:p>
+            <a:endParaRPr lang="en-US"/>
+          </a:p>
+        </p:txBody>
+      </p:sp>
+      <p:sp>
+        <p:nvSpPr>
+          <p:cNvPr id="7" name="Slide Number Placeholder 6"/>
+          <p:cNvSpPr>
+            <a:spLocks noGrp="1"/>
+          </p:cNvSpPr>
+          <p:nvPr>
+            <p:ph type="sldNum" sz="quarter" idx="12"/>
+          </p:nvPr>
+        </p:nvSpPr>
+        <p:spPr/>
+        <p:txBody>
+          <a:bodyPr/>
+          <a:lstStyle/>
+          <a:p>
+            <a:fld id="{C4775A35-BBF8-6142-A822-4BC4CE95054E}" type="slidenum">
+              <a:rPr lang="en-US" smtClean="0"/>
+              <a:pPr/>
+              <a:t>‹#›</a:t>
+            </a:fld>
+            <a:endParaRPr lang="en-US"/>
+          </a:p>
+        </p:txBody>
+      </p:sp>
+    </p:spTree>
+    <p:extLst>
+      <p:ext uri="{BB962C8B-B14F-4D97-AF65-F5344CB8AC3E}">
+        <p14:creationId xmlns:p14="http://schemas.microsoft.com/office/powerpoint/2010/main" val="1762520904"/>
       </p:ext>
     </p:extLst>
   </p:cSld>
@@ -2183,23 +5208,22 @@
         </p:nvSpPr>
         <p:spPr>
           <a:xfrm>
-            <a:off x="839788" y="457200"/>
-            <a:ext cx="3932237" cy="1600200"/>
+            <a:off x="1792288" y="4800600"/>
+            <a:ext cx="5486400" cy="566738"/>
           </a:xfrm>
         </p:spPr>
         <p:txBody>
           <a:bodyPr anchor="b"/>
           <a:lstStyle>
-            <a:lvl1pPr>
-              <a:defRPr sz="3200"/>
+            <a:lvl1pPr algn="l">
+              <a:defRPr sz="2000" b="1"/>
             </a:lvl1pPr>
           </a:lstStyle>
           <a:p>
             <a:r>
-              <a:rPr lang="en-US" smtClean="0"/>
+              <a:rPr lang="en-US"/>
               <a:t>Click to edit Master title style</a:t>
             </a:r>
-            <a:endParaRPr lang="en-US"/>
           </a:p>
         </p:txBody>
       </p:sp>
@@ -2215,8 +5239,8 @@
         </p:nvSpPr>
         <p:spPr>
           <a:xfrm>
-            <a:off x="5183188" y="987425"/>
-            <a:ext cx="6172200" cy="4873625"/>
+            <a:off x="1792288" y="612775"/>
+            <a:ext cx="5486400" cy="4114800"/>
           </a:xfrm>
         </p:spPr>
         <p:txBody>
@@ -2276,8 +5300,8 @@
         </p:nvSpPr>
         <p:spPr>
           <a:xfrm>
-            <a:off x="839788" y="2057400"/>
-            <a:ext cx="3932237" cy="3811588"/>
+            <a:off x="1792288" y="5367338"/>
+            <a:ext cx="5486400" cy="804862"/>
           </a:xfrm>
         </p:spPr>
         <p:txBody>
@@ -2285,67 +5309,68 @@
           <a:lstStyle>
             <a:lvl1pPr marL="0" indent="0">
               <a:buNone/>
-              <a:defRPr sz="1600"/>
+              <a:defRPr sz="1400"/>
             </a:lvl1pPr>
             <a:lvl2pPr marL="457200" indent="0">
               <a:buNone/>
-              <a:defRPr sz="1400"/>
+              <a:defRPr sz="1200"/>
             </a:lvl2pPr>
             <a:lvl3pPr marL="914400" indent="0">
               <a:buNone/>
-              <a:defRPr sz="1200"/>
+              <a:defRPr sz="1000"/>
             </a:lvl3pPr>
             <a:lvl4pPr marL="1371600" indent="0">
               <a:buNone/>
-              <a:defRPr sz="1000"/>
+              <a:defRPr sz="900"/>
             </a:lvl4pPr>
             <a:lvl5pPr marL="1828800" indent="0">
               <a:buNone/>
-              <a:defRPr sz="1000"/>
+              <a:defRPr sz="900"/>
             </a:lvl5pPr>
             <a:lvl6pPr marL="2286000" indent="0">
               <a:buNone/>
-              <a:defRPr sz="1000"/>
+              <a:defRPr sz="900"/>
             </a:lvl6pPr>
             <a:lvl7pPr marL="2743200" indent="0">
               <a:buNone/>
-              <a:defRPr sz="1000"/>
+              <a:defRPr sz="900"/>
             </a:lvl7pPr>
             <a:lvl8pPr marL="3200400" indent="0">
               <a:buNone/>
-              <a:defRPr sz="1000"/>
+              <a:defRPr sz="900"/>
             </a:lvl8pPr>
             <a:lvl9pPr marL="3657600" indent="0">
               <a:buNone/>
-              <a:defRPr sz="1000"/>
+              <a:defRPr sz="900"/>
             </a:lvl9pPr>
           </a:lstStyle>
           <a:p>
             <a:pPr lvl="0"/>
             <a:r>
+              <a:rPr lang="en-US"/>
+              <a:t>Click to edit Master text styles</a:t>
+            </a:r>
+          </a:p>
+        </p:txBody>
+      </p:sp>
+      <p:sp>
+        <p:nvSpPr>
+          <p:cNvPr id="5" name="Date Placeholder 4"/>
+          <p:cNvSpPr>
+            <a:spLocks noGrp="1"/>
+          </p:cNvSpPr>
+          <p:nvPr>
+            <p:ph type="dt" sz="half" idx="10"/>
+          </p:nvPr>
+        </p:nvSpPr>
+        <p:spPr/>
+        <p:txBody>
+          <a:bodyPr/>
+          <a:lstStyle/>
+          <a:p>
+            <a:fld id="{49DBEA4D-F3C4-4046-BB47-FCB1207B26B3}" type="datetimeFigureOut">
               <a:rPr lang="en-US" smtClean="0"/>
-              <a:t>Click to edit Master text styles</a:t>
-            </a:r>
-          </a:p>
-        </p:txBody>
-      </p:sp>
-      <p:sp>
-        <p:nvSpPr>
-          <p:cNvPr id="5" name="Date Placeholder 4"/>
-          <p:cNvSpPr>
-            <a:spLocks noGrp="1"/>
-          </p:cNvSpPr>
-          <p:nvPr>
-            <p:ph type="dt" sz="half" idx="10"/>
-          </p:nvPr>
-        </p:nvSpPr>
-        <p:spPr/>
-        <p:txBody>
-          <a:bodyPr/>
-          <a:lstStyle/>
-          <a:p>
-            <a:fld id="{B39CBDF4-31CC-475E-800F-57E537CCDD78}" type="datetimeFigureOut">
-              <a:rPr lang="en-US" smtClean="0"/>
+              <a:pPr/>
               <a:t>11/13/2016</a:t>
             </a:fld>
             <a:endParaRPr lang="en-US"/>
@@ -2386,8 +5411,9 @@
           <a:bodyPr/>
           <a:lstStyle/>
           <a:p>
-            <a:fld id="{53877A09-728E-4EDF-8C88-EFB119A61357}" type="slidenum">
+            <a:fld id="{C4775A35-BBF8-6142-A822-4BC4CE95054E}" type="slidenum">
               <a:rPr lang="en-US" smtClean="0"/>
+              <a:pPr/>
               <a:t>‹#›</a:t>
             </a:fld>
             <a:endParaRPr lang="en-US"/>
@@ -2397,7 +5423,7 @@
     </p:spTree>
     <p:extLst>
       <p:ext uri="{BB962C8B-B14F-4D97-AF65-F5344CB8AC3E}">
-        <p14:creationId xmlns:p14="http://schemas.microsoft.com/office/powerpoint/2010/main" val="4154036860"/>
+        <p14:creationId xmlns:p14="http://schemas.microsoft.com/office/powerpoint/2010/main" val="3835307591"/>
       </p:ext>
     </p:extLst>
   </p:cSld>
@@ -2411,9 +5437,15 @@
 <p:sldMaster xmlns:a="http://schemas.openxmlformats.org/drawingml/2006/main" xmlns:r="http://schemas.openxmlformats.org/officeDocument/2006/relationships" xmlns:p="http://schemas.openxmlformats.org/presentationml/2006/main">
   <p:cSld>
     <p:bg>
-      <p:bgRef idx="1001">
-        <a:schemeClr val="bg1"/>
-      </p:bgRef>
+      <p:bgPr>
+        <a:blipFill rotWithShape="1">
+          <a:blip r:embed="rId13"/>
+          <a:stretch>
+            <a:fillRect/>
+          </a:stretch>
+        </a:blipFill>
+        <a:effectLst/>
+      </p:bgPr>
     </p:bg>
     <p:spTree>
       <p:nvGrpSpPr>
@@ -2441,8 +5473,8 @@
         </p:nvSpPr>
         <p:spPr>
           <a:xfrm>
-            <a:off x="838200" y="365125"/>
-            <a:ext cx="10515600" cy="1325563"/>
+            <a:off x="457200" y="274638"/>
+            <a:ext cx="8229600" cy="1143000"/>
           </a:xfrm>
           <a:prstGeom prst="rect">
             <a:avLst/>
@@ -2455,10 +5487,9 @@
           <a:lstStyle/>
           <a:p>
             <a:r>
-              <a:rPr lang="en-US" smtClean="0"/>
+              <a:rPr lang="en-US" dirty="0"/>
               <a:t>Click to edit Master title style</a:t>
             </a:r>
-            <a:endParaRPr lang="en-US"/>
           </a:p>
         </p:txBody>
       </p:sp>
@@ -2474,8 +5505,8 @@
         </p:nvSpPr>
         <p:spPr>
           <a:xfrm>
-            <a:off x="838200" y="1825625"/>
-            <a:ext cx="10515600" cy="4351338"/>
+            <a:off x="457200" y="1600200"/>
+            <a:ext cx="8229600" cy="4525963"/>
           </a:xfrm>
           <a:prstGeom prst="rect">
             <a:avLst/>
@@ -2489,38 +5520,37 @@
           <a:p>
             <a:pPr lvl="0"/>
             <a:r>
-              <a:rPr lang="en-US" smtClean="0"/>
+              <a:rPr lang="en-US" dirty="0"/>
               <a:t>Click to edit Master text styles</a:t>
             </a:r>
           </a:p>
           <a:p>
             <a:pPr lvl="1"/>
             <a:r>
-              <a:rPr lang="en-US" smtClean="0"/>
+              <a:rPr lang="en-US" dirty="0"/>
               <a:t>Second level</a:t>
             </a:r>
           </a:p>
           <a:p>
             <a:pPr lvl="2"/>
             <a:r>
-              <a:rPr lang="en-US" smtClean="0"/>
+              <a:rPr lang="en-US" dirty="0"/>
               <a:t>Third level</a:t>
             </a:r>
           </a:p>
           <a:p>
             <a:pPr lvl="3"/>
             <a:r>
-              <a:rPr lang="en-US" smtClean="0"/>
+              <a:rPr lang="en-US" dirty="0"/>
               <a:t>Fourth level</a:t>
             </a:r>
           </a:p>
           <a:p>
             <a:pPr lvl="4"/>
             <a:r>
-              <a:rPr lang="en-US" smtClean="0"/>
+              <a:rPr lang="en-US" dirty="0"/>
               <a:t>Fifth level</a:t>
             </a:r>
-            <a:endParaRPr lang="en-US"/>
           </a:p>
         </p:txBody>
       </p:sp>
@@ -2536,8 +5566,8 @@
         </p:nvSpPr>
         <p:spPr>
           <a:xfrm>
-            <a:off x="838200" y="6356350"/>
-            <a:ext cx="2743200" cy="365125"/>
+            <a:off x="457200" y="6356350"/>
+            <a:ext cx="2133600" cy="365125"/>
           </a:xfrm>
           <a:prstGeom prst="rect">
             <a:avLst/>
@@ -2557,8 +5587,9 @@
             </a:lvl1pPr>
           </a:lstStyle>
           <a:p>
-            <a:fld id="{B39CBDF4-31CC-475E-800F-57E537CCDD78}" type="datetimeFigureOut">
+            <a:fld id="{49DBEA4D-F3C4-4046-BB47-FCB1207B26B3}" type="datetimeFigureOut">
               <a:rPr lang="en-US" smtClean="0"/>
+              <a:pPr/>
               <a:t>11/13/2016</a:t>
             </a:fld>
             <a:endParaRPr lang="en-US"/>
@@ -2577,8 +5608,8 @@
         </p:nvSpPr>
         <p:spPr>
           <a:xfrm>
-            <a:off x="4038600" y="6356350"/>
-            <a:ext cx="4114800" cy="365125"/>
+            <a:off x="3124200" y="6356350"/>
+            <a:ext cx="2895600" cy="365125"/>
           </a:xfrm>
           <a:prstGeom prst="rect">
             <a:avLst/>
@@ -2614,8 +5645,8 @@
         </p:nvSpPr>
         <p:spPr>
           <a:xfrm>
-            <a:off x="8610600" y="6356350"/>
-            <a:ext cx="2743200" cy="365125"/>
+            <a:off x="6553200" y="6356350"/>
+            <a:ext cx="2133600" cy="365125"/>
           </a:xfrm>
           <a:prstGeom prst="rect">
             <a:avLst/>
@@ -2635,8 +5666,9 @@
             </a:lvl1pPr>
           </a:lstStyle>
           <a:p>
-            <a:fld id="{53877A09-728E-4EDF-8C88-EFB119A61357}" type="slidenum">
+            <a:fld id="{C4775A35-BBF8-6142-A822-4BC4CE95054E}" type="slidenum">
               <a:rPr lang="en-US" smtClean="0"/>
+              <a:pPr/>
               <a:t>‹#›</a:t>
             </a:fld>
             <a:endParaRPr lang="en-US"/>
@@ -2646,7 +5678,7 @@
     </p:spTree>
     <p:extLst>
       <p:ext uri="{BB962C8B-B14F-4D97-AF65-F5344CB8AC3E}">
-        <p14:creationId xmlns:p14="http://schemas.microsoft.com/office/powerpoint/2010/main" val="1293885689"/>
+        <p14:creationId xmlns:p14="http://schemas.microsoft.com/office/powerpoint/2010/main" val="4042721815"/>
       </p:ext>
     </p:extLst>
   </p:cSld>
@@ -2666,10 +5698,523 @@
   </p:sldLayoutIdLst>
   <p:txStyles>
     <p:titleStyle>
-      <a:lvl1pPr algn="l" defTabSz="914400" rtl="0" eaLnBrk="1" latinLnBrk="0" hangingPunct="1">
-        <a:lnSpc>
-          <a:spcPct val="90000"/>
-        </a:lnSpc>
+      <a:lvl1pPr algn="ctr" defTabSz="457200" rtl="0" eaLnBrk="1" latinLnBrk="0" hangingPunct="1">
+        <a:spcBef>
+          <a:spcPct val="0"/>
+        </a:spcBef>
+        <a:buNone/>
+        <a:defRPr sz="4400" kern="1200">
+          <a:solidFill>
+            <a:schemeClr val="tx1"/>
+          </a:solidFill>
+          <a:latin typeface="Helvetica"/>
+          <a:ea typeface="+mj-ea"/>
+          <a:cs typeface="Helvetica"/>
+        </a:defRPr>
+      </a:lvl1pPr>
+    </p:titleStyle>
+    <p:bodyStyle>
+      <a:lvl1pPr marL="342900" indent="-342900" algn="l" defTabSz="457200" rtl="0" eaLnBrk="1" latinLnBrk="0" hangingPunct="1">
+        <a:spcBef>
+          <a:spcPct val="20000"/>
+        </a:spcBef>
+        <a:buFont typeface="Arial"/>
+        <a:buChar char="•"/>
+        <a:defRPr sz="3200" kern="1200">
+          <a:solidFill>
+            <a:schemeClr val="tx1"/>
+          </a:solidFill>
+          <a:latin typeface="Helvetica"/>
+          <a:ea typeface="+mn-ea"/>
+          <a:cs typeface="Helvetica"/>
+        </a:defRPr>
+      </a:lvl1pPr>
+      <a:lvl2pPr marL="742950" indent="-285750" algn="l" defTabSz="457200" rtl="0" eaLnBrk="1" latinLnBrk="0" hangingPunct="1">
+        <a:spcBef>
+          <a:spcPct val="20000"/>
+        </a:spcBef>
+        <a:buFont typeface="Arial"/>
+        <a:buChar char="–"/>
+        <a:defRPr sz="2800" kern="1200">
+          <a:solidFill>
+            <a:schemeClr val="tx1"/>
+          </a:solidFill>
+          <a:latin typeface="Helvetica"/>
+          <a:ea typeface="+mn-ea"/>
+          <a:cs typeface="Helvetica"/>
+        </a:defRPr>
+      </a:lvl2pPr>
+      <a:lvl3pPr marL="1143000" indent="-228600" algn="l" defTabSz="457200" rtl="0" eaLnBrk="1" latinLnBrk="0" hangingPunct="1">
+        <a:spcBef>
+          <a:spcPct val="20000"/>
+        </a:spcBef>
+        <a:buFont typeface="Arial"/>
+        <a:buChar char="•"/>
+        <a:defRPr sz="2400" kern="1200">
+          <a:solidFill>
+            <a:schemeClr val="tx1"/>
+          </a:solidFill>
+          <a:latin typeface="Helvetica"/>
+          <a:ea typeface="+mn-ea"/>
+          <a:cs typeface="Helvetica"/>
+        </a:defRPr>
+      </a:lvl3pPr>
+      <a:lvl4pPr marL="1600200" indent="-228600" algn="l" defTabSz="457200" rtl="0" eaLnBrk="1" latinLnBrk="0" hangingPunct="1">
+        <a:spcBef>
+          <a:spcPct val="20000"/>
+        </a:spcBef>
+        <a:buFont typeface="Arial"/>
+        <a:buChar char="–"/>
+        <a:defRPr sz="2000" kern="1200">
+          <a:solidFill>
+            <a:schemeClr val="tx1"/>
+          </a:solidFill>
+          <a:latin typeface="Helvetica"/>
+          <a:ea typeface="+mn-ea"/>
+          <a:cs typeface="Helvetica"/>
+        </a:defRPr>
+      </a:lvl4pPr>
+      <a:lvl5pPr marL="2057400" indent="-228600" algn="l" defTabSz="457200" rtl="0" eaLnBrk="1" latinLnBrk="0" hangingPunct="1">
+        <a:spcBef>
+          <a:spcPct val="20000"/>
+        </a:spcBef>
+        <a:buFont typeface="Arial"/>
+        <a:buChar char="»"/>
+        <a:defRPr sz="2000" kern="1200">
+          <a:solidFill>
+            <a:schemeClr val="tx1"/>
+          </a:solidFill>
+          <a:latin typeface="Helvetica"/>
+          <a:ea typeface="+mn-ea"/>
+          <a:cs typeface="Helvetica"/>
+        </a:defRPr>
+      </a:lvl5pPr>
+      <a:lvl6pPr marL="2514600" indent="-228600" algn="l" defTabSz="457200" rtl="0" eaLnBrk="1" latinLnBrk="0" hangingPunct="1">
+        <a:spcBef>
+          <a:spcPct val="20000"/>
+        </a:spcBef>
+        <a:buFont typeface="Arial"/>
+        <a:buChar char="•"/>
+        <a:defRPr sz="2000" kern="1200">
+          <a:solidFill>
+            <a:schemeClr val="tx1"/>
+          </a:solidFill>
+          <a:latin typeface="+mn-lt"/>
+          <a:ea typeface="+mn-ea"/>
+          <a:cs typeface="+mn-cs"/>
+        </a:defRPr>
+      </a:lvl6pPr>
+      <a:lvl7pPr marL="2971800" indent="-228600" algn="l" defTabSz="457200" rtl="0" eaLnBrk="1" latinLnBrk="0" hangingPunct="1">
+        <a:spcBef>
+          <a:spcPct val="20000"/>
+        </a:spcBef>
+        <a:buFont typeface="Arial"/>
+        <a:buChar char="•"/>
+        <a:defRPr sz="2000" kern="1200">
+          <a:solidFill>
+            <a:schemeClr val="tx1"/>
+          </a:solidFill>
+          <a:latin typeface="+mn-lt"/>
+          <a:ea typeface="+mn-ea"/>
+          <a:cs typeface="+mn-cs"/>
+        </a:defRPr>
+      </a:lvl7pPr>
+      <a:lvl8pPr marL="3429000" indent="-228600" algn="l" defTabSz="457200" rtl="0" eaLnBrk="1" latinLnBrk="0" hangingPunct="1">
+        <a:spcBef>
+          <a:spcPct val="20000"/>
+        </a:spcBef>
+        <a:buFont typeface="Arial"/>
+        <a:buChar char="•"/>
+        <a:defRPr sz="2000" kern="1200">
+          <a:solidFill>
+            <a:schemeClr val="tx1"/>
+          </a:solidFill>
+          <a:latin typeface="+mn-lt"/>
+          <a:ea typeface="+mn-ea"/>
+          <a:cs typeface="+mn-cs"/>
+        </a:defRPr>
+      </a:lvl8pPr>
+      <a:lvl9pPr marL="3886200" indent="-228600" algn="l" defTabSz="457200" rtl="0" eaLnBrk="1" latinLnBrk="0" hangingPunct="1">
+        <a:spcBef>
+          <a:spcPct val="20000"/>
+        </a:spcBef>
+        <a:buFont typeface="Arial"/>
+        <a:buChar char="•"/>
+        <a:defRPr sz="2000" kern="1200">
+          <a:solidFill>
+            <a:schemeClr val="tx1"/>
+          </a:solidFill>
+          <a:latin typeface="+mn-lt"/>
+          <a:ea typeface="+mn-ea"/>
+          <a:cs typeface="+mn-cs"/>
+        </a:defRPr>
+      </a:lvl9pPr>
+    </p:bodyStyle>
+    <p:otherStyle>
+      <a:defPPr>
+        <a:defRPr lang="en-US"/>
+      </a:defPPr>
+      <a:lvl1pPr marL="0" algn="l" defTabSz="457200" rtl="0" eaLnBrk="1" latinLnBrk="0" hangingPunct="1">
+        <a:defRPr sz="1800" kern="1200">
+          <a:solidFill>
+            <a:schemeClr val="tx1"/>
+          </a:solidFill>
+          <a:latin typeface="+mn-lt"/>
+          <a:ea typeface="+mn-ea"/>
+          <a:cs typeface="+mn-cs"/>
+        </a:defRPr>
+      </a:lvl1pPr>
+      <a:lvl2pPr marL="457200" algn="l" defTabSz="457200" rtl="0" eaLnBrk="1" latinLnBrk="0" hangingPunct="1">
+        <a:defRPr sz="1800" kern="1200">
+          <a:solidFill>
+            <a:schemeClr val="tx1"/>
+          </a:solidFill>
+          <a:latin typeface="+mn-lt"/>
+          <a:ea typeface="+mn-ea"/>
+          <a:cs typeface="+mn-cs"/>
+        </a:defRPr>
+      </a:lvl2pPr>
+      <a:lvl3pPr marL="914400" algn="l" defTabSz="457200" rtl="0" eaLnBrk="1" latinLnBrk="0" hangingPunct="1">
+        <a:defRPr sz="1800" kern="1200">
+          <a:solidFill>
+            <a:schemeClr val="tx1"/>
+          </a:solidFill>
+          <a:latin typeface="+mn-lt"/>
+          <a:ea typeface="+mn-ea"/>
+          <a:cs typeface="+mn-cs"/>
+        </a:defRPr>
+      </a:lvl3pPr>
+      <a:lvl4pPr marL="1371600" algn="l" defTabSz="457200" rtl="0" eaLnBrk="1" latinLnBrk="0" hangingPunct="1">
+        <a:defRPr sz="1800" kern="1200">
+          <a:solidFill>
+            <a:schemeClr val="tx1"/>
+          </a:solidFill>
+          <a:latin typeface="+mn-lt"/>
+          <a:ea typeface="+mn-ea"/>
+          <a:cs typeface="+mn-cs"/>
+        </a:defRPr>
+      </a:lvl4pPr>
+      <a:lvl5pPr marL="1828800" algn="l" defTabSz="457200" rtl="0" eaLnBrk="1" latinLnBrk="0" hangingPunct="1">
+        <a:defRPr sz="1800" kern="1200">
+          <a:solidFill>
+            <a:schemeClr val="tx1"/>
+          </a:solidFill>
+          <a:latin typeface="+mn-lt"/>
+          <a:ea typeface="+mn-ea"/>
+          <a:cs typeface="+mn-cs"/>
+        </a:defRPr>
+      </a:lvl5pPr>
+      <a:lvl6pPr marL="2286000" algn="l" defTabSz="457200" rtl="0" eaLnBrk="1" latinLnBrk="0" hangingPunct="1">
+        <a:defRPr sz="1800" kern="1200">
+          <a:solidFill>
+            <a:schemeClr val="tx1"/>
+          </a:solidFill>
+          <a:latin typeface="+mn-lt"/>
+          <a:ea typeface="+mn-ea"/>
+          <a:cs typeface="+mn-cs"/>
+        </a:defRPr>
+      </a:lvl6pPr>
+      <a:lvl7pPr marL="2743200" algn="l" defTabSz="457200" rtl="0" eaLnBrk="1" latinLnBrk="0" hangingPunct="1">
+        <a:defRPr sz="1800" kern="1200">
+          <a:solidFill>
+            <a:schemeClr val="tx1"/>
+          </a:solidFill>
+          <a:latin typeface="+mn-lt"/>
+          <a:ea typeface="+mn-ea"/>
+          <a:cs typeface="+mn-cs"/>
+        </a:defRPr>
+      </a:lvl7pPr>
+      <a:lvl8pPr marL="3200400" algn="l" defTabSz="457200" rtl="0" eaLnBrk="1" latinLnBrk="0" hangingPunct="1">
+        <a:defRPr sz="1800" kern="1200">
+          <a:solidFill>
+            <a:schemeClr val="tx1"/>
+          </a:solidFill>
+          <a:latin typeface="+mn-lt"/>
+          <a:ea typeface="+mn-ea"/>
+          <a:cs typeface="+mn-cs"/>
+        </a:defRPr>
+      </a:lvl8pPr>
+      <a:lvl9pPr marL="3657600" algn="l" defTabSz="457200" rtl="0" eaLnBrk="1" latinLnBrk="0" hangingPunct="1">
+        <a:defRPr sz="1800" kern="1200">
+          <a:solidFill>
+            <a:schemeClr val="tx1"/>
+          </a:solidFill>
+          <a:latin typeface="+mn-lt"/>
+          <a:ea typeface="+mn-ea"/>
+          <a:cs typeface="+mn-cs"/>
+        </a:defRPr>
+      </a:lvl9pPr>
+    </p:otherStyle>
+  </p:txStyles>
+</p:sldMaster>
+</file>
+
+<file path=ppt/slideMasters/slideMaster2.xml><?xml version="1.0" encoding="utf-8"?>
+<p:sldMaster xmlns:a="http://schemas.openxmlformats.org/drawingml/2006/main" xmlns:r="http://schemas.openxmlformats.org/officeDocument/2006/relationships" xmlns:p="http://schemas.openxmlformats.org/presentationml/2006/main" preserve="1">
+  <p:cSld>
+    <p:bg>
+      <p:bgPr>
+        <a:blipFill rotWithShape="1">
+          <a:blip r:embed="rId13"/>
+          <a:stretch>
+            <a:fillRect/>
+          </a:stretch>
+        </a:blipFill>
+        <a:effectLst/>
+      </p:bgPr>
+    </p:bg>
+    <p:spTree>
+      <p:nvGrpSpPr>
+        <p:cNvPr id="1" name=""/>
+        <p:cNvGrpSpPr/>
+        <p:nvPr/>
+      </p:nvGrpSpPr>
+      <p:grpSpPr>
+        <a:xfrm>
+          <a:off x="0" y="0"/>
+          <a:ext cx="0" cy="0"/>
+          <a:chOff x="0" y="0"/>
+          <a:chExt cx="0" cy="0"/>
+        </a:xfrm>
+      </p:grpSpPr>
+      <p:sp>
+        <p:nvSpPr>
+          <p:cNvPr id="2" name="Title Placeholder 1"/>
+          <p:cNvSpPr>
+            <a:spLocks noGrp="1"/>
+          </p:cNvSpPr>
+          <p:nvPr>
+            <p:ph type="title"/>
+          </p:nvPr>
+        </p:nvSpPr>
+        <p:spPr>
+          <a:xfrm>
+            <a:off x="457200" y="274638"/>
+            <a:ext cx="8229600" cy="1143000"/>
+          </a:xfrm>
+          <a:prstGeom prst="rect">
+            <a:avLst/>
+          </a:prstGeom>
+        </p:spPr>
+        <p:txBody>
+          <a:bodyPr vert="horz" lIns="91440" tIns="45720" rIns="91440" bIns="45720" rtlCol="0" anchor="ctr">
+            <a:normAutofit/>
+          </a:bodyPr>
+          <a:lstStyle/>
+          <a:p>
+            <a:r>
+              <a:rPr lang="en-US"/>
+              <a:t>Click to edit Master title style</a:t>
+            </a:r>
+          </a:p>
+        </p:txBody>
+      </p:sp>
+      <p:sp>
+        <p:nvSpPr>
+          <p:cNvPr id="3" name="Text Placeholder 2"/>
+          <p:cNvSpPr>
+            <a:spLocks noGrp="1"/>
+          </p:cNvSpPr>
+          <p:nvPr>
+            <p:ph type="body" idx="1"/>
+          </p:nvPr>
+        </p:nvSpPr>
+        <p:spPr>
+          <a:xfrm>
+            <a:off x="457200" y="1600200"/>
+            <a:ext cx="8229600" cy="4525963"/>
+          </a:xfrm>
+          <a:prstGeom prst="rect">
+            <a:avLst/>
+          </a:prstGeom>
+        </p:spPr>
+        <p:txBody>
+          <a:bodyPr vert="horz" lIns="91440" tIns="45720" rIns="91440" bIns="45720" rtlCol="0">
+            <a:normAutofit/>
+          </a:bodyPr>
+          <a:lstStyle/>
+          <a:p>
+            <a:pPr lvl="0"/>
+            <a:r>
+              <a:rPr lang="en-US"/>
+              <a:t>Click to edit Master text styles</a:t>
+            </a:r>
+          </a:p>
+          <a:p>
+            <a:pPr lvl="1"/>
+            <a:r>
+              <a:rPr lang="en-US"/>
+              <a:t>Second level</a:t>
+            </a:r>
+          </a:p>
+          <a:p>
+            <a:pPr lvl="2"/>
+            <a:r>
+              <a:rPr lang="en-US"/>
+              <a:t>Third level</a:t>
+            </a:r>
+          </a:p>
+          <a:p>
+            <a:pPr lvl="3"/>
+            <a:r>
+              <a:rPr lang="en-US"/>
+              <a:t>Fourth level</a:t>
+            </a:r>
+          </a:p>
+          <a:p>
+            <a:pPr lvl="4"/>
+            <a:r>
+              <a:rPr lang="en-US"/>
+              <a:t>Fifth level</a:t>
+            </a:r>
+          </a:p>
+        </p:txBody>
+      </p:sp>
+      <p:sp>
+        <p:nvSpPr>
+          <p:cNvPr id="4" name="Date Placeholder 3"/>
+          <p:cNvSpPr>
+            <a:spLocks noGrp="1"/>
+          </p:cNvSpPr>
+          <p:nvPr>
+            <p:ph type="dt" sz="half" idx="2"/>
+          </p:nvPr>
+        </p:nvSpPr>
+        <p:spPr>
+          <a:xfrm>
+            <a:off x="457200" y="6356350"/>
+            <a:ext cx="2133600" cy="365125"/>
+          </a:xfrm>
+          <a:prstGeom prst="rect">
+            <a:avLst/>
+          </a:prstGeom>
+        </p:spPr>
+        <p:txBody>
+          <a:bodyPr vert="horz" lIns="91440" tIns="45720" rIns="91440" bIns="45720" rtlCol="0" anchor="ctr"/>
+          <a:lstStyle>
+            <a:lvl1pPr algn="l">
+              <a:defRPr sz="1200">
+                <a:solidFill>
+                  <a:schemeClr val="tx1">
+                    <a:tint val="75000"/>
+                  </a:schemeClr>
+                </a:solidFill>
+              </a:defRPr>
+            </a:lvl1pPr>
+          </a:lstStyle>
+          <a:p>
+            <a:fld id="{CB151F00-3264-D74A-9603-89B73FD0711A}" type="datetimeFigureOut">
+              <a:rPr lang="en-US" smtClean="0"/>
+              <a:pPr/>
+              <a:t>11/13/2016</a:t>
+            </a:fld>
+            <a:endParaRPr lang="en-US"/>
+          </a:p>
+        </p:txBody>
+      </p:sp>
+      <p:sp>
+        <p:nvSpPr>
+          <p:cNvPr id="5" name="Footer Placeholder 4"/>
+          <p:cNvSpPr>
+            <a:spLocks noGrp="1"/>
+          </p:cNvSpPr>
+          <p:nvPr>
+            <p:ph type="ftr" sz="quarter" idx="3"/>
+          </p:nvPr>
+        </p:nvSpPr>
+        <p:spPr>
+          <a:xfrm>
+            <a:off x="3124200" y="6356350"/>
+            <a:ext cx="2895600" cy="365125"/>
+          </a:xfrm>
+          <a:prstGeom prst="rect">
+            <a:avLst/>
+          </a:prstGeom>
+        </p:spPr>
+        <p:txBody>
+          <a:bodyPr vert="horz" lIns="91440" tIns="45720" rIns="91440" bIns="45720" rtlCol="0" anchor="ctr"/>
+          <a:lstStyle>
+            <a:lvl1pPr algn="ctr">
+              <a:defRPr sz="1200">
+                <a:solidFill>
+                  <a:schemeClr val="tx1">
+                    <a:tint val="75000"/>
+                  </a:schemeClr>
+                </a:solidFill>
+              </a:defRPr>
+            </a:lvl1pPr>
+          </a:lstStyle>
+          <a:p>
+            <a:endParaRPr lang="en-US"/>
+          </a:p>
+        </p:txBody>
+      </p:sp>
+      <p:sp>
+        <p:nvSpPr>
+          <p:cNvPr id="6" name="Slide Number Placeholder 5"/>
+          <p:cNvSpPr>
+            <a:spLocks noGrp="1"/>
+          </p:cNvSpPr>
+          <p:nvPr>
+            <p:ph type="sldNum" sz="quarter" idx="4"/>
+          </p:nvPr>
+        </p:nvSpPr>
+        <p:spPr>
+          <a:xfrm>
+            <a:off x="6553200" y="6356350"/>
+            <a:ext cx="2133600" cy="365125"/>
+          </a:xfrm>
+          <a:prstGeom prst="rect">
+            <a:avLst/>
+          </a:prstGeom>
+        </p:spPr>
+        <p:txBody>
+          <a:bodyPr vert="horz" lIns="91440" tIns="45720" rIns="91440" bIns="45720" rtlCol="0" anchor="ctr"/>
+          <a:lstStyle>
+            <a:lvl1pPr algn="r">
+              <a:defRPr sz="1200">
+                <a:solidFill>
+                  <a:schemeClr val="tx1">
+                    <a:tint val="75000"/>
+                  </a:schemeClr>
+                </a:solidFill>
+              </a:defRPr>
+            </a:lvl1pPr>
+          </a:lstStyle>
+          <a:p>
+            <a:fld id="{45D522E7-0B53-A749-8E8D-2BB8494E4F3B}" type="slidenum">
+              <a:rPr lang="en-US" smtClean="0"/>
+              <a:pPr/>
+              <a:t>‹#›</a:t>
+            </a:fld>
+            <a:endParaRPr lang="en-US"/>
+          </a:p>
+        </p:txBody>
+      </p:sp>
+    </p:spTree>
+    <p:extLst>
+      <p:ext uri="{BB962C8B-B14F-4D97-AF65-F5344CB8AC3E}">
+        <p14:creationId xmlns:p14="http://schemas.microsoft.com/office/powerpoint/2010/main" val="1707416543"/>
+      </p:ext>
+    </p:extLst>
+  </p:cSld>
+  <p:clrMap bg1="lt1" tx1="dk1" bg2="lt2" tx2="dk2" accent1="accent1" accent2="accent2" accent3="accent3" accent4="accent4" accent5="accent5" accent6="accent6" hlink="hlink" folHlink="folHlink"/>
+  <p:sldLayoutIdLst>
+    <p:sldLayoutId id="2147483661" r:id="rId1"/>
+    <p:sldLayoutId id="2147483662" r:id="rId2"/>
+    <p:sldLayoutId id="2147483663" r:id="rId3"/>
+    <p:sldLayoutId id="2147483664" r:id="rId4"/>
+    <p:sldLayoutId id="2147483665" r:id="rId5"/>
+    <p:sldLayoutId id="2147483666" r:id="rId6"/>
+    <p:sldLayoutId id="2147483667" r:id="rId7"/>
+    <p:sldLayoutId id="2147483668" r:id="rId8"/>
+    <p:sldLayoutId id="2147483669" r:id="rId9"/>
+    <p:sldLayoutId id="2147483670" r:id="rId10"/>
+    <p:sldLayoutId id="2147483671" r:id="rId11"/>
+  </p:sldLayoutIdLst>
+  <p:txStyles>
+    <p:titleStyle>
+      <a:lvl1pPr algn="ctr" defTabSz="457200" rtl="0" eaLnBrk="1" latinLnBrk="0" hangingPunct="1">
         <a:spcBef>
           <a:spcPct val="0"/>
         </a:spcBef>
@@ -2685,15 +6230,27 @@
       </a:lvl1pPr>
     </p:titleStyle>
     <p:bodyStyle>
-      <a:lvl1pPr marL="228600" indent="-228600" algn="l" defTabSz="914400" rtl="0" eaLnBrk="1" latinLnBrk="0" hangingPunct="1">
-        <a:lnSpc>
-          <a:spcPct val="90000"/>
-        </a:lnSpc>
+      <a:lvl1pPr marL="342900" indent="-342900" algn="l" defTabSz="457200" rtl="0" eaLnBrk="1" latinLnBrk="0" hangingPunct="1">
         <a:spcBef>
-          <a:spcPts val="1000"/>
+          <a:spcPct val="20000"/>
         </a:spcBef>
-        <a:buFont typeface="Arial" panose="020B0604020202020204" pitchFamily="34" charset="0"/>
+        <a:buFont typeface="Arial"/>
         <a:buChar char="•"/>
+        <a:defRPr sz="3200" kern="1200">
+          <a:solidFill>
+            <a:schemeClr val="tx1"/>
+          </a:solidFill>
+          <a:latin typeface="+mn-lt"/>
+          <a:ea typeface="+mn-ea"/>
+          <a:cs typeface="+mn-cs"/>
+        </a:defRPr>
+      </a:lvl1pPr>
+      <a:lvl2pPr marL="742950" indent="-285750" algn="l" defTabSz="457200" rtl="0" eaLnBrk="1" latinLnBrk="0" hangingPunct="1">
+        <a:spcBef>
+          <a:spcPct val="20000"/>
+        </a:spcBef>
+        <a:buFont typeface="Arial"/>
+        <a:buChar char="–"/>
         <a:defRPr sz="2800" kern="1200">
           <a:solidFill>
             <a:schemeClr val="tx1"/>
@@ -2702,15 +6259,12 @@
           <a:ea typeface="+mn-ea"/>
           <a:cs typeface="+mn-cs"/>
         </a:defRPr>
-      </a:lvl1pPr>
-      <a:lvl2pPr marL="685800" indent="-228600" algn="l" defTabSz="914400" rtl="0" eaLnBrk="1" latinLnBrk="0" hangingPunct="1">
-        <a:lnSpc>
-          <a:spcPct val="90000"/>
-        </a:lnSpc>
+      </a:lvl2pPr>
+      <a:lvl3pPr marL="1143000" indent="-228600" algn="l" defTabSz="457200" rtl="0" eaLnBrk="1" latinLnBrk="0" hangingPunct="1">
         <a:spcBef>
-          <a:spcPts val="500"/>
+          <a:spcPct val="20000"/>
         </a:spcBef>
-        <a:buFont typeface="Arial" panose="020B0604020202020204" pitchFamily="34" charset="0"/>
+        <a:buFont typeface="Arial"/>
         <a:buChar char="•"/>
         <a:defRPr sz="2400" kern="1200">
           <a:solidFill>
@@ -2720,15 +6274,42 @@
           <a:ea typeface="+mn-ea"/>
           <a:cs typeface="+mn-cs"/>
         </a:defRPr>
-      </a:lvl2pPr>
-      <a:lvl3pPr marL="1143000" indent="-228600" algn="l" defTabSz="914400" rtl="0" eaLnBrk="1" latinLnBrk="0" hangingPunct="1">
-        <a:lnSpc>
-          <a:spcPct val="90000"/>
-        </a:lnSpc>
+      </a:lvl3pPr>
+      <a:lvl4pPr marL="1600200" indent="-228600" algn="l" defTabSz="457200" rtl="0" eaLnBrk="1" latinLnBrk="0" hangingPunct="1">
         <a:spcBef>
-          <a:spcPts val="500"/>
+          <a:spcPct val="20000"/>
         </a:spcBef>
-        <a:buFont typeface="Arial" panose="020B0604020202020204" pitchFamily="34" charset="0"/>
+        <a:buFont typeface="Arial"/>
+        <a:buChar char="–"/>
+        <a:defRPr sz="2000" kern="1200">
+          <a:solidFill>
+            <a:schemeClr val="tx1"/>
+          </a:solidFill>
+          <a:latin typeface="+mn-lt"/>
+          <a:ea typeface="+mn-ea"/>
+          <a:cs typeface="+mn-cs"/>
+        </a:defRPr>
+      </a:lvl4pPr>
+      <a:lvl5pPr marL="2057400" indent="-228600" algn="l" defTabSz="457200" rtl="0" eaLnBrk="1" latinLnBrk="0" hangingPunct="1">
+        <a:spcBef>
+          <a:spcPct val="20000"/>
+        </a:spcBef>
+        <a:buFont typeface="Arial"/>
+        <a:buChar char="»"/>
+        <a:defRPr sz="2000" kern="1200">
+          <a:solidFill>
+            <a:schemeClr val="tx1"/>
+          </a:solidFill>
+          <a:latin typeface="+mn-lt"/>
+          <a:ea typeface="+mn-ea"/>
+          <a:cs typeface="+mn-cs"/>
+        </a:defRPr>
+      </a:lvl5pPr>
+      <a:lvl6pPr marL="2514600" indent="-228600" algn="l" defTabSz="457200" rtl="0" eaLnBrk="1" latinLnBrk="0" hangingPunct="1">
+        <a:spcBef>
+          <a:spcPct val="20000"/>
+        </a:spcBef>
+        <a:buFont typeface="Arial"/>
         <a:buChar char="•"/>
         <a:defRPr sz="2000" kern="1200">
           <a:solidFill>
@@ -2738,71 +6319,14 @@
           <a:ea typeface="+mn-ea"/>
           <a:cs typeface="+mn-cs"/>
         </a:defRPr>
-      </a:lvl3pPr>
-      <a:lvl4pPr marL="1600200" indent="-228600" algn="l" defTabSz="914400" rtl="0" eaLnBrk="1" latinLnBrk="0" hangingPunct="1">
-        <a:lnSpc>
-          <a:spcPct val="90000"/>
-        </a:lnSpc>
+      </a:lvl6pPr>
+      <a:lvl7pPr marL="2971800" indent="-228600" algn="l" defTabSz="457200" rtl="0" eaLnBrk="1" latinLnBrk="0" hangingPunct="1">
         <a:spcBef>
-          <a:spcPts val="500"/>
+          <a:spcPct val="20000"/>
         </a:spcBef>
-        <a:buFont typeface="Arial" panose="020B0604020202020204" pitchFamily="34" charset="0"/>
+        <a:buFont typeface="Arial"/>
         <a:buChar char="•"/>
-        <a:defRPr sz="1800" kern="1200">
-          <a:solidFill>
-            <a:schemeClr val="tx1"/>
-          </a:solidFill>
-          <a:latin typeface="+mn-lt"/>
-          <a:ea typeface="+mn-ea"/>
-          <a:cs typeface="+mn-cs"/>
-        </a:defRPr>
-      </a:lvl4pPr>
-      <a:lvl5pPr marL="2057400" indent="-228600" algn="l" defTabSz="914400" rtl="0" eaLnBrk="1" latinLnBrk="0" hangingPunct="1">
-        <a:lnSpc>
-          <a:spcPct val="90000"/>
-        </a:lnSpc>
-        <a:spcBef>
-          <a:spcPts val="500"/>
-        </a:spcBef>
-        <a:buFont typeface="Arial" panose="020B0604020202020204" pitchFamily="34" charset="0"/>
-        <a:buChar char="•"/>
-        <a:defRPr sz="1800" kern="1200">
-          <a:solidFill>
-            <a:schemeClr val="tx1"/>
-          </a:solidFill>
-          <a:latin typeface="+mn-lt"/>
-          <a:ea typeface="+mn-ea"/>
-          <a:cs typeface="+mn-cs"/>
-        </a:defRPr>
-      </a:lvl5pPr>
-      <a:lvl6pPr marL="2514600" indent="-228600" algn="l" defTabSz="914400" rtl="0" eaLnBrk="1" latinLnBrk="0" hangingPunct="1">
-        <a:lnSpc>
-          <a:spcPct val="90000"/>
-        </a:lnSpc>
-        <a:spcBef>
-          <a:spcPts val="500"/>
-        </a:spcBef>
-        <a:buFont typeface="Arial" panose="020B0604020202020204" pitchFamily="34" charset="0"/>
-        <a:buChar char="•"/>
-        <a:defRPr sz="1800" kern="1200">
-          <a:solidFill>
-            <a:schemeClr val="tx1"/>
-          </a:solidFill>
-          <a:latin typeface="+mn-lt"/>
-          <a:ea typeface="+mn-ea"/>
-          <a:cs typeface="+mn-cs"/>
-        </a:defRPr>
-      </a:lvl6pPr>
-      <a:lvl7pPr marL="2971800" indent="-228600" algn="l" defTabSz="914400" rtl="0" eaLnBrk="1" latinLnBrk="0" hangingPunct="1">
-        <a:lnSpc>
-          <a:spcPct val="90000"/>
-        </a:lnSpc>
-        <a:spcBef>
-          <a:spcPts val="500"/>
-        </a:spcBef>
-        <a:buFont typeface="Arial" panose="020B0604020202020204" pitchFamily="34" charset="0"/>
-        <a:buChar char="•"/>
-        <a:defRPr sz="1800" kern="1200">
+        <a:defRPr sz="2000" kern="1200">
           <a:solidFill>
             <a:schemeClr val="tx1"/>
           </a:solidFill>
@@ -2811,16 +6335,13 @@
           <a:cs typeface="+mn-cs"/>
         </a:defRPr>
       </a:lvl7pPr>
-      <a:lvl8pPr marL="3429000" indent="-228600" algn="l" defTabSz="914400" rtl="0" eaLnBrk="1" latinLnBrk="0" hangingPunct="1">
-        <a:lnSpc>
-          <a:spcPct val="90000"/>
-        </a:lnSpc>
+      <a:lvl8pPr marL="3429000" indent="-228600" algn="l" defTabSz="457200" rtl="0" eaLnBrk="1" latinLnBrk="0" hangingPunct="1">
         <a:spcBef>
-          <a:spcPts val="500"/>
+          <a:spcPct val="20000"/>
         </a:spcBef>
-        <a:buFont typeface="Arial" panose="020B0604020202020204" pitchFamily="34" charset="0"/>
+        <a:buFont typeface="Arial"/>
         <a:buChar char="•"/>
-        <a:defRPr sz="1800" kern="1200">
+        <a:defRPr sz="2000" kern="1200">
           <a:solidFill>
             <a:schemeClr val="tx1"/>
           </a:solidFill>
@@ -2829,16 +6350,13 @@
           <a:cs typeface="+mn-cs"/>
         </a:defRPr>
       </a:lvl8pPr>
-      <a:lvl9pPr marL="3886200" indent="-228600" algn="l" defTabSz="914400" rtl="0" eaLnBrk="1" latinLnBrk="0" hangingPunct="1">
-        <a:lnSpc>
-          <a:spcPct val="90000"/>
-        </a:lnSpc>
+      <a:lvl9pPr marL="3886200" indent="-228600" algn="l" defTabSz="457200" rtl="0" eaLnBrk="1" latinLnBrk="0" hangingPunct="1">
         <a:spcBef>
-          <a:spcPts val="500"/>
+          <a:spcPct val="20000"/>
         </a:spcBef>
-        <a:buFont typeface="Arial" panose="020B0604020202020204" pitchFamily="34" charset="0"/>
+        <a:buFont typeface="Arial"/>
         <a:buChar char="•"/>
-        <a:defRPr sz="1800" kern="1200">
+        <a:defRPr sz="2000" kern="1200">
           <a:solidFill>
             <a:schemeClr val="tx1"/>
           </a:solidFill>
@@ -2852,7 +6370,7 @@
       <a:defPPr>
         <a:defRPr lang="en-US"/>
       </a:defPPr>
-      <a:lvl1pPr marL="0" algn="l" defTabSz="914400" rtl="0" eaLnBrk="1" latinLnBrk="0" hangingPunct="1">
+      <a:lvl1pPr marL="0" algn="l" defTabSz="457200" rtl="0" eaLnBrk="1" latinLnBrk="0" hangingPunct="1">
         <a:defRPr sz="1800" kern="1200">
           <a:solidFill>
             <a:schemeClr val="tx1"/>
@@ -2862,7 +6380,7 @@
           <a:cs typeface="+mn-cs"/>
         </a:defRPr>
       </a:lvl1pPr>
-      <a:lvl2pPr marL="457200" algn="l" defTabSz="914400" rtl="0" eaLnBrk="1" latinLnBrk="0" hangingPunct="1">
+      <a:lvl2pPr marL="457200" algn="l" defTabSz="457200" rtl="0" eaLnBrk="1" latinLnBrk="0" hangingPunct="1">
         <a:defRPr sz="1800" kern="1200">
           <a:solidFill>
             <a:schemeClr val="tx1"/>
@@ -2872,7 +6390,7 @@
           <a:cs typeface="+mn-cs"/>
         </a:defRPr>
       </a:lvl2pPr>
-      <a:lvl3pPr marL="914400" algn="l" defTabSz="914400" rtl="0" eaLnBrk="1" latinLnBrk="0" hangingPunct="1">
+      <a:lvl3pPr marL="914400" algn="l" defTabSz="457200" rtl="0" eaLnBrk="1" latinLnBrk="0" hangingPunct="1">
         <a:defRPr sz="1800" kern="1200">
           <a:solidFill>
             <a:schemeClr val="tx1"/>
@@ -2882,7 +6400,7 @@
           <a:cs typeface="+mn-cs"/>
         </a:defRPr>
       </a:lvl3pPr>
-      <a:lvl4pPr marL="1371600" algn="l" defTabSz="914400" rtl="0" eaLnBrk="1" latinLnBrk="0" hangingPunct="1">
+      <a:lvl4pPr marL="1371600" algn="l" defTabSz="457200" rtl="0" eaLnBrk="1" latinLnBrk="0" hangingPunct="1">
         <a:defRPr sz="1800" kern="1200">
           <a:solidFill>
             <a:schemeClr val="tx1"/>
@@ -2892,7 +6410,7 @@
           <a:cs typeface="+mn-cs"/>
         </a:defRPr>
       </a:lvl4pPr>
-      <a:lvl5pPr marL="1828800" algn="l" defTabSz="914400" rtl="0" eaLnBrk="1" latinLnBrk="0" hangingPunct="1">
+      <a:lvl5pPr marL="1828800" algn="l" defTabSz="457200" rtl="0" eaLnBrk="1" latinLnBrk="0" hangingPunct="1">
         <a:defRPr sz="1800" kern="1200">
           <a:solidFill>
             <a:schemeClr val="tx1"/>
@@ -2902,7 +6420,7 @@
           <a:cs typeface="+mn-cs"/>
         </a:defRPr>
       </a:lvl5pPr>
-      <a:lvl6pPr marL="2286000" algn="l" defTabSz="914400" rtl="0" eaLnBrk="1" latinLnBrk="0" hangingPunct="1">
+      <a:lvl6pPr marL="2286000" algn="l" defTabSz="457200" rtl="0" eaLnBrk="1" latinLnBrk="0" hangingPunct="1">
         <a:defRPr sz="1800" kern="1200">
           <a:solidFill>
             <a:schemeClr val="tx1"/>
@@ -2912,7 +6430,7 @@
           <a:cs typeface="+mn-cs"/>
         </a:defRPr>
       </a:lvl6pPr>
-      <a:lvl7pPr marL="2743200" algn="l" defTabSz="914400" rtl="0" eaLnBrk="1" latinLnBrk="0" hangingPunct="1">
+      <a:lvl7pPr marL="2743200" algn="l" defTabSz="457200" rtl="0" eaLnBrk="1" latinLnBrk="0" hangingPunct="1">
         <a:defRPr sz="1800" kern="1200">
           <a:solidFill>
             <a:schemeClr val="tx1"/>
@@ -2922,7 +6440,7 @@
           <a:cs typeface="+mn-cs"/>
         </a:defRPr>
       </a:lvl7pPr>
-      <a:lvl8pPr marL="3200400" algn="l" defTabSz="914400" rtl="0" eaLnBrk="1" latinLnBrk="0" hangingPunct="1">
+      <a:lvl8pPr marL="3200400" algn="l" defTabSz="457200" rtl="0" eaLnBrk="1" latinLnBrk="0" hangingPunct="1">
         <a:defRPr sz="1800" kern="1200">
           <a:solidFill>
             <a:schemeClr val="tx1"/>
@@ -2932,7 +6450,7 @@
           <a:cs typeface="+mn-cs"/>
         </a:defRPr>
       </a:lvl8pPr>
-      <a:lvl9pPr marL="3657600" algn="l" defTabSz="914400" rtl="0" eaLnBrk="1" latinLnBrk="0" hangingPunct="1">
+      <a:lvl9pPr marL="3657600" algn="l" defTabSz="457200" rtl="0" eaLnBrk="1" latinLnBrk="0" hangingPunct="1">
         <a:defRPr sz="1800" kern="1200">
           <a:solidFill>
             <a:schemeClr val="tx1"/>
@@ -2974,12 +6492,37 @@
             <p:ph type="ctrTitle"/>
           </p:nvPr>
         </p:nvSpPr>
-        <p:spPr/>
-        <p:txBody>
-          <a:bodyPr/>
-          <a:lstStyle/>
-          <a:p>
-            <a:endParaRPr lang="en-US"/>
+        <p:spPr>
+          <a:xfrm>
+            <a:off x="526093" y="263047"/>
+            <a:ext cx="8204548" cy="1470025"/>
+          </a:xfrm>
+        </p:spPr>
+        <p:txBody>
+          <a:bodyPr/>
+          <a:lstStyle/>
+          <a:p>
+            <a:r>
+              <a:rPr lang="en-US" dirty="0">
+                <a:solidFill>
+                  <a:schemeClr val="tx2">
+                    <a:lumMod val="60000"/>
+                    <a:lumOff val="40000"/>
+                  </a:schemeClr>
+                </a:solidFill>
+                <a:latin typeface="Times New Roman" pitchFamily="18" charset="0"/>
+                <a:cs typeface="Times New Roman" pitchFamily="18" charset="0"/>
+              </a:rPr>
+              <a:t>REVIEW POINT</a:t>
+            </a:r>
+            <a:endParaRPr lang="en-US" dirty="0">
+              <a:solidFill>
+                <a:schemeClr val="tx2">
+                  <a:lumMod val="60000"/>
+                  <a:lumOff val="40000"/>
+                </a:schemeClr>
+              </a:solidFill>
+            </a:endParaRPr>
           </a:p>
         </p:txBody>
       </p:sp>
@@ -2993,21 +6536,834 @@
             <p:ph type="subTitle" idx="1"/>
           </p:nvPr>
         </p:nvSpPr>
-        <p:spPr/>
-        <p:txBody>
-          <a:bodyPr/>
-          <a:lstStyle/>
-          <a:p>
-            <a:endParaRPr lang="en-US"/>
+        <p:spPr>
+          <a:xfrm>
+            <a:off x="375781" y="1515649"/>
+            <a:ext cx="8354859" cy="4496844"/>
+          </a:xfrm>
+        </p:spPr>
+        <p:txBody>
+          <a:bodyPr>
+            <a:normAutofit/>
+          </a:bodyPr>
+          <a:lstStyle/>
+          <a:p>
+            <a:pPr algn="just"/>
+            <a:r>
+              <a:rPr lang="en-US" dirty="0">
+                <a:solidFill>
+                  <a:schemeClr val="bg2">
+                    <a:lumMod val="25000"/>
+                  </a:schemeClr>
+                </a:solidFill>
+                <a:latin typeface="Times New Roman" pitchFamily="18" charset="0"/>
+                <a:cs typeface="Times New Roman" pitchFamily="18" charset="0"/>
+              </a:rPr>
+              <a:t>Team Wolfpack</a:t>
+            </a:r>
+          </a:p>
+          <a:p>
+            <a:pPr algn="just">
+              <a:buFont typeface="Arial" pitchFamily="34" charset="0"/>
+              <a:buChar char="•"/>
+            </a:pPr>
+            <a:r>
+              <a:rPr lang="en-US" dirty="0" err="1">
+                <a:solidFill>
+                  <a:schemeClr val="bg2">
+                    <a:lumMod val="25000"/>
+                  </a:schemeClr>
+                </a:solidFill>
+                <a:latin typeface="Times New Roman" pitchFamily="18" charset="0"/>
+                <a:cs typeface="Times New Roman" pitchFamily="18" charset="0"/>
+              </a:rPr>
+              <a:t>Vamsi</a:t>
+            </a:r>
+            <a:r>
+              <a:rPr lang="en-US" dirty="0">
+                <a:solidFill>
+                  <a:schemeClr val="bg2">
+                    <a:lumMod val="25000"/>
+                  </a:schemeClr>
+                </a:solidFill>
+                <a:latin typeface="Times New Roman" pitchFamily="18" charset="0"/>
+                <a:cs typeface="Times New Roman" pitchFamily="18" charset="0"/>
+              </a:rPr>
+              <a:t> Krishna </a:t>
+            </a:r>
+            <a:r>
+              <a:rPr lang="en-US" dirty="0" err="1">
+                <a:solidFill>
+                  <a:schemeClr val="bg2">
+                    <a:lumMod val="25000"/>
+                  </a:schemeClr>
+                </a:solidFill>
+                <a:latin typeface="Times New Roman" pitchFamily="18" charset="0"/>
+                <a:cs typeface="Times New Roman" pitchFamily="18" charset="0"/>
+              </a:rPr>
+              <a:t>Muktevi</a:t>
+            </a:r>
+            <a:endParaRPr lang="en-US" dirty="0">
+              <a:solidFill>
+                <a:schemeClr val="bg2">
+                  <a:lumMod val="25000"/>
+                </a:schemeClr>
+              </a:solidFill>
+              <a:latin typeface="Times New Roman" pitchFamily="18" charset="0"/>
+              <a:cs typeface="Times New Roman" pitchFamily="18" charset="0"/>
+            </a:endParaRPr>
+          </a:p>
+          <a:p>
+            <a:pPr algn="just">
+              <a:buFont typeface="Arial" pitchFamily="34" charset="0"/>
+              <a:buChar char="•"/>
+            </a:pPr>
+            <a:r>
+              <a:rPr lang="en-US" dirty="0">
+                <a:solidFill>
+                  <a:schemeClr val="bg2">
+                    <a:lumMod val="25000"/>
+                  </a:schemeClr>
+                </a:solidFill>
+                <a:latin typeface="Times New Roman" pitchFamily="18" charset="0"/>
+                <a:cs typeface="Times New Roman" pitchFamily="18" charset="0"/>
+              </a:rPr>
+              <a:t>Avinash Penti</a:t>
+            </a:r>
+          </a:p>
+          <a:p>
+            <a:pPr algn="just">
+              <a:buFont typeface="Arial" pitchFamily="34" charset="0"/>
+              <a:buChar char="•"/>
+            </a:pPr>
+            <a:r>
+              <a:rPr lang="en-US" dirty="0">
+                <a:solidFill>
+                  <a:schemeClr val="bg2">
+                    <a:lumMod val="25000"/>
+                  </a:schemeClr>
+                </a:solidFill>
+                <a:latin typeface="Times New Roman" pitchFamily="18" charset="0"/>
+                <a:cs typeface="Times New Roman" pitchFamily="18" charset="0"/>
+              </a:rPr>
+              <a:t>Vijay </a:t>
+            </a:r>
+            <a:r>
+              <a:rPr lang="en-US" dirty="0" err="1">
+                <a:solidFill>
+                  <a:schemeClr val="bg2">
+                    <a:lumMod val="25000"/>
+                  </a:schemeClr>
+                </a:solidFill>
+                <a:latin typeface="Times New Roman" pitchFamily="18" charset="0"/>
+                <a:cs typeface="Times New Roman" pitchFamily="18" charset="0"/>
+              </a:rPr>
+              <a:t>Tummala</a:t>
+            </a:r>
+            <a:endParaRPr lang="en-US" dirty="0">
+              <a:solidFill>
+                <a:schemeClr val="bg2">
+                  <a:lumMod val="25000"/>
+                </a:schemeClr>
+              </a:solidFill>
+              <a:latin typeface="Times New Roman" pitchFamily="18" charset="0"/>
+              <a:cs typeface="Times New Roman" pitchFamily="18" charset="0"/>
+            </a:endParaRPr>
+          </a:p>
+          <a:p>
+            <a:pPr algn="just">
+              <a:buFont typeface="Arial" pitchFamily="34" charset="0"/>
+              <a:buChar char="•"/>
+            </a:pPr>
+            <a:r>
+              <a:rPr lang="en-US" dirty="0" err="1">
+                <a:solidFill>
+                  <a:schemeClr val="bg2">
+                    <a:lumMod val="25000"/>
+                  </a:schemeClr>
+                </a:solidFill>
+                <a:latin typeface="Times New Roman" pitchFamily="18" charset="0"/>
+                <a:cs typeface="Times New Roman" pitchFamily="18" charset="0"/>
+              </a:rPr>
+              <a:t>Karthik</a:t>
+            </a:r>
+            <a:r>
+              <a:rPr lang="en-US" dirty="0">
+                <a:solidFill>
+                  <a:schemeClr val="bg2">
+                    <a:lumMod val="25000"/>
+                  </a:schemeClr>
+                </a:solidFill>
+                <a:latin typeface="Times New Roman" pitchFamily="18" charset="0"/>
+                <a:cs typeface="Times New Roman" pitchFamily="18" charset="0"/>
+              </a:rPr>
+              <a:t> </a:t>
+            </a:r>
+            <a:r>
+              <a:rPr lang="en-US" dirty="0" err="1">
+                <a:solidFill>
+                  <a:schemeClr val="bg2">
+                    <a:lumMod val="25000"/>
+                  </a:schemeClr>
+                </a:solidFill>
+                <a:latin typeface="Times New Roman" pitchFamily="18" charset="0"/>
+                <a:cs typeface="Times New Roman" pitchFamily="18" charset="0"/>
+              </a:rPr>
+              <a:t>ponnuru</a:t>
+            </a:r>
+            <a:endParaRPr lang="en-US" dirty="0">
+              <a:solidFill>
+                <a:schemeClr val="bg2">
+                  <a:lumMod val="25000"/>
+                </a:schemeClr>
+              </a:solidFill>
+              <a:latin typeface="Times New Roman" pitchFamily="18" charset="0"/>
+              <a:cs typeface="Times New Roman" pitchFamily="18" charset="0"/>
+            </a:endParaRPr>
           </a:p>
         </p:txBody>
       </p:sp>
     </p:spTree>
-    <p:extLst>
-      <p:ext uri="{BB962C8B-B14F-4D97-AF65-F5344CB8AC3E}">
-        <p14:creationId xmlns:p14="http://schemas.microsoft.com/office/powerpoint/2010/main" val="3147145194"/>
-      </p:ext>
-    </p:extLst>
+  </p:cSld>
+  <p:clrMapOvr>
+    <a:masterClrMapping/>
+  </p:clrMapOvr>
+</p:sld>
+</file>
+
+<file path=ppt/slides/slide2.xml><?xml version="1.0" encoding="utf-8"?>
+<p:sld xmlns:a="http://schemas.openxmlformats.org/drawingml/2006/main" xmlns:r="http://schemas.openxmlformats.org/officeDocument/2006/relationships" xmlns:p="http://schemas.openxmlformats.org/presentationml/2006/main">
+  <p:cSld>
+    <p:spTree>
+      <p:nvGrpSpPr>
+        <p:cNvPr id="1" name=""/>
+        <p:cNvGrpSpPr/>
+        <p:nvPr/>
+      </p:nvGrpSpPr>
+      <p:grpSpPr>
+        <a:xfrm>
+          <a:off x="0" y="0"/>
+          <a:ext cx="0" cy="0"/>
+          <a:chOff x="0" y="0"/>
+          <a:chExt cx="0" cy="0"/>
+        </a:xfrm>
+      </p:grpSpPr>
+      <p:sp>
+        <p:nvSpPr>
+          <p:cNvPr id="2" name="Title 1"/>
+          <p:cNvSpPr>
+            <a:spLocks noGrp="1"/>
+          </p:cNvSpPr>
+          <p:nvPr>
+            <p:ph type="ctrTitle"/>
+          </p:nvPr>
+        </p:nvSpPr>
+        <p:spPr>
+          <a:xfrm>
+            <a:off x="526093" y="425885"/>
+            <a:ext cx="8154443" cy="1470025"/>
+          </a:xfrm>
+        </p:spPr>
+        <p:txBody>
+          <a:bodyPr/>
+          <a:lstStyle/>
+          <a:p>
+            <a:r>
+              <a:rPr lang="en-US" dirty="0">
+                <a:solidFill>
+                  <a:schemeClr val="tx2">
+                    <a:lumMod val="60000"/>
+                    <a:lumOff val="40000"/>
+                  </a:schemeClr>
+                </a:solidFill>
+                <a:latin typeface="Times New Roman" pitchFamily="18" charset="0"/>
+                <a:cs typeface="Times New Roman" pitchFamily="18" charset="0"/>
+              </a:rPr>
+              <a:t>Introduction</a:t>
+            </a:r>
+            <a:endParaRPr lang="en-US" dirty="0"/>
+          </a:p>
+        </p:txBody>
+      </p:sp>
+      <p:sp>
+        <p:nvSpPr>
+          <p:cNvPr id="3" name="Subtitle 2"/>
+          <p:cNvSpPr>
+            <a:spLocks noGrp="1"/>
+          </p:cNvSpPr>
+          <p:nvPr>
+            <p:ph type="subTitle" idx="1"/>
+          </p:nvPr>
+        </p:nvSpPr>
+        <p:spPr>
+          <a:xfrm>
+            <a:off x="526093" y="2116899"/>
+            <a:ext cx="8154443" cy="3958224"/>
+          </a:xfrm>
+        </p:spPr>
+        <p:txBody>
+          <a:bodyPr>
+            <a:normAutofit/>
+          </a:bodyPr>
+          <a:lstStyle/>
+          <a:p>
+            <a:pPr algn="just">
+              <a:buFont typeface="Arial" pitchFamily="34" charset="0"/>
+              <a:buChar char="•"/>
+            </a:pPr>
+            <a:r>
+              <a:rPr lang="en-US" sz="2800" dirty="0">
+                <a:solidFill>
+                  <a:schemeClr val="bg2">
+                    <a:lumMod val="25000"/>
+                  </a:schemeClr>
+                </a:solidFill>
+                <a:latin typeface="Times New Roman" pitchFamily="18" charset="0"/>
+                <a:cs typeface="Times New Roman" pitchFamily="18" charset="0"/>
+              </a:rPr>
+              <a:t>This app will provide a solution to store sensitive information among untrusted smartphones securely. </a:t>
+            </a:r>
+          </a:p>
+          <a:p>
+            <a:pPr algn="just">
+              <a:buFont typeface="Arial" pitchFamily="34" charset="0"/>
+              <a:buChar char="•"/>
+            </a:pPr>
+            <a:r>
+              <a:rPr lang="en-US" sz="2800" dirty="0">
+                <a:solidFill>
+                  <a:schemeClr val="bg2">
+                    <a:lumMod val="25000"/>
+                  </a:schemeClr>
+                </a:solidFill>
+                <a:latin typeface="Times New Roman" pitchFamily="18" charset="0"/>
+                <a:cs typeface="Times New Roman" pitchFamily="18" charset="0"/>
+              </a:rPr>
+              <a:t>No less than ‘k’ </a:t>
+            </a:r>
+            <a:r>
+              <a:rPr lang="en-US" sz="2800" dirty="0" err="1">
+                <a:solidFill>
+                  <a:schemeClr val="bg2">
+                    <a:lumMod val="25000"/>
+                  </a:schemeClr>
+                </a:solidFill>
+                <a:latin typeface="Times New Roman" pitchFamily="18" charset="0"/>
+                <a:cs typeface="Times New Roman" pitchFamily="18" charset="0"/>
+              </a:rPr>
+              <a:t>no.of</a:t>
+            </a:r>
+            <a:r>
+              <a:rPr lang="en-US" sz="2800" dirty="0">
+                <a:solidFill>
+                  <a:schemeClr val="bg2">
+                    <a:lumMod val="25000"/>
+                  </a:schemeClr>
+                </a:solidFill>
+                <a:latin typeface="Times New Roman" pitchFamily="18" charset="0"/>
+                <a:cs typeface="Times New Roman" pitchFamily="18" charset="0"/>
+              </a:rPr>
+              <a:t> people among total number of people ‘n’ can extract the information.</a:t>
+            </a:r>
+          </a:p>
+        </p:txBody>
+      </p:sp>
+    </p:spTree>
+  </p:cSld>
+  <p:clrMapOvr>
+    <a:masterClrMapping/>
+  </p:clrMapOvr>
+</p:sld>
+</file>
+
+<file path=ppt/slides/slide3.xml><?xml version="1.0" encoding="utf-8"?>
+<p:sld xmlns:a="http://schemas.openxmlformats.org/drawingml/2006/main" xmlns:r="http://schemas.openxmlformats.org/officeDocument/2006/relationships" xmlns:p="http://schemas.openxmlformats.org/presentationml/2006/main">
+  <p:cSld>
+    <p:spTree>
+      <p:nvGrpSpPr>
+        <p:cNvPr id="1" name=""/>
+        <p:cNvGrpSpPr/>
+        <p:nvPr/>
+      </p:nvGrpSpPr>
+      <p:grpSpPr>
+        <a:xfrm>
+          <a:off x="0" y="0"/>
+          <a:ext cx="0" cy="0"/>
+          <a:chOff x="0" y="0"/>
+          <a:chExt cx="0" cy="0"/>
+        </a:xfrm>
+      </p:grpSpPr>
+      <p:sp>
+        <p:nvSpPr>
+          <p:cNvPr id="2" name="Title 1"/>
+          <p:cNvSpPr>
+            <a:spLocks noGrp="1"/>
+          </p:cNvSpPr>
+          <p:nvPr>
+            <p:ph type="ctrTitle"/>
+          </p:nvPr>
+        </p:nvSpPr>
+        <p:spPr>
+          <a:xfrm>
+            <a:off x="350729" y="388307"/>
+            <a:ext cx="8379912" cy="1470025"/>
+          </a:xfrm>
+        </p:spPr>
+        <p:txBody>
+          <a:bodyPr/>
+          <a:lstStyle/>
+          <a:p>
+            <a:r>
+              <a:rPr lang="en-US" dirty="0">
+                <a:solidFill>
+                  <a:schemeClr val="tx2">
+                    <a:lumMod val="60000"/>
+                    <a:lumOff val="40000"/>
+                  </a:schemeClr>
+                </a:solidFill>
+                <a:latin typeface="Times New Roman" pitchFamily="18" charset="0"/>
+                <a:cs typeface="Times New Roman" pitchFamily="18" charset="0"/>
+              </a:rPr>
+              <a:t>Architecture Diagram</a:t>
+            </a:r>
+          </a:p>
+        </p:txBody>
+      </p:sp>
+      <p:sp>
+        <p:nvSpPr>
+          <p:cNvPr id="3" name="Subtitle 2"/>
+          <p:cNvSpPr>
+            <a:spLocks noGrp="1"/>
+          </p:cNvSpPr>
+          <p:nvPr>
+            <p:ph type="subTitle" idx="1"/>
+          </p:nvPr>
+        </p:nvSpPr>
+        <p:spPr>
+          <a:xfrm>
+            <a:off x="350729" y="2079321"/>
+            <a:ext cx="8379911" cy="3920646"/>
+          </a:xfrm>
+        </p:spPr>
+        <p:txBody>
+          <a:bodyPr>
+            <a:normAutofit/>
+          </a:bodyPr>
+          <a:lstStyle/>
+          <a:p>
+            <a:pPr algn="just"/>
+            <a:endParaRPr lang="en-US" dirty="0">
+              <a:solidFill>
+                <a:schemeClr val="tx1"/>
+              </a:solidFill>
+              <a:latin typeface="Times New Roman" pitchFamily="18" charset="0"/>
+              <a:cs typeface="Times New Roman" pitchFamily="18" charset="0"/>
+            </a:endParaRPr>
+          </a:p>
+        </p:txBody>
+      </p:sp>
+      <p:pic>
+        <p:nvPicPr>
+          <p:cNvPr id="5" name="Picture 4"/>
+          <p:cNvPicPr>
+            <a:picLocks noChangeAspect="1"/>
+          </p:cNvPicPr>
+          <p:nvPr/>
+        </p:nvPicPr>
+        <p:blipFill>
+          <a:blip r:embed="rId2"/>
+          <a:stretch>
+            <a:fillRect/>
+          </a:stretch>
+        </p:blipFill>
+        <p:spPr>
+          <a:xfrm>
+            <a:off x="350729" y="1669044"/>
+            <a:ext cx="8379912" cy="4330923"/>
+          </a:xfrm>
+          <a:prstGeom prst="rect">
+            <a:avLst/>
+          </a:prstGeom>
+        </p:spPr>
+      </p:pic>
+    </p:spTree>
+  </p:cSld>
+  <p:clrMapOvr>
+    <a:masterClrMapping/>
+  </p:clrMapOvr>
+</p:sld>
+</file>
+
+<file path=ppt/slides/slide4.xml><?xml version="1.0" encoding="utf-8"?>
+<p:sld xmlns:a="http://schemas.openxmlformats.org/drawingml/2006/main" xmlns:r="http://schemas.openxmlformats.org/officeDocument/2006/relationships" xmlns:p="http://schemas.openxmlformats.org/presentationml/2006/main">
+  <p:cSld>
+    <p:spTree>
+      <p:nvGrpSpPr>
+        <p:cNvPr id="1" name=""/>
+        <p:cNvGrpSpPr/>
+        <p:nvPr/>
+      </p:nvGrpSpPr>
+      <p:grpSpPr>
+        <a:xfrm>
+          <a:off x="0" y="0"/>
+          <a:ext cx="0" cy="0"/>
+          <a:chOff x="0" y="0"/>
+          <a:chExt cx="0" cy="0"/>
+        </a:xfrm>
+      </p:grpSpPr>
+      <p:sp>
+        <p:nvSpPr>
+          <p:cNvPr id="2" name="Title 1"/>
+          <p:cNvSpPr>
+            <a:spLocks noGrp="1"/>
+          </p:cNvSpPr>
+          <p:nvPr>
+            <p:ph type="ctrTitle"/>
+          </p:nvPr>
+        </p:nvSpPr>
+        <p:spPr>
+          <a:xfrm>
+            <a:off x="463463" y="926926"/>
+            <a:ext cx="8267177" cy="1470025"/>
+          </a:xfrm>
+        </p:spPr>
+        <p:txBody>
+          <a:bodyPr/>
+          <a:lstStyle/>
+          <a:p>
+            <a:r>
+              <a:rPr lang="en-US" dirty="0">
+                <a:solidFill>
+                  <a:schemeClr val="tx2">
+                    <a:lumMod val="60000"/>
+                    <a:lumOff val="40000"/>
+                  </a:schemeClr>
+                </a:solidFill>
+                <a:latin typeface="Times New Roman" pitchFamily="18" charset="0"/>
+                <a:cs typeface="Times New Roman" pitchFamily="18" charset="0"/>
+              </a:rPr>
+              <a:t>Detailed Explanation</a:t>
+            </a:r>
+            <a:endParaRPr lang="en-US" dirty="0"/>
+          </a:p>
+        </p:txBody>
+      </p:sp>
+      <p:sp>
+        <p:nvSpPr>
+          <p:cNvPr id="3" name="Subtitle 2"/>
+          <p:cNvSpPr>
+            <a:spLocks noGrp="1"/>
+          </p:cNvSpPr>
+          <p:nvPr>
+            <p:ph type="subTitle" idx="1"/>
+          </p:nvPr>
+        </p:nvSpPr>
+        <p:spPr>
+          <a:xfrm>
+            <a:off x="463463" y="2229633"/>
+            <a:ext cx="8267177" cy="3594970"/>
+          </a:xfrm>
+        </p:spPr>
+        <p:txBody>
+          <a:bodyPr>
+            <a:normAutofit/>
+          </a:bodyPr>
+          <a:lstStyle/>
+          <a:p>
+            <a:pPr marL="514350" indent="-514350" algn="l">
+              <a:buFont typeface="+mj-lt"/>
+              <a:buAutoNum type="arabicPeriod"/>
+            </a:pPr>
+            <a:r>
+              <a:rPr lang="en-US" dirty="0">
+                <a:solidFill>
+                  <a:schemeClr val="bg2">
+                    <a:lumMod val="25000"/>
+                  </a:schemeClr>
+                </a:solidFill>
+                <a:latin typeface="Times New Roman" pitchFamily="18" charset="0"/>
+                <a:cs typeface="Times New Roman" pitchFamily="18" charset="0"/>
+              </a:rPr>
+              <a:t>Admin logs in and shares the secret to all participants via Bluetooth connection.</a:t>
+            </a:r>
+          </a:p>
+          <a:p>
+            <a:pPr marL="514350" indent="-514350" algn="l">
+              <a:buFont typeface="+mj-lt"/>
+              <a:buAutoNum type="arabicPeriod"/>
+            </a:pPr>
+            <a:r>
+              <a:rPr lang="en-US" dirty="0" err="1">
+                <a:solidFill>
+                  <a:schemeClr val="bg2">
+                    <a:lumMod val="25000"/>
+                  </a:schemeClr>
+                </a:solidFill>
+                <a:latin typeface="Times New Roman" pitchFamily="18" charset="0"/>
+                <a:cs typeface="Times New Roman" pitchFamily="18" charset="0"/>
+              </a:rPr>
+              <a:t>Atleast</a:t>
+            </a:r>
+            <a:r>
+              <a:rPr lang="en-US" dirty="0">
+                <a:solidFill>
+                  <a:schemeClr val="bg2">
+                    <a:lumMod val="25000"/>
+                  </a:schemeClr>
+                </a:solidFill>
+                <a:latin typeface="Times New Roman" pitchFamily="18" charset="0"/>
+                <a:cs typeface="Times New Roman" pitchFamily="18" charset="0"/>
+              </a:rPr>
+              <a:t> ‘k’ users must collaborate to re-generate the original message. </a:t>
+            </a:r>
+          </a:p>
+          <a:p>
+            <a:pPr marL="514350" indent="-514350" algn="l">
+              <a:buFont typeface="+mj-lt"/>
+              <a:buAutoNum type="arabicPeriod"/>
+            </a:pPr>
+            <a:r>
+              <a:rPr lang="en-US" dirty="0">
+                <a:solidFill>
+                  <a:schemeClr val="bg2">
+                    <a:lumMod val="25000"/>
+                  </a:schemeClr>
+                </a:solidFill>
+                <a:latin typeface="Times New Roman" pitchFamily="18" charset="0"/>
+                <a:cs typeface="Times New Roman" pitchFamily="18" charset="0"/>
+              </a:rPr>
+              <a:t>Users can share their part of secret with other participants via Bluetooth.</a:t>
+            </a:r>
+          </a:p>
+        </p:txBody>
+      </p:sp>
+    </p:spTree>
+  </p:cSld>
+  <p:clrMapOvr>
+    <a:masterClrMapping/>
+  </p:clrMapOvr>
+</p:sld>
+</file>
+
+<file path=ppt/slides/slide5.xml><?xml version="1.0" encoding="utf-8"?>
+<p:sld xmlns:a="http://schemas.openxmlformats.org/drawingml/2006/main" xmlns:r="http://schemas.openxmlformats.org/officeDocument/2006/relationships" xmlns:p="http://schemas.openxmlformats.org/presentationml/2006/main">
+  <p:cSld>
+    <p:spTree>
+      <p:nvGrpSpPr>
+        <p:cNvPr id="1" name=""/>
+        <p:cNvGrpSpPr/>
+        <p:nvPr/>
+      </p:nvGrpSpPr>
+      <p:grpSpPr>
+        <a:xfrm>
+          <a:off x="0" y="0"/>
+          <a:ext cx="0" cy="0"/>
+          <a:chOff x="0" y="0"/>
+          <a:chExt cx="0" cy="0"/>
+        </a:xfrm>
+      </p:grpSpPr>
+      <p:sp>
+        <p:nvSpPr>
+          <p:cNvPr id="2" name="Title 1"/>
+          <p:cNvSpPr>
+            <a:spLocks noGrp="1"/>
+          </p:cNvSpPr>
+          <p:nvPr>
+            <p:ph type="ctrTitle"/>
+          </p:nvPr>
+        </p:nvSpPr>
+        <p:spPr>
+          <a:xfrm>
+            <a:off x="463463" y="663880"/>
+            <a:ext cx="8254651" cy="2899452"/>
+          </a:xfrm>
+        </p:spPr>
+        <p:txBody>
+          <a:bodyPr>
+            <a:normAutofit fontScale="90000"/>
+          </a:bodyPr>
+          <a:lstStyle/>
+          <a:p>
+            <a:br>
+              <a:rPr lang="en-US" dirty="0">
+                <a:solidFill>
+                  <a:schemeClr val="tx2">
+                    <a:lumMod val="60000"/>
+                    <a:lumOff val="40000"/>
+                  </a:schemeClr>
+                </a:solidFill>
+                <a:latin typeface="Times New Roman" pitchFamily="18" charset="0"/>
+                <a:cs typeface="Times New Roman" pitchFamily="18" charset="0"/>
+              </a:rPr>
+            </a:br>
+            <a:br>
+              <a:rPr lang="en-US" dirty="0">
+                <a:solidFill>
+                  <a:schemeClr val="tx2">
+                    <a:lumMod val="60000"/>
+                    <a:lumOff val="40000"/>
+                  </a:schemeClr>
+                </a:solidFill>
+                <a:latin typeface="Times New Roman" pitchFamily="18" charset="0"/>
+                <a:cs typeface="Times New Roman" pitchFamily="18" charset="0"/>
+              </a:rPr>
+            </a:br>
+            <a:br>
+              <a:rPr lang="en-US" dirty="0">
+                <a:solidFill>
+                  <a:schemeClr val="tx2">
+                    <a:lumMod val="60000"/>
+                    <a:lumOff val="40000"/>
+                  </a:schemeClr>
+                </a:solidFill>
+                <a:latin typeface="Times New Roman" pitchFamily="18" charset="0"/>
+                <a:cs typeface="Times New Roman" pitchFamily="18" charset="0"/>
+              </a:rPr>
+            </a:br>
+            <a:br>
+              <a:rPr lang="en-US" dirty="0">
+                <a:solidFill>
+                  <a:schemeClr val="tx2">
+                    <a:lumMod val="60000"/>
+                    <a:lumOff val="40000"/>
+                  </a:schemeClr>
+                </a:solidFill>
+                <a:latin typeface="Times New Roman" pitchFamily="18" charset="0"/>
+                <a:cs typeface="Times New Roman" pitchFamily="18" charset="0"/>
+              </a:rPr>
+            </a:br>
+            <a:br>
+              <a:rPr lang="en-US" dirty="0">
+                <a:solidFill>
+                  <a:schemeClr val="tx2">
+                    <a:lumMod val="60000"/>
+                    <a:lumOff val="40000"/>
+                  </a:schemeClr>
+                </a:solidFill>
+                <a:latin typeface="Times New Roman" pitchFamily="18" charset="0"/>
+                <a:cs typeface="Times New Roman" pitchFamily="18" charset="0"/>
+              </a:rPr>
+            </a:br>
+            <a:r>
+              <a:rPr lang="en-US" dirty="0">
+                <a:solidFill>
+                  <a:schemeClr val="tx2">
+                    <a:lumMod val="60000"/>
+                    <a:lumOff val="40000"/>
+                  </a:schemeClr>
+                </a:solidFill>
+                <a:latin typeface="Times New Roman" pitchFamily="18" charset="0"/>
+                <a:cs typeface="Times New Roman" pitchFamily="18" charset="0"/>
+              </a:rPr>
+              <a:t>Thank you</a:t>
+            </a:r>
+            <a:br>
+              <a:rPr lang="en-US" dirty="0">
+                <a:solidFill>
+                  <a:schemeClr val="tx2">
+                    <a:lumMod val="60000"/>
+                    <a:lumOff val="40000"/>
+                  </a:schemeClr>
+                </a:solidFill>
+                <a:latin typeface="Times New Roman" pitchFamily="18" charset="0"/>
+                <a:cs typeface="Times New Roman" pitchFamily="18" charset="0"/>
+              </a:rPr>
+            </a:br>
+            <a:br>
+              <a:rPr lang="en-US" dirty="0">
+                <a:solidFill>
+                  <a:schemeClr val="tx2">
+                    <a:lumMod val="60000"/>
+                    <a:lumOff val="40000"/>
+                  </a:schemeClr>
+                </a:solidFill>
+                <a:latin typeface="Times New Roman" pitchFamily="18" charset="0"/>
+                <a:cs typeface="Times New Roman" pitchFamily="18" charset="0"/>
+              </a:rPr>
+            </a:br>
+            <a:endParaRPr lang="en-US" dirty="0">
+              <a:solidFill>
+                <a:schemeClr val="tx2">
+                  <a:lumMod val="60000"/>
+                  <a:lumOff val="40000"/>
+                </a:schemeClr>
+              </a:solidFill>
+              <a:latin typeface="Times New Roman" pitchFamily="18" charset="0"/>
+              <a:cs typeface="Times New Roman" pitchFamily="18" charset="0"/>
+            </a:endParaRPr>
+          </a:p>
+        </p:txBody>
+      </p:sp>
+      <p:sp>
+        <p:nvSpPr>
+          <p:cNvPr id="3" name="Subtitle 2"/>
+          <p:cNvSpPr>
+            <a:spLocks noGrp="1"/>
+          </p:cNvSpPr>
+          <p:nvPr>
+            <p:ph type="subTitle" idx="1"/>
+          </p:nvPr>
+        </p:nvSpPr>
+        <p:spPr>
+          <a:xfrm>
+            <a:off x="989556" y="1816274"/>
+            <a:ext cx="7728558" cy="3708975"/>
+          </a:xfrm>
+        </p:spPr>
+        <p:txBody>
+          <a:bodyPr>
+            <a:normAutofit/>
+          </a:bodyPr>
+          <a:lstStyle/>
+          <a:p>
+            <a:pPr algn="just"/>
+            <a:r>
+              <a:rPr lang="en-US" dirty="0">
+                <a:solidFill>
+                  <a:schemeClr val="tx1"/>
+                </a:solidFill>
+                <a:latin typeface="Times New Roman" pitchFamily="18" charset="0"/>
+                <a:cs typeface="Times New Roman" pitchFamily="18" charset="0"/>
+              </a:rPr>
+              <a:t>					</a:t>
+            </a:r>
+          </a:p>
+          <a:p>
+            <a:pPr algn="just"/>
+            <a:endParaRPr lang="en-US" dirty="0">
+              <a:solidFill>
+                <a:schemeClr val="tx1"/>
+              </a:solidFill>
+              <a:latin typeface="Times New Roman" pitchFamily="18" charset="0"/>
+              <a:cs typeface="Times New Roman" pitchFamily="18" charset="0"/>
+            </a:endParaRPr>
+          </a:p>
+          <a:p>
+            <a:pPr algn="just"/>
+            <a:endParaRPr lang="en-US" dirty="0">
+              <a:solidFill>
+                <a:schemeClr val="tx1"/>
+              </a:solidFill>
+              <a:latin typeface="Times New Roman" pitchFamily="18" charset="0"/>
+              <a:cs typeface="Times New Roman" pitchFamily="18" charset="0"/>
+            </a:endParaRPr>
+          </a:p>
+          <a:p>
+            <a:pPr algn="just"/>
+            <a:r>
+              <a:rPr lang="en-US" dirty="0">
+                <a:solidFill>
+                  <a:schemeClr val="tx1"/>
+                </a:solidFill>
+                <a:latin typeface="Times New Roman" pitchFamily="18" charset="0"/>
+                <a:cs typeface="Times New Roman" pitchFamily="18" charset="0"/>
+              </a:rPr>
+              <a:t>					Any Questions ?</a:t>
+            </a:r>
+          </a:p>
+        </p:txBody>
+      </p:sp>
+    </p:spTree>
   </p:cSld>
   <p:clrMapOvr>
     <a:masterClrMapping/>
@@ -3026,39 +7382,39 @@
         <a:sysClr val="window" lastClr="FFFFFF"/>
       </a:lt1>
       <a:dk2>
-        <a:srgbClr val="44546A"/>
+        <a:srgbClr val="1F497D"/>
       </a:dk2>
       <a:lt2>
-        <a:srgbClr val="E7E6E6"/>
+        <a:srgbClr val="EEECE1"/>
       </a:lt2>
       <a:accent1>
-        <a:srgbClr val="5B9BD5"/>
+        <a:srgbClr val="4F81BD"/>
       </a:accent1>
       <a:accent2>
-        <a:srgbClr val="ED7D31"/>
+        <a:srgbClr val="C0504D"/>
       </a:accent2>
       <a:accent3>
-        <a:srgbClr val="A5A5A5"/>
+        <a:srgbClr val="9BBB59"/>
       </a:accent3>
       <a:accent4>
-        <a:srgbClr val="FFC000"/>
+        <a:srgbClr val="8064A2"/>
       </a:accent4>
       <a:accent5>
-        <a:srgbClr val="4472C4"/>
+        <a:srgbClr val="4BACC6"/>
       </a:accent5>
       <a:accent6>
-        <a:srgbClr val="70AD47"/>
+        <a:srgbClr val="F79646"/>
       </a:accent6>
       <a:hlink>
-        <a:srgbClr val="0563C1"/>
+        <a:srgbClr val="0000FF"/>
       </a:hlink>
       <a:folHlink>
-        <a:srgbClr val="954F72"/>
+        <a:srgbClr val="800080"/>
       </a:folHlink>
     </a:clrScheme>
     <a:fontScheme name="Office">
       <a:majorFont>
-        <a:latin typeface="Calibri Light" panose="020F0302020204030204"/>
+        <a:latin typeface="Calibri"/>
         <a:ea typeface=""/>
         <a:cs typeface=""/>
         <a:font script="Jpan" typeface="ＭＳ Ｐゴシック"/>
@@ -3093,7 +7449,7 @@
         <a:font script="Geor" typeface="Sylfaen"/>
       </a:majorFont>
       <a:minorFont>
-        <a:latin typeface="Calibri" panose="020F0502020204030204"/>
+        <a:latin typeface="Calibri"/>
         <a:ea typeface=""/>
         <a:cs typeface=""/>
         <a:font script="Jpan" typeface="ＭＳ Ｐゴシック"/>
@@ -3137,141 +7493,844 @@
           <a:gsLst>
             <a:gs pos="0">
               <a:schemeClr val="phClr">
-                <a:lumMod val="110000"/>
-                <a:satMod val="105000"/>
-                <a:tint val="67000"/>
+                <a:tint val="50000"/>
+                <a:satMod val="300000"/>
               </a:schemeClr>
             </a:gs>
-            <a:gs pos="50000">
+            <a:gs pos="35000">
               <a:schemeClr val="phClr">
-                <a:lumMod val="105000"/>
-                <a:satMod val="103000"/>
-                <a:tint val="73000"/>
+                <a:tint val="37000"/>
+                <a:satMod val="300000"/>
               </a:schemeClr>
             </a:gs>
             <a:gs pos="100000">
               <a:schemeClr val="phClr">
-                <a:lumMod val="105000"/>
-                <a:satMod val="109000"/>
-                <a:tint val="81000"/>
+                <a:tint val="15000"/>
+                <a:satMod val="350000"/>
               </a:schemeClr>
             </a:gs>
           </a:gsLst>
-          <a:lin ang="5400000" scaled="0"/>
+          <a:lin ang="16200000" scaled="1"/>
         </a:gradFill>
         <a:gradFill rotWithShape="1">
           <a:gsLst>
             <a:gs pos="0">
               <a:schemeClr val="phClr">
-                <a:satMod val="103000"/>
-                <a:lumMod val="102000"/>
-                <a:tint val="94000"/>
+                <a:shade val="51000"/>
+                <a:satMod val="130000"/>
               </a:schemeClr>
             </a:gs>
-            <a:gs pos="50000">
+            <a:gs pos="80000">
               <a:schemeClr val="phClr">
-                <a:satMod val="110000"/>
-                <a:lumMod val="100000"/>
-                <a:shade val="100000"/>
+                <a:shade val="93000"/>
+                <a:satMod val="130000"/>
               </a:schemeClr>
             </a:gs>
             <a:gs pos="100000">
               <a:schemeClr val="phClr">
-                <a:lumMod val="99000"/>
-                <a:satMod val="120000"/>
-                <a:shade val="78000"/>
+                <a:shade val="94000"/>
+                <a:satMod val="135000"/>
               </a:schemeClr>
             </a:gs>
           </a:gsLst>
-          <a:lin ang="5400000" scaled="0"/>
+          <a:lin ang="16200000" scaled="0"/>
         </a:gradFill>
       </a:fillStyleLst>
       <a:lnStyleLst>
-        <a:ln w="6350" cap="flat" cmpd="sng" algn="ctr">
+        <a:ln w="9525" cap="flat" cmpd="sng" algn="ctr">
+          <a:solidFill>
+            <a:schemeClr val="phClr">
+              <a:shade val="95000"/>
+              <a:satMod val="105000"/>
+            </a:schemeClr>
+          </a:solidFill>
+          <a:prstDash val="solid"/>
+        </a:ln>
+        <a:ln w="25400" cap="flat" cmpd="sng" algn="ctr">
           <a:solidFill>
             <a:schemeClr val="phClr"/>
           </a:solidFill>
           <a:prstDash val="solid"/>
-          <a:miter lim="800000"/>
         </a:ln>
-        <a:ln w="12700" cap="flat" cmpd="sng" algn="ctr">
+        <a:ln w="38100" cap="flat" cmpd="sng" algn="ctr">
           <a:solidFill>
             <a:schemeClr val="phClr"/>
           </a:solidFill>
           <a:prstDash val="solid"/>
-          <a:miter lim="800000"/>
-        </a:ln>
-        <a:ln w="19050" cap="flat" cmpd="sng" algn="ctr">
-          <a:solidFill>
-            <a:schemeClr val="phClr"/>
-          </a:solidFill>
-          <a:prstDash val="solid"/>
-          <a:miter lim="800000"/>
         </a:ln>
       </a:lnStyleLst>
       <a:effectStyleLst>
         <a:effectStyle>
-          <a:effectLst/>
-        </a:effectStyle>
-        <a:effectStyle>
-          <a:effectLst/>
+          <a:effectLst>
+            <a:outerShdw blurRad="40000" dist="20000" dir="5400000" rotWithShape="0">
+              <a:srgbClr val="000000">
+                <a:alpha val="38000"/>
+              </a:srgbClr>
+            </a:outerShdw>
+          </a:effectLst>
         </a:effectStyle>
         <a:effectStyle>
           <a:effectLst>
-            <a:outerShdw blurRad="57150" dist="19050" dir="5400000" algn="ctr" rotWithShape="0">
+            <a:outerShdw blurRad="40000" dist="23000" dir="5400000" rotWithShape="0">
               <a:srgbClr val="000000">
-                <a:alpha val="63000"/>
+                <a:alpha val="35000"/>
               </a:srgbClr>
             </a:outerShdw>
           </a:effectLst>
+        </a:effectStyle>
+        <a:effectStyle>
+          <a:effectLst>
+            <a:outerShdw blurRad="40000" dist="23000" dir="5400000" rotWithShape="0">
+              <a:srgbClr val="000000">
+                <a:alpha val="35000"/>
+              </a:srgbClr>
+            </a:outerShdw>
+          </a:effectLst>
+          <a:scene3d>
+            <a:camera prst="orthographicFront">
+              <a:rot lat="0" lon="0" rev="0"/>
+            </a:camera>
+            <a:lightRig rig="threePt" dir="t">
+              <a:rot lat="0" lon="0" rev="1200000"/>
+            </a:lightRig>
+          </a:scene3d>
+          <a:sp3d>
+            <a:bevelT w="63500" h="25400"/>
+          </a:sp3d>
         </a:effectStyle>
       </a:effectStyleLst>
       <a:bgFillStyleLst>
         <a:solidFill>
           <a:schemeClr val="phClr"/>
         </a:solidFill>
+        <a:gradFill rotWithShape="1">
+          <a:gsLst>
+            <a:gs pos="0">
+              <a:schemeClr val="phClr">
+                <a:tint val="40000"/>
+                <a:satMod val="350000"/>
+              </a:schemeClr>
+            </a:gs>
+            <a:gs pos="40000">
+              <a:schemeClr val="phClr">
+                <a:tint val="45000"/>
+                <a:shade val="99000"/>
+                <a:satMod val="350000"/>
+              </a:schemeClr>
+            </a:gs>
+            <a:gs pos="100000">
+              <a:schemeClr val="phClr">
+                <a:shade val="20000"/>
+                <a:satMod val="255000"/>
+              </a:schemeClr>
+            </a:gs>
+          </a:gsLst>
+          <a:path path="circle">
+            <a:fillToRect l="50000" t="-80000" r="50000" b="180000"/>
+          </a:path>
+        </a:gradFill>
+        <a:gradFill rotWithShape="1">
+          <a:gsLst>
+            <a:gs pos="0">
+              <a:schemeClr val="phClr">
+                <a:tint val="80000"/>
+                <a:satMod val="300000"/>
+              </a:schemeClr>
+            </a:gs>
+            <a:gs pos="100000">
+              <a:schemeClr val="phClr">
+                <a:shade val="30000"/>
+                <a:satMod val="200000"/>
+              </a:schemeClr>
+            </a:gs>
+          </a:gsLst>
+          <a:path path="circle">
+            <a:fillToRect l="50000" t="50000" r="50000" b="50000"/>
+          </a:path>
+        </a:gradFill>
+      </a:bgFillStyleLst>
+    </a:fmtScheme>
+  </a:themeElements>
+  <a:objectDefaults>
+    <a:spDef>
+      <a:spPr/>
+      <a:bodyPr/>
+      <a:lstStyle/>
+      <a:style>
+        <a:lnRef idx="1">
+          <a:schemeClr val="accent1"/>
+        </a:lnRef>
+        <a:fillRef idx="3">
+          <a:schemeClr val="accent1"/>
+        </a:fillRef>
+        <a:effectRef idx="2">
+          <a:schemeClr val="accent1"/>
+        </a:effectRef>
+        <a:fontRef idx="minor">
+          <a:schemeClr val="lt1"/>
+        </a:fontRef>
+      </a:style>
+    </a:spDef>
+    <a:lnDef>
+      <a:spPr/>
+      <a:bodyPr/>
+      <a:lstStyle/>
+      <a:style>
+        <a:lnRef idx="2">
+          <a:schemeClr val="accent1"/>
+        </a:lnRef>
+        <a:fillRef idx="0">
+          <a:schemeClr val="accent1"/>
+        </a:fillRef>
+        <a:effectRef idx="1">
+          <a:schemeClr val="accent1"/>
+        </a:effectRef>
+        <a:fontRef idx="minor">
+          <a:schemeClr val="tx1"/>
+        </a:fontRef>
+      </a:style>
+    </a:lnDef>
+  </a:objectDefaults>
+  <a:extraClrSchemeLst/>
+</a:theme>
+</file>
+
+<file path=ppt/theme/theme2.xml><?xml version="1.0" encoding="utf-8"?>
+<a:theme xmlns:a="http://schemas.openxmlformats.org/drawingml/2006/main" name="Custom Design">
+  <a:themeElements>
+    <a:clrScheme name="Office">
+      <a:dk1>
+        <a:sysClr val="windowText" lastClr="000000"/>
+      </a:dk1>
+      <a:lt1>
+        <a:sysClr val="window" lastClr="FFFFFF"/>
+      </a:lt1>
+      <a:dk2>
+        <a:srgbClr val="1F497D"/>
+      </a:dk2>
+      <a:lt2>
+        <a:srgbClr val="EEECE1"/>
+      </a:lt2>
+      <a:accent1>
+        <a:srgbClr val="4F81BD"/>
+      </a:accent1>
+      <a:accent2>
+        <a:srgbClr val="C0504D"/>
+      </a:accent2>
+      <a:accent3>
+        <a:srgbClr val="9BBB59"/>
+      </a:accent3>
+      <a:accent4>
+        <a:srgbClr val="8064A2"/>
+      </a:accent4>
+      <a:accent5>
+        <a:srgbClr val="4BACC6"/>
+      </a:accent5>
+      <a:accent6>
+        <a:srgbClr val="F79646"/>
+      </a:accent6>
+      <a:hlink>
+        <a:srgbClr val="0000FF"/>
+      </a:hlink>
+      <a:folHlink>
+        <a:srgbClr val="800080"/>
+      </a:folHlink>
+    </a:clrScheme>
+    <a:fontScheme name="Office">
+      <a:majorFont>
+        <a:latin typeface="Calibri"/>
+        <a:ea typeface=""/>
+        <a:cs typeface=""/>
+        <a:font script="Jpan" typeface="ＭＳ Ｐゴシック"/>
+        <a:font script="Hang" typeface="맑은 고딕"/>
+        <a:font script="Hans" typeface="宋体"/>
+        <a:font script="Hant" typeface="新細明體"/>
+        <a:font script="Arab" typeface="Times New Roman"/>
+        <a:font script="Hebr" typeface="Times New Roman"/>
+        <a:font script="Thai" typeface="Angsana New"/>
+        <a:font script="Ethi" typeface="Nyala"/>
+        <a:font script="Beng" typeface="Vrinda"/>
+        <a:font script="Gujr" typeface="Shruti"/>
+        <a:font script="Khmr" typeface="MoolBoran"/>
+        <a:font script="Knda" typeface="Tunga"/>
+        <a:font script="Guru" typeface="Raavi"/>
+        <a:font script="Cans" typeface="Euphemia"/>
+        <a:font script="Cher" typeface="Plantagenet Cherokee"/>
+        <a:font script="Yiii" typeface="Microsoft Yi Baiti"/>
+        <a:font script="Tibt" typeface="Microsoft Himalaya"/>
+        <a:font script="Thaa" typeface="MV Boli"/>
+        <a:font script="Deva" typeface="Mangal"/>
+        <a:font script="Telu" typeface="Gautami"/>
+        <a:font script="Taml" typeface="Latha"/>
+        <a:font script="Syrc" typeface="Estrangelo Edessa"/>
+        <a:font script="Orya" typeface="Kalinga"/>
+        <a:font script="Mlym" typeface="Kartika"/>
+        <a:font script="Laoo" typeface="DokChampa"/>
+        <a:font script="Sinh" typeface="Iskoola Pota"/>
+        <a:font script="Mong" typeface="Mongolian Baiti"/>
+        <a:font script="Viet" typeface="Times New Roman"/>
+        <a:font script="Uigh" typeface="Microsoft Uighur"/>
+        <a:font script="Geor" typeface="Sylfaen"/>
+      </a:majorFont>
+      <a:minorFont>
+        <a:latin typeface="Calibri"/>
+        <a:ea typeface=""/>
+        <a:cs typeface=""/>
+        <a:font script="Jpan" typeface="ＭＳ Ｐゴシック"/>
+        <a:font script="Hang" typeface="맑은 고딕"/>
+        <a:font script="Hans" typeface="宋体"/>
+        <a:font script="Hant" typeface="新細明體"/>
+        <a:font script="Arab" typeface="Arial"/>
+        <a:font script="Hebr" typeface="Arial"/>
+        <a:font script="Thai" typeface="Cordia New"/>
+        <a:font script="Ethi" typeface="Nyala"/>
+        <a:font script="Beng" typeface="Vrinda"/>
+        <a:font script="Gujr" typeface="Shruti"/>
+        <a:font script="Khmr" typeface="DaunPenh"/>
+        <a:font script="Knda" typeface="Tunga"/>
+        <a:font script="Guru" typeface="Raavi"/>
+        <a:font script="Cans" typeface="Euphemia"/>
+        <a:font script="Cher" typeface="Plantagenet Cherokee"/>
+        <a:font script="Yiii" typeface="Microsoft Yi Baiti"/>
+        <a:font script="Tibt" typeface="Microsoft Himalaya"/>
+        <a:font script="Thaa" typeface="MV Boli"/>
+        <a:font script="Deva" typeface="Mangal"/>
+        <a:font script="Telu" typeface="Gautami"/>
+        <a:font script="Taml" typeface="Latha"/>
+        <a:font script="Syrc" typeface="Estrangelo Edessa"/>
+        <a:font script="Orya" typeface="Kalinga"/>
+        <a:font script="Mlym" typeface="Kartika"/>
+        <a:font script="Laoo" typeface="DokChampa"/>
+        <a:font script="Sinh" typeface="Iskoola Pota"/>
+        <a:font script="Mong" typeface="Mongolian Baiti"/>
+        <a:font script="Viet" typeface="Arial"/>
+        <a:font script="Uigh" typeface="Microsoft Uighur"/>
+        <a:font script="Geor" typeface="Sylfaen"/>
+      </a:minorFont>
+    </a:fontScheme>
+    <a:fmtScheme name="Office">
+      <a:fillStyleLst>
         <a:solidFill>
-          <a:schemeClr val="phClr">
-            <a:tint val="95000"/>
-            <a:satMod val="170000"/>
-          </a:schemeClr>
+          <a:schemeClr val="phClr"/>
         </a:solidFill>
         <a:gradFill rotWithShape="1">
           <a:gsLst>
             <a:gs pos="0">
               <a:schemeClr val="phClr">
-                <a:tint val="93000"/>
-                <a:satMod val="150000"/>
-                <a:shade val="98000"/>
-                <a:lumMod val="102000"/>
+                <a:tint val="50000"/>
+                <a:satMod val="300000"/>
               </a:schemeClr>
             </a:gs>
-            <a:gs pos="50000">
+            <a:gs pos="35000">
               <a:schemeClr val="phClr">
-                <a:tint val="98000"/>
-                <a:satMod val="130000"/>
-                <a:shade val="90000"/>
-                <a:lumMod val="103000"/>
+                <a:tint val="37000"/>
+                <a:satMod val="300000"/>
               </a:schemeClr>
             </a:gs>
             <a:gs pos="100000">
               <a:schemeClr val="phClr">
-                <a:shade val="63000"/>
-                <a:satMod val="120000"/>
+                <a:tint val="15000"/>
+                <a:satMod val="350000"/>
               </a:schemeClr>
             </a:gs>
           </a:gsLst>
-          <a:lin ang="5400000" scaled="0"/>
+          <a:lin ang="16200000" scaled="1"/>
+        </a:gradFill>
+        <a:gradFill rotWithShape="1">
+          <a:gsLst>
+            <a:gs pos="0">
+              <a:schemeClr val="phClr">
+                <a:tint val="100000"/>
+                <a:shade val="100000"/>
+                <a:satMod val="130000"/>
+              </a:schemeClr>
+            </a:gs>
+            <a:gs pos="100000">
+              <a:schemeClr val="phClr">
+                <a:tint val="50000"/>
+                <a:shade val="100000"/>
+                <a:satMod val="350000"/>
+              </a:schemeClr>
+            </a:gs>
+          </a:gsLst>
+          <a:lin ang="16200000" scaled="0"/>
+        </a:gradFill>
+      </a:fillStyleLst>
+      <a:lnStyleLst>
+        <a:ln w="9525" cap="flat" cmpd="sng" algn="ctr">
+          <a:solidFill>
+            <a:schemeClr val="phClr">
+              <a:shade val="95000"/>
+              <a:satMod val="105000"/>
+            </a:schemeClr>
+          </a:solidFill>
+          <a:prstDash val="solid"/>
+        </a:ln>
+        <a:ln w="25400" cap="flat" cmpd="sng" algn="ctr">
+          <a:solidFill>
+            <a:schemeClr val="phClr"/>
+          </a:solidFill>
+          <a:prstDash val="solid"/>
+        </a:ln>
+        <a:ln w="38100" cap="flat" cmpd="sng" algn="ctr">
+          <a:solidFill>
+            <a:schemeClr val="phClr"/>
+          </a:solidFill>
+          <a:prstDash val="solid"/>
+        </a:ln>
+      </a:lnStyleLst>
+      <a:effectStyleLst>
+        <a:effectStyle>
+          <a:effectLst>
+            <a:outerShdw blurRad="40000" dist="20000" dir="5400000" rotWithShape="0">
+              <a:srgbClr val="000000">
+                <a:alpha val="38000"/>
+              </a:srgbClr>
+            </a:outerShdw>
+          </a:effectLst>
+        </a:effectStyle>
+        <a:effectStyle>
+          <a:effectLst>
+            <a:outerShdw blurRad="40000" dist="23000" dir="5400000" rotWithShape="0">
+              <a:srgbClr val="000000">
+                <a:alpha val="35000"/>
+              </a:srgbClr>
+            </a:outerShdw>
+          </a:effectLst>
+        </a:effectStyle>
+        <a:effectStyle>
+          <a:effectLst>
+            <a:outerShdw blurRad="40000" dist="23000" dir="5400000" rotWithShape="0">
+              <a:srgbClr val="000000">
+                <a:alpha val="35000"/>
+              </a:srgbClr>
+            </a:outerShdw>
+          </a:effectLst>
+          <a:scene3d>
+            <a:camera prst="orthographicFront">
+              <a:rot lat="0" lon="0" rev="0"/>
+            </a:camera>
+            <a:lightRig rig="threePt" dir="t">
+              <a:rot lat="0" lon="0" rev="1200000"/>
+            </a:lightRig>
+          </a:scene3d>
+          <a:sp3d>
+            <a:bevelT w="63500" h="25400"/>
+          </a:sp3d>
+        </a:effectStyle>
+      </a:effectStyleLst>
+      <a:bgFillStyleLst>
+        <a:solidFill>
+          <a:schemeClr val="phClr"/>
+        </a:solidFill>
+        <a:gradFill rotWithShape="1">
+          <a:gsLst>
+            <a:gs pos="0">
+              <a:schemeClr val="phClr">
+                <a:tint val="40000"/>
+                <a:satMod val="350000"/>
+              </a:schemeClr>
+            </a:gs>
+            <a:gs pos="40000">
+              <a:schemeClr val="phClr">
+                <a:tint val="45000"/>
+                <a:shade val="99000"/>
+                <a:satMod val="350000"/>
+              </a:schemeClr>
+            </a:gs>
+            <a:gs pos="100000">
+              <a:schemeClr val="phClr">
+                <a:shade val="20000"/>
+                <a:satMod val="255000"/>
+              </a:schemeClr>
+            </a:gs>
+          </a:gsLst>
+          <a:path path="circle">
+            <a:fillToRect l="50000" t="-80000" r="50000" b="180000"/>
+          </a:path>
+        </a:gradFill>
+        <a:gradFill rotWithShape="1">
+          <a:gsLst>
+            <a:gs pos="0">
+              <a:schemeClr val="phClr">
+                <a:tint val="80000"/>
+                <a:satMod val="300000"/>
+              </a:schemeClr>
+            </a:gs>
+            <a:gs pos="100000">
+              <a:schemeClr val="phClr">
+                <a:shade val="30000"/>
+                <a:satMod val="200000"/>
+              </a:schemeClr>
+            </a:gs>
+          </a:gsLst>
+          <a:path path="circle">
+            <a:fillToRect l="50000" t="50000" r="50000" b="50000"/>
+          </a:path>
         </a:gradFill>
       </a:bgFillStyleLst>
     </a:fmtScheme>
   </a:themeElements>
-  <a:objectDefaults/>
+  <a:objectDefaults>
+    <a:spDef>
+      <a:spPr/>
+      <a:bodyPr/>
+      <a:lstStyle/>
+      <a:style>
+        <a:lnRef idx="1">
+          <a:schemeClr val="accent1"/>
+        </a:lnRef>
+        <a:fillRef idx="3">
+          <a:schemeClr val="accent1"/>
+        </a:fillRef>
+        <a:effectRef idx="2">
+          <a:schemeClr val="accent1"/>
+        </a:effectRef>
+        <a:fontRef idx="minor">
+          <a:schemeClr val="lt1"/>
+        </a:fontRef>
+      </a:style>
+    </a:spDef>
+    <a:lnDef>
+      <a:spPr/>
+      <a:bodyPr/>
+      <a:lstStyle/>
+      <a:style>
+        <a:lnRef idx="2">
+          <a:schemeClr val="accent1"/>
+        </a:lnRef>
+        <a:fillRef idx="0">
+          <a:schemeClr val="accent1"/>
+        </a:fillRef>
+        <a:effectRef idx="1">
+          <a:schemeClr val="accent1"/>
+        </a:effectRef>
+        <a:fontRef idx="minor">
+          <a:schemeClr val="tx1"/>
+        </a:fontRef>
+      </a:style>
+    </a:lnDef>
+  </a:objectDefaults>
   <a:extraClrSchemeLst/>
-  <a:extLst>
-    <a:ext uri="{05A4C25C-085E-4340-85A3-A5531E510DB2}">
-      <thm15:themeFamily xmlns:thm15="http://schemas.microsoft.com/office/thememl/2012/main" name="Office Theme" id="{62F939B6-93AF-4DB8-9C6B-D6C7DFDC589F}" vid="{4A3C46E8-61CC-4603-A589-7422A47A8E4A}"/>
-    </a:ext>
-  </a:extLst>
+</a:theme>
+</file>
+
+<file path=ppt/theme/theme3.xml><?xml version="1.0" encoding="utf-8"?>
+<a:theme xmlns:a="http://schemas.openxmlformats.org/drawingml/2006/main" name="Office Theme">
+  <a:themeElements>
+    <a:clrScheme name="Office">
+      <a:dk1>
+        <a:sysClr val="windowText" lastClr="000000"/>
+      </a:dk1>
+      <a:lt1>
+        <a:sysClr val="window" lastClr="FFFFFF"/>
+      </a:lt1>
+      <a:dk2>
+        <a:srgbClr val="1F497D"/>
+      </a:dk2>
+      <a:lt2>
+        <a:srgbClr val="EEECE1"/>
+      </a:lt2>
+      <a:accent1>
+        <a:srgbClr val="4F81BD"/>
+      </a:accent1>
+      <a:accent2>
+        <a:srgbClr val="C0504D"/>
+      </a:accent2>
+      <a:accent3>
+        <a:srgbClr val="9BBB59"/>
+      </a:accent3>
+      <a:accent4>
+        <a:srgbClr val="8064A2"/>
+      </a:accent4>
+      <a:accent5>
+        <a:srgbClr val="4BACC6"/>
+      </a:accent5>
+      <a:accent6>
+        <a:srgbClr val="F79646"/>
+      </a:accent6>
+      <a:hlink>
+        <a:srgbClr val="0000FF"/>
+      </a:hlink>
+      <a:folHlink>
+        <a:srgbClr val="800080"/>
+      </a:folHlink>
+    </a:clrScheme>
+    <a:fontScheme name="Office">
+      <a:majorFont>
+        <a:latin typeface="Calibri"/>
+        <a:ea typeface=""/>
+        <a:cs typeface=""/>
+        <a:font script="Jpan" typeface="ＭＳ Ｐゴシック"/>
+        <a:font script="Hang" typeface="맑은 고딕"/>
+        <a:font script="Hans" typeface="宋体"/>
+        <a:font script="Hant" typeface="新細明體"/>
+        <a:font script="Arab" typeface="Times New Roman"/>
+        <a:font script="Hebr" typeface="Times New Roman"/>
+        <a:font script="Thai" typeface="Angsana New"/>
+        <a:font script="Ethi" typeface="Nyala"/>
+        <a:font script="Beng" typeface="Vrinda"/>
+        <a:font script="Gujr" typeface="Shruti"/>
+        <a:font script="Khmr" typeface="MoolBoran"/>
+        <a:font script="Knda" typeface="Tunga"/>
+        <a:font script="Guru" typeface="Raavi"/>
+        <a:font script="Cans" typeface="Euphemia"/>
+        <a:font script="Cher" typeface="Plantagenet Cherokee"/>
+        <a:font script="Yiii" typeface="Microsoft Yi Baiti"/>
+        <a:font script="Tibt" typeface="Microsoft Himalaya"/>
+        <a:font script="Thaa" typeface="MV Boli"/>
+        <a:font script="Deva" typeface="Mangal"/>
+        <a:font script="Telu" typeface="Gautami"/>
+        <a:font script="Taml" typeface="Latha"/>
+        <a:font script="Syrc" typeface="Estrangelo Edessa"/>
+        <a:font script="Orya" typeface="Kalinga"/>
+        <a:font script="Mlym" typeface="Kartika"/>
+        <a:font script="Laoo" typeface="DokChampa"/>
+        <a:font script="Sinh" typeface="Iskoola Pota"/>
+        <a:font script="Mong" typeface="Mongolian Baiti"/>
+        <a:font script="Viet" typeface="Times New Roman"/>
+        <a:font script="Uigh" typeface="Microsoft Uighur"/>
+        <a:font script="Geor" typeface="Sylfaen"/>
+      </a:majorFont>
+      <a:minorFont>
+        <a:latin typeface="Calibri"/>
+        <a:ea typeface=""/>
+        <a:cs typeface=""/>
+        <a:font script="Jpan" typeface="ＭＳ Ｐゴシック"/>
+        <a:font script="Hang" typeface="맑은 고딕"/>
+        <a:font script="Hans" typeface="宋体"/>
+        <a:font script="Hant" typeface="新細明體"/>
+        <a:font script="Arab" typeface="Arial"/>
+        <a:font script="Hebr" typeface="Arial"/>
+        <a:font script="Thai" typeface="Cordia New"/>
+        <a:font script="Ethi" typeface="Nyala"/>
+        <a:font script="Beng" typeface="Vrinda"/>
+        <a:font script="Gujr" typeface="Shruti"/>
+        <a:font script="Khmr" typeface="DaunPenh"/>
+        <a:font script="Knda" typeface="Tunga"/>
+        <a:font script="Guru" typeface="Raavi"/>
+        <a:font script="Cans" typeface="Euphemia"/>
+        <a:font script="Cher" typeface="Plantagenet Cherokee"/>
+        <a:font script="Yiii" typeface="Microsoft Yi Baiti"/>
+        <a:font script="Tibt" typeface="Microsoft Himalaya"/>
+        <a:font script="Thaa" typeface="MV Boli"/>
+        <a:font script="Deva" typeface="Mangal"/>
+        <a:font script="Telu" typeface="Gautami"/>
+        <a:font script="Taml" typeface="Latha"/>
+        <a:font script="Syrc" typeface="Estrangelo Edessa"/>
+        <a:font script="Orya" typeface="Kalinga"/>
+        <a:font script="Mlym" typeface="Kartika"/>
+        <a:font script="Laoo" typeface="DokChampa"/>
+        <a:font script="Sinh" typeface="Iskoola Pota"/>
+        <a:font script="Mong" typeface="Mongolian Baiti"/>
+        <a:font script="Viet" typeface="Arial"/>
+        <a:font script="Uigh" typeface="Microsoft Uighur"/>
+        <a:font script="Geor" typeface="Sylfaen"/>
+      </a:minorFont>
+    </a:fontScheme>
+    <a:fmtScheme name="Office">
+      <a:fillStyleLst>
+        <a:solidFill>
+          <a:schemeClr val="phClr"/>
+        </a:solidFill>
+        <a:gradFill rotWithShape="1">
+          <a:gsLst>
+            <a:gs pos="0">
+              <a:schemeClr val="phClr">
+                <a:tint val="50000"/>
+                <a:satMod val="300000"/>
+              </a:schemeClr>
+            </a:gs>
+            <a:gs pos="35000">
+              <a:schemeClr val="phClr">
+                <a:tint val="37000"/>
+                <a:satMod val="300000"/>
+              </a:schemeClr>
+            </a:gs>
+            <a:gs pos="100000">
+              <a:schemeClr val="phClr">
+                <a:tint val="15000"/>
+                <a:satMod val="350000"/>
+              </a:schemeClr>
+            </a:gs>
+          </a:gsLst>
+          <a:lin ang="16200000" scaled="1"/>
+        </a:gradFill>
+        <a:gradFill rotWithShape="1">
+          <a:gsLst>
+            <a:gs pos="0">
+              <a:schemeClr val="phClr">
+                <a:tint val="100000"/>
+                <a:shade val="100000"/>
+                <a:satMod val="130000"/>
+              </a:schemeClr>
+            </a:gs>
+            <a:gs pos="100000">
+              <a:schemeClr val="phClr">
+                <a:tint val="50000"/>
+                <a:shade val="100000"/>
+                <a:satMod val="350000"/>
+              </a:schemeClr>
+            </a:gs>
+          </a:gsLst>
+          <a:lin ang="16200000" scaled="0"/>
+        </a:gradFill>
+      </a:fillStyleLst>
+      <a:lnStyleLst>
+        <a:ln w="9525" cap="flat" cmpd="sng" algn="ctr">
+          <a:solidFill>
+            <a:schemeClr val="phClr">
+              <a:shade val="95000"/>
+              <a:satMod val="105000"/>
+            </a:schemeClr>
+          </a:solidFill>
+          <a:prstDash val="solid"/>
+        </a:ln>
+        <a:ln w="25400" cap="flat" cmpd="sng" algn="ctr">
+          <a:solidFill>
+            <a:schemeClr val="phClr"/>
+          </a:solidFill>
+          <a:prstDash val="solid"/>
+        </a:ln>
+        <a:ln w="38100" cap="flat" cmpd="sng" algn="ctr">
+          <a:solidFill>
+            <a:schemeClr val="phClr"/>
+          </a:solidFill>
+          <a:prstDash val="solid"/>
+        </a:ln>
+      </a:lnStyleLst>
+      <a:effectStyleLst>
+        <a:effectStyle>
+          <a:effectLst>
+            <a:outerShdw blurRad="40000" dist="20000" dir="5400000" rotWithShape="0">
+              <a:srgbClr val="000000">
+                <a:alpha val="38000"/>
+              </a:srgbClr>
+            </a:outerShdw>
+          </a:effectLst>
+        </a:effectStyle>
+        <a:effectStyle>
+          <a:effectLst>
+            <a:outerShdw blurRad="40000" dist="23000" dir="5400000" rotWithShape="0">
+              <a:srgbClr val="000000">
+                <a:alpha val="35000"/>
+              </a:srgbClr>
+            </a:outerShdw>
+          </a:effectLst>
+        </a:effectStyle>
+        <a:effectStyle>
+          <a:effectLst>
+            <a:outerShdw blurRad="40000" dist="23000" dir="5400000" rotWithShape="0">
+              <a:srgbClr val="000000">
+                <a:alpha val="35000"/>
+              </a:srgbClr>
+            </a:outerShdw>
+          </a:effectLst>
+          <a:scene3d>
+            <a:camera prst="orthographicFront">
+              <a:rot lat="0" lon="0" rev="0"/>
+            </a:camera>
+            <a:lightRig rig="threePt" dir="t">
+              <a:rot lat="0" lon="0" rev="1200000"/>
+            </a:lightRig>
+          </a:scene3d>
+          <a:sp3d>
+            <a:bevelT w="63500" h="25400"/>
+          </a:sp3d>
+        </a:effectStyle>
+      </a:effectStyleLst>
+      <a:bgFillStyleLst>
+        <a:solidFill>
+          <a:schemeClr val="phClr"/>
+        </a:solidFill>
+        <a:gradFill rotWithShape="1">
+          <a:gsLst>
+            <a:gs pos="0">
+              <a:schemeClr val="phClr">
+                <a:tint val="40000"/>
+                <a:satMod val="350000"/>
+              </a:schemeClr>
+            </a:gs>
+            <a:gs pos="40000">
+              <a:schemeClr val="phClr">
+                <a:tint val="45000"/>
+                <a:shade val="99000"/>
+                <a:satMod val="350000"/>
+              </a:schemeClr>
+            </a:gs>
+            <a:gs pos="100000">
+              <a:schemeClr val="phClr">
+                <a:shade val="20000"/>
+                <a:satMod val="255000"/>
+              </a:schemeClr>
+            </a:gs>
+          </a:gsLst>
+          <a:path path="circle">
+            <a:fillToRect l="50000" t="-80000" r="50000" b="180000"/>
+          </a:path>
+        </a:gradFill>
+        <a:gradFill rotWithShape="1">
+          <a:gsLst>
+            <a:gs pos="0">
+              <a:schemeClr val="phClr">
+                <a:tint val="80000"/>
+                <a:satMod val="300000"/>
+              </a:schemeClr>
+            </a:gs>
+            <a:gs pos="100000">
+              <a:schemeClr val="phClr">
+                <a:shade val="30000"/>
+                <a:satMod val="200000"/>
+              </a:schemeClr>
+            </a:gs>
+          </a:gsLst>
+          <a:path path="circle">
+            <a:fillToRect l="50000" t="50000" r="50000" b="50000"/>
+          </a:path>
+        </a:gradFill>
+      </a:bgFillStyleLst>
+    </a:fmtScheme>
+  </a:themeElements>
+  <a:objectDefaults>
+    <a:spDef>
+      <a:spPr/>
+      <a:bodyPr/>
+      <a:lstStyle/>
+      <a:style>
+        <a:lnRef idx="1">
+          <a:schemeClr val="accent1"/>
+        </a:lnRef>
+        <a:fillRef idx="3">
+          <a:schemeClr val="accent1"/>
+        </a:fillRef>
+        <a:effectRef idx="2">
+          <a:schemeClr val="accent1"/>
+        </a:effectRef>
+        <a:fontRef idx="minor">
+          <a:schemeClr val="lt1"/>
+        </a:fontRef>
+      </a:style>
+    </a:spDef>
+    <a:lnDef>
+      <a:spPr/>
+      <a:bodyPr/>
+      <a:lstStyle/>
+      <a:style>
+        <a:lnRef idx="2">
+          <a:schemeClr val="accent1"/>
+        </a:lnRef>
+        <a:fillRef idx="0">
+          <a:schemeClr val="accent1"/>
+        </a:fillRef>
+        <a:effectRef idx="1">
+          <a:schemeClr val="accent1"/>
+        </a:effectRef>
+        <a:fontRef idx="minor">
+          <a:schemeClr val="tx1"/>
+        </a:fontRef>
+      </a:style>
+    </a:lnDef>
+  </a:objectDefaults>
+  <a:extraClrSchemeLst/>
 </a:theme>
 </file>